--- a/vortex.pptx
+++ b/vortex.pptx
@@ -16,9 +16,7 @@
     <p:sldId id="272" r:id="rId10"/>
     <p:sldId id="273" r:id="rId11"/>
     <p:sldId id="274" r:id="rId12"/>
-    <p:sldId id="265" r:id="rId13"/>
-    <p:sldId id="266" r:id="rId14"/>
-    <p:sldId id="267" r:id="rId15"/>
+    <p:sldId id="275" r:id="rId13"/>
   </p:sldIdLst>
   <p:sldSz cx="12192000" cy="6858000"/>
   <p:notesSz cx="6858000" cy="9144000"/>
@@ -133,9 +131,7 @@
             <p14:sldId id="272"/>
             <p14:sldId id="273"/>
             <p14:sldId id="274"/>
-            <p14:sldId id="265"/>
-            <p14:sldId id="266"/>
-            <p14:sldId id="267"/>
+            <p14:sldId id="275"/>
           </p14:sldIdLst>
         </p14:section>
       </p14:sectionLst>
@@ -3375,8 +3371,8 @@
         </p:nvSpPr>
         <p:spPr>
           <a:xfrm>
-            <a:off x="1591294" y="2844225"/>
-            <a:ext cx="9826831" cy="584775"/>
+            <a:off x="890650" y="2933290"/>
+            <a:ext cx="10527475" cy="584775"/>
           </a:xfrm>
           <a:prstGeom prst="rect">
             <a:avLst/>
@@ -3394,7 +3390,7 @@
                 <a:latin typeface="Cambria" panose="02040503050406030204" pitchFamily="18" charset="0"/>
                 <a:ea typeface="Cambria" panose="02040503050406030204" pitchFamily="18" charset="0"/>
               </a:rPr>
-              <a:t>Vortex phase transition in iron-based superconductor</a:t>
+              <a:t>Vortex phase transition in [100] iron-based superconductor</a:t>
             </a:r>
             <a:endParaRPr lang="zh-CN" altLang="en-US" sz="3200" dirty="0">
               <a:latin typeface="Cambria" panose="02040503050406030204" pitchFamily="18" charset="0"/>
@@ -3568,7 +3564,7 @@
         </p:blipFill>
         <p:spPr>
           <a:xfrm>
-            <a:off x="520136" y="1438378"/>
+            <a:off x="365757" y="1402752"/>
             <a:ext cx="2998309" cy="3237217"/>
           </a:xfrm>
           <a:prstGeom prst="rect">
@@ -3617,6 +3613,1344 @@
           </a:p>
         </p:txBody>
       </p:sp>
+      <p:pic>
+        <p:nvPicPr>
+          <p:cNvPr id="3" name="图片 2">
+            <a:extLst>
+              <a:ext uri="{FF2B5EF4-FFF2-40B4-BE49-F238E27FC236}">
+                <a16:creationId xmlns:a16="http://schemas.microsoft.com/office/drawing/2014/main" id="{907350D4-623E-424E-88CB-DA262E7BF8EF}"/>
+              </a:ext>
+            </a:extLst>
+          </p:cNvPr>
+          <p:cNvPicPr>
+            <a:picLocks noChangeAspect="1"/>
+          </p:cNvPicPr>
+          <p:nvPr/>
+        </p:nvPicPr>
+        <p:blipFill>
+          <a:blip r:embed="rId3"/>
+          <a:stretch>
+            <a:fillRect/>
+          </a:stretch>
+        </p:blipFill>
+        <p:spPr>
+          <a:xfrm>
+            <a:off x="4030096" y="1447280"/>
+            <a:ext cx="4395446" cy="317542"/>
+          </a:xfrm>
+          <a:prstGeom prst="rect">
+            <a:avLst/>
+          </a:prstGeom>
+        </p:spPr>
+      </p:pic>
+      <p:pic>
+        <p:nvPicPr>
+          <p:cNvPr id="6" name="图片 5">
+            <a:extLst>
+              <a:ext uri="{FF2B5EF4-FFF2-40B4-BE49-F238E27FC236}">
+                <a16:creationId xmlns:a16="http://schemas.microsoft.com/office/drawing/2014/main" id="{7DA6295F-E258-41B6-B9CB-AAEE68EB190D}"/>
+              </a:ext>
+            </a:extLst>
+          </p:cNvPr>
+          <p:cNvPicPr>
+            <a:picLocks noChangeAspect="1"/>
+          </p:cNvPicPr>
+          <p:nvPr/>
+        </p:nvPicPr>
+        <p:blipFill>
+          <a:blip r:embed="rId4"/>
+          <a:stretch>
+            <a:fillRect/>
+          </a:stretch>
+        </p:blipFill>
+        <p:spPr>
+          <a:xfrm>
+            <a:off x="11245930" y="1478782"/>
+            <a:ext cx="485147" cy="276350"/>
+          </a:xfrm>
+          <a:prstGeom prst="rect">
+            <a:avLst/>
+          </a:prstGeom>
+        </p:spPr>
+      </p:pic>
+      <p:sp>
+        <p:nvSpPr>
+          <p:cNvPr id="9" name="文本框 8">
+            <a:extLst>
+              <a:ext uri="{FF2B5EF4-FFF2-40B4-BE49-F238E27FC236}">
+                <a16:creationId xmlns:a16="http://schemas.microsoft.com/office/drawing/2014/main" id="{49D5F633-583C-4ABF-9B6E-743B8DD2C880}"/>
+              </a:ext>
+            </a:extLst>
+          </p:cNvPr>
+          <p:cNvSpPr txBox="1"/>
+          <p:nvPr/>
+        </p:nvSpPr>
+        <p:spPr>
+          <a:xfrm>
+            <a:off x="9594390" y="1451438"/>
+            <a:ext cx="1799111" cy="369332"/>
+          </a:xfrm>
+          <a:prstGeom prst="rect">
+            <a:avLst/>
+          </a:prstGeom>
+          <a:noFill/>
+        </p:spPr>
+        <p:txBody>
+          <a:bodyPr wrap="square" rtlCol="0">
+            <a:spAutoFit/>
+          </a:bodyPr>
+          <a:lstStyle/>
+          <a:p>
+            <a:r>
+              <a:rPr lang="en-US" altLang="zh-CN" dirty="0">
+                <a:latin typeface="Cambria" panose="02040503050406030204" pitchFamily="18" charset="0"/>
+                <a:ea typeface="Cambria" panose="02040503050406030204" pitchFamily="18" charset="0"/>
+              </a:rPr>
+              <a:t>symmetry</a:t>
+            </a:r>
+            <a:endParaRPr lang="zh-CN" altLang="en-US" dirty="0">
+              <a:latin typeface="Cambria" panose="02040503050406030204" pitchFamily="18" charset="0"/>
+            </a:endParaRPr>
+          </a:p>
+        </p:txBody>
+      </p:sp>
+      <p:pic>
+        <p:nvPicPr>
+          <p:cNvPr id="13" name="图片 12">
+            <a:extLst>
+              <a:ext uri="{FF2B5EF4-FFF2-40B4-BE49-F238E27FC236}">
+                <a16:creationId xmlns:a16="http://schemas.microsoft.com/office/drawing/2014/main" id="{13CD746B-93DA-43B3-92ED-DB9DBE8A26DD}"/>
+              </a:ext>
+            </a:extLst>
+          </p:cNvPr>
+          <p:cNvPicPr>
+            <a:picLocks noChangeAspect="1"/>
+          </p:cNvPicPr>
+          <p:nvPr/>
+        </p:nvPicPr>
+        <p:blipFill>
+          <a:blip r:embed="rId5"/>
+          <a:stretch>
+            <a:fillRect/>
+          </a:stretch>
+        </p:blipFill>
+        <p:spPr>
+          <a:xfrm>
+            <a:off x="10798811" y="1787623"/>
+            <a:ext cx="1379383" cy="487767"/>
+          </a:xfrm>
+          <a:prstGeom prst="rect">
+            <a:avLst/>
+          </a:prstGeom>
+        </p:spPr>
+      </p:pic>
+      <mc:AlternateContent xmlns:mc="http://schemas.openxmlformats.org/markup-compatibility/2006">
+        <mc:Choice xmlns:a14="http://schemas.microsoft.com/office/drawing/2010/main" Requires="a14">
+          <p:sp>
+            <p:nvSpPr>
+              <p:cNvPr id="14" name="文本框 13">
+                <a:extLst>
+                  <a:ext uri="{FF2B5EF4-FFF2-40B4-BE49-F238E27FC236}">
+                    <a16:creationId xmlns:a16="http://schemas.microsoft.com/office/drawing/2014/main" id="{3A51FDBA-B1FF-4A8A-B388-09597298E447}"/>
+                  </a:ext>
+                </a:extLst>
+              </p:cNvPr>
+              <p:cNvSpPr txBox="1"/>
+              <p:nvPr/>
+            </p:nvSpPr>
+            <p:spPr>
+              <a:xfrm>
+                <a:off x="3928104" y="1869565"/>
+                <a:ext cx="2713512" cy="307777"/>
+              </a:xfrm>
+              <a:prstGeom prst="rect">
+                <a:avLst/>
+              </a:prstGeom>
+              <a:noFill/>
+            </p:spPr>
+            <p:txBody>
+              <a:bodyPr wrap="square" rtlCol="0">
+                <a:spAutoFit/>
+              </a:bodyPr>
+              <a:lstStyle/>
+              <a:p>
+                <a:r>
+                  <a:rPr lang="en-US" altLang="zh-CN" sz="1400" dirty="0">
+                    <a:latin typeface="Cambria" panose="02040503050406030204" pitchFamily="18" charset="0"/>
+                    <a:ea typeface="Cambria" panose="02040503050406030204" pitchFamily="18" charset="0"/>
+                  </a:rPr>
+                  <a:t>Consider </a:t>
+                </a:r>
+                <a14:m>
+                  <m:oMath xmlns:m="http://schemas.openxmlformats.org/officeDocument/2006/math">
+                    <m:sSub>
+                      <m:sSubPr>
+                        <m:ctrlPr>
+                          <a:rPr lang="en-US" altLang="zh-CN" sz="1400" b="0" i="1" smtClean="0">
+                            <a:latin typeface="Cambria Math" panose="02040503050406030204" pitchFamily="18" charset="0"/>
+                          </a:rPr>
+                        </m:ctrlPr>
+                      </m:sSubPr>
+                      <m:e>
+                        <m:r>
+                          <a:rPr lang="en-US" altLang="zh-CN" sz="1400" b="0" i="1" smtClean="0">
+                            <a:latin typeface="Cambria Math" panose="02040503050406030204" pitchFamily="18" charset="0"/>
+                          </a:rPr>
+                          <m:t>𝑘</m:t>
+                        </m:r>
+                      </m:e>
+                      <m:sub>
+                        <m:r>
+                          <a:rPr lang="en-US" altLang="zh-CN" sz="1400" b="0" i="1" smtClean="0">
+                            <a:latin typeface="Cambria Math" panose="02040503050406030204" pitchFamily="18" charset="0"/>
+                          </a:rPr>
+                          <m:t>𝑧</m:t>
+                        </m:r>
+                      </m:sub>
+                    </m:sSub>
+                    <m:r>
+                      <a:rPr lang="en-US" altLang="zh-CN" sz="1400" b="0" i="1" smtClean="0">
+                        <a:latin typeface="Cambria Math" panose="02040503050406030204" pitchFamily="18" charset="0"/>
+                      </a:rPr>
+                      <m:t>=0</m:t>
+                    </m:r>
+                  </m:oMath>
+                </a14:m>
+                <a:endParaRPr lang="zh-CN" altLang="en-US" sz="1400" dirty="0">
+                  <a:latin typeface="Cambria" panose="02040503050406030204" pitchFamily="18" charset="0"/>
+                </a:endParaRPr>
+              </a:p>
+            </p:txBody>
+          </p:sp>
+        </mc:Choice>
+        <mc:Fallback>
+          <p:sp>
+            <p:nvSpPr>
+              <p:cNvPr id="14" name="文本框 13">
+                <a:extLst>
+                  <a:ext uri="{FF2B5EF4-FFF2-40B4-BE49-F238E27FC236}">
+                    <a16:creationId xmlns:a16="http://schemas.microsoft.com/office/drawing/2014/main" id="{3A51FDBA-B1FF-4A8A-B388-09597298E447}"/>
+                  </a:ext>
+                </a:extLst>
+              </p:cNvPr>
+              <p:cNvSpPr txBox="1">
+                <a:spLocks noRot="1" noChangeAspect="1" noMove="1" noResize="1" noEditPoints="1" noAdjustHandles="1" noChangeArrowheads="1" noChangeShapeType="1" noTextEdit="1"/>
+              </p:cNvSpPr>
+              <p:nvPr/>
+            </p:nvSpPr>
+            <p:spPr>
+              <a:xfrm>
+                <a:off x="3928104" y="1869565"/>
+                <a:ext cx="2713512" cy="307777"/>
+              </a:xfrm>
+              <a:prstGeom prst="rect">
+                <a:avLst/>
+              </a:prstGeom>
+              <a:blipFill>
+                <a:blip r:embed="rId6"/>
+                <a:stretch>
+                  <a:fillRect l="-673" t="-6000" b="-18000"/>
+                </a:stretch>
+              </a:blipFill>
+            </p:spPr>
+            <p:txBody>
+              <a:bodyPr/>
+              <a:lstStyle/>
+              <a:p>
+                <a:r>
+                  <a:rPr lang="zh-CN" altLang="en-US">
+                    <a:noFill/>
+                  </a:rPr>
+                  <a:t> </a:t>
+                </a:r>
+              </a:p>
+            </p:txBody>
+          </p:sp>
+        </mc:Fallback>
+      </mc:AlternateContent>
+      <p:pic>
+        <p:nvPicPr>
+          <p:cNvPr id="16" name="图片 15">
+            <a:extLst>
+              <a:ext uri="{FF2B5EF4-FFF2-40B4-BE49-F238E27FC236}">
+                <a16:creationId xmlns:a16="http://schemas.microsoft.com/office/drawing/2014/main" id="{2538971B-A77B-4BE7-B942-8BC0C2F5F978}"/>
+              </a:ext>
+            </a:extLst>
+          </p:cNvPr>
+          <p:cNvPicPr>
+            <a:picLocks noChangeAspect="1"/>
+          </p:cNvPicPr>
+          <p:nvPr/>
+        </p:nvPicPr>
+        <p:blipFill>
+          <a:blip r:embed="rId7"/>
+          <a:stretch>
+            <a:fillRect/>
+          </a:stretch>
+        </p:blipFill>
+        <p:spPr>
+          <a:xfrm>
+            <a:off x="3729755" y="2313834"/>
+            <a:ext cx="1941241" cy="371276"/>
+          </a:xfrm>
+          <a:prstGeom prst="rect">
+            <a:avLst/>
+          </a:prstGeom>
+        </p:spPr>
+      </p:pic>
+      <p:pic>
+        <p:nvPicPr>
+          <p:cNvPr id="20" name="图片 19">
+            <a:extLst>
+              <a:ext uri="{FF2B5EF4-FFF2-40B4-BE49-F238E27FC236}">
+                <a16:creationId xmlns:a16="http://schemas.microsoft.com/office/drawing/2014/main" id="{61900F45-872F-4710-89CC-0EC903152F59}"/>
+              </a:ext>
+            </a:extLst>
+          </p:cNvPr>
+          <p:cNvPicPr>
+            <a:picLocks noChangeAspect="1"/>
+          </p:cNvPicPr>
+          <p:nvPr/>
+        </p:nvPicPr>
+        <p:blipFill>
+          <a:blip r:embed="rId8"/>
+          <a:stretch>
+            <a:fillRect/>
+          </a:stretch>
+        </p:blipFill>
+        <p:spPr>
+          <a:xfrm>
+            <a:off x="5670996" y="2355165"/>
+            <a:ext cx="1920950" cy="307777"/>
+          </a:xfrm>
+          <a:prstGeom prst="rect">
+            <a:avLst/>
+          </a:prstGeom>
+        </p:spPr>
+      </p:pic>
+      <p:pic>
+        <p:nvPicPr>
+          <p:cNvPr id="21" name="图片 20">
+            <a:extLst>
+              <a:ext uri="{FF2B5EF4-FFF2-40B4-BE49-F238E27FC236}">
+                <a16:creationId xmlns:a16="http://schemas.microsoft.com/office/drawing/2014/main" id="{EFD9D2BA-22DE-4AAD-A4E4-C5A95EDCDFE4}"/>
+              </a:ext>
+            </a:extLst>
+          </p:cNvPr>
+          <p:cNvPicPr>
+            <a:picLocks noChangeAspect="1"/>
+          </p:cNvPicPr>
+          <p:nvPr/>
+        </p:nvPicPr>
+        <p:blipFill>
+          <a:blip r:embed="rId9"/>
+          <a:stretch>
+            <a:fillRect/>
+          </a:stretch>
+        </p:blipFill>
+        <p:spPr>
+          <a:xfrm>
+            <a:off x="7846037" y="1866671"/>
+            <a:ext cx="741828" cy="580102"/>
+          </a:xfrm>
+          <a:prstGeom prst="rect">
+            <a:avLst/>
+          </a:prstGeom>
+        </p:spPr>
+      </p:pic>
+      <p:cxnSp>
+        <p:nvCxnSpPr>
+          <p:cNvPr id="22" name="直接箭头连接符 21">
+            <a:extLst>
+              <a:ext uri="{FF2B5EF4-FFF2-40B4-BE49-F238E27FC236}">
+                <a16:creationId xmlns:a16="http://schemas.microsoft.com/office/drawing/2014/main" id="{E60A1D71-DDEA-4595-9075-882A4206334E}"/>
+              </a:ext>
+            </a:extLst>
+          </p:cNvPr>
+          <p:cNvCxnSpPr>
+            <a:cxnSpLocks/>
+          </p:cNvCxnSpPr>
+          <p:nvPr/>
+        </p:nvCxnSpPr>
+        <p:spPr>
+          <a:xfrm>
+            <a:off x="7801766" y="2567741"/>
+            <a:ext cx="843470" cy="0"/>
+          </a:xfrm>
+          <a:prstGeom prst="straightConnector1">
+            <a:avLst/>
+          </a:prstGeom>
+          <a:ln w="19050">
+            <a:tailEnd type="triangle"/>
+          </a:ln>
+        </p:spPr>
+        <p:style>
+          <a:lnRef idx="1">
+            <a:schemeClr val="accent1"/>
+          </a:lnRef>
+          <a:fillRef idx="0">
+            <a:schemeClr val="accent1"/>
+          </a:fillRef>
+          <a:effectRef idx="0">
+            <a:schemeClr val="accent1"/>
+          </a:effectRef>
+          <a:fontRef idx="minor">
+            <a:schemeClr val="tx1"/>
+          </a:fontRef>
+        </p:style>
+      </p:cxnSp>
+      <p:pic>
+        <p:nvPicPr>
+          <p:cNvPr id="27" name="图片 26">
+            <a:extLst>
+              <a:ext uri="{FF2B5EF4-FFF2-40B4-BE49-F238E27FC236}">
+                <a16:creationId xmlns:a16="http://schemas.microsoft.com/office/drawing/2014/main" id="{D82BCFF4-5828-4624-85D8-24E592B3C4E4}"/>
+              </a:ext>
+            </a:extLst>
+          </p:cNvPr>
+          <p:cNvPicPr>
+            <a:picLocks noChangeAspect="1"/>
+          </p:cNvPicPr>
+          <p:nvPr/>
+        </p:nvPicPr>
+        <p:blipFill>
+          <a:blip r:embed="rId10"/>
+          <a:stretch>
+            <a:fillRect/>
+          </a:stretch>
+        </p:blipFill>
+        <p:spPr>
+          <a:xfrm>
+            <a:off x="8737058" y="1907964"/>
+            <a:ext cx="2027302" cy="1054197"/>
+          </a:xfrm>
+          <a:prstGeom prst="rect">
+            <a:avLst/>
+          </a:prstGeom>
+        </p:spPr>
+      </p:pic>
+      <p:pic>
+        <p:nvPicPr>
+          <p:cNvPr id="29" name="图片 28">
+            <a:extLst>
+              <a:ext uri="{FF2B5EF4-FFF2-40B4-BE49-F238E27FC236}">
+                <a16:creationId xmlns:a16="http://schemas.microsoft.com/office/drawing/2014/main" id="{5D64791E-B045-4930-9657-3E0EE8D4C623}"/>
+              </a:ext>
+            </a:extLst>
+          </p:cNvPr>
+          <p:cNvPicPr>
+            <a:picLocks noChangeAspect="1"/>
+          </p:cNvPicPr>
+          <p:nvPr/>
+        </p:nvPicPr>
+        <p:blipFill>
+          <a:blip r:embed="rId11"/>
+          <a:stretch>
+            <a:fillRect/>
+          </a:stretch>
+        </p:blipFill>
+        <p:spPr>
+          <a:xfrm>
+            <a:off x="8587865" y="2945300"/>
+            <a:ext cx="3410601" cy="1463688"/>
+          </a:xfrm>
+          <a:prstGeom prst="rect">
+            <a:avLst/>
+          </a:prstGeom>
+        </p:spPr>
+      </p:pic>
+      <p:pic>
+        <p:nvPicPr>
+          <p:cNvPr id="31" name="图片 30">
+            <a:extLst>
+              <a:ext uri="{FF2B5EF4-FFF2-40B4-BE49-F238E27FC236}">
+                <a16:creationId xmlns:a16="http://schemas.microsoft.com/office/drawing/2014/main" id="{F56B40C1-89EE-4682-A7A8-3BAFCE6CB991}"/>
+              </a:ext>
+            </a:extLst>
+          </p:cNvPr>
+          <p:cNvPicPr>
+            <a:picLocks noChangeAspect="1"/>
+          </p:cNvPicPr>
+          <p:nvPr/>
+        </p:nvPicPr>
+        <p:blipFill>
+          <a:blip r:embed="rId12"/>
+          <a:stretch>
+            <a:fillRect/>
+          </a:stretch>
+        </p:blipFill>
+        <p:spPr>
+          <a:xfrm>
+            <a:off x="3586932" y="4681813"/>
+            <a:ext cx="493185" cy="269472"/>
+          </a:xfrm>
+          <a:prstGeom prst="rect">
+            <a:avLst/>
+          </a:prstGeom>
+        </p:spPr>
+      </p:pic>
+      <p:pic>
+        <p:nvPicPr>
+          <p:cNvPr id="35" name="图片 34">
+            <a:extLst>
+              <a:ext uri="{FF2B5EF4-FFF2-40B4-BE49-F238E27FC236}">
+                <a16:creationId xmlns:a16="http://schemas.microsoft.com/office/drawing/2014/main" id="{8E578E4B-EF9B-4A65-9F21-FAE0D61787AC}"/>
+              </a:ext>
+            </a:extLst>
+          </p:cNvPr>
+          <p:cNvPicPr>
+            <a:picLocks noChangeAspect="1"/>
+          </p:cNvPicPr>
+          <p:nvPr/>
+        </p:nvPicPr>
+        <p:blipFill>
+          <a:blip r:embed="rId13"/>
+          <a:stretch>
+            <a:fillRect/>
+          </a:stretch>
+        </p:blipFill>
+        <p:spPr>
+          <a:xfrm>
+            <a:off x="4043349" y="4575166"/>
+            <a:ext cx="2837825" cy="621422"/>
+          </a:xfrm>
+          <a:prstGeom prst="rect">
+            <a:avLst/>
+          </a:prstGeom>
+        </p:spPr>
+      </p:pic>
+      <p:pic>
+        <p:nvPicPr>
+          <p:cNvPr id="37" name="图片 36">
+            <a:extLst>
+              <a:ext uri="{FF2B5EF4-FFF2-40B4-BE49-F238E27FC236}">
+                <a16:creationId xmlns:a16="http://schemas.microsoft.com/office/drawing/2014/main" id="{072AEFCE-4DFD-4318-8B40-830B076AC727}"/>
+              </a:ext>
+            </a:extLst>
+          </p:cNvPr>
+          <p:cNvPicPr>
+            <a:picLocks noChangeAspect="1"/>
+          </p:cNvPicPr>
+          <p:nvPr/>
+        </p:nvPicPr>
+        <p:blipFill>
+          <a:blip r:embed="rId14"/>
+          <a:stretch>
+            <a:fillRect/>
+          </a:stretch>
+        </p:blipFill>
+        <p:spPr>
+          <a:xfrm>
+            <a:off x="6935289" y="4629361"/>
+            <a:ext cx="1652576" cy="200700"/>
+          </a:xfrm>
+          <a:prstGeom prst="rect">
+            <a:avLst/>
+          </a:prstGeom>
+        </p:spPr>
+      </p:pic>
+      <p:cxnSp>
+        <p:nvCxnSpPr>
+          <p:cNvPr id="39" name="直接箭头连接符 38">
+            <a:extLst>
+              <a:ext uri="{FF2B5EF4-FFF2-40B4-BE49-F238E27FC236}">
+                <a16:creationId xmlns:a16="http://schemas.microsoft.com/office/drawing/2014/main" id="{D0EEC47F-5452-4D41-9127-1116E2B22DB1}"/>
+              </a:ext>
+            </a:extLst>
+          </p:cNvPr>
+          <p:cNvCxnSpPr>
+            <a:cxnSpLocks/>
+          </p:cNvCxnSpPr>
+          <p:nvPr/>
+        </p:nvCxnSpPr>
+        <p:spPr>
+          <a:xfrm flipV="1">
+            <a:off x="6913457" y="4878939"/>
+            <a:ext cx="1731779" cy="6934"/>
+          </a:xfrm>
+          <a:prstGeom prst="straightConnector1">
+            <a:avLst/>
+          </a:prstGeom>
+          <a:ln w="19050">
+            <a:tailEnd type="triangle"/>
+          </a:ln>
+        </p:spPr>
+        <p:style>
+          <a:lnRef idx="1">
+            <a:schemeClr val="accent1"/>
+          </a:lnRef>
+          <a:fillRef idx="0">
+            <a:schemeClr val="accent1"/>
+          </a:fillRef>
+          <a:effectRef idx="0">
+            <a:schemeClr val="accent1"/>
+          </a:effectRef>
+          <a:fontRef idx="minor">
+            <a:schemeClr val="tx1"/>
+          </a:fontRef>
+        </p:style>
+      </p:cxnSp>
+      <p:pic>
+        <p:nvPicPr>
+          <p:cNvPr id="43" name="图片 42">
+            <a:extLst>
+              <a:ext uri="{FF2B5EF4-FFF2-40B4-BE49-F238E27FC236}">
+                <a16:creationId xmlns:a16="http://schemas.microsoft.com/office/drawing/2014/main" id="{AC6B7661-F3FB-49FA-A9DC-84136940AA2E}"/>
+              </a:ext>
+            </a:extLst>
+          </p:cNvPr>
+          <p:cNvPicPr>
+            <a:picLocks noChangeAspect="1"/>
+          </p:cNvPicPr>
+          <p:nvPr/>
+        </p:nvPicPr>
+        <p:blipFill>
+          <a:blip r:embed="rId15"/>
+          <a:stretch>
+            <a:fillRect/>
+          </a:stretch>
+        </p:blipFill>
+        <p:spPr>
+          <a:xfrm>
+            <a:off x="8677519" y="4568231"/>
+            <a:ext cx="3480684" cy="621415"/>
+          </a:xfrm>
+          <a:prstGeom prst="rect">
+            <a:avLst/>
+          </a:prstGeom>
+        </p:spPr>
+      </p:pic>
+      <p:pic>
+        <p:nvPicPr>
+          <p:cNvPr id="46" name="图片 45">
+            <a:extLst>
+              <a:ext uri="{FF2B5EF4-FFF2-40B4-BE49-F238E27FC236}">
+                <a16:creationId xmlns:a16="http://schemas.microsoft.com/office/drawing/2014/main" id="{DA43BF9D-87DB-4117-BB0D-65F8039162B6}"/>
+              </a:ext>
+            </a:extLst>
+          </p:cNvPr>
+          <p:cNvPicPr>
+            <a:picLocks noChangeAspect="1"/>
+          </p:cNvPicPr>
+          <p:nvPr/>
+        </p:nvPicPr>
+        <p:blipFill>
+          <a:blip r:embed="rId16"/>
+          <a:stretch>
+            <a:fillRect/>
+          </a:stretch>
+        </p:blipFill>
+        <p:spPr>
+          <a:xfrm>
+            <a:off x="1893410" y="5436122"/>
+            <a:ext cx="3387044" cy="731474"/>
+          </a:xfrm>
+          <a:prstGeom prst="rect">
+            <a:avLst/>
+          </a:prstGeom>
+        </p:spPr>
+      </p:pic>
+      <p:cxnSp>
+        <p:nvCxnSpPr>
+          <p:cNvPr id="48" name="直接箭头连接符 47">
+            <a:extLst>
+              <a:ext uri="{FF2B5EF4-FFF2-40B4-BE49-F238E27FC236}">
+                <a16:creationId xmlns:a16="http://schemas.microsoft.com/office/drawing/2014/main" id="{EABD15C2-45D9-4F97-8C56-8D56E0855401}"/>
+              </a:ext>
+            </a:extLst>
+          </p:cNvPr>
+          <p:cNvCxnSpPr>
+            <a:endCxn id="46" idx="1"/>
+          </p:cNvCxnSpPr>
+          <p:nvPr/>
+        </p:nvCxnSpPr>
+        <p:spPr>
+          <a:xfrm>
+            <a:off x="1055419" y="5801859"/>
+            <a:ext cx="837991" cy="0"/>
+          </a:xfrm>
+          <a:prstGeom prst="straightConnector1">
+            <a:avLst/>
+          </a:prstGeom>
+          <a:ln>
+            <a:tailEnd type="triangle"/>
+          </a:ln>
+        </p:spPr>
+        <p:style>
+          <a:lnRef idx="1">
+            <a:schemeClr val="accent1"/>
+          </a:lnRef>
+          <a:fillRef idx="0">
+            <a:schemeClr val="accent1"/>
+          </a:fillRef>
+          <a:effectRef idx="0">
+            <a:schemeClr val="accent1"/>
+          </a:effectRef>
+          <a:fontRef idx="minor">
+            <a:schemeClr val="tx1"/>
+          </a:fontRef>
+        </p:style>
+      </p:cxnSp>
+      <p:pic>
+        <p:nvPicPr>
+          <p:cNvPr id="50" name="图片 49">
+            <a:extLst>
+              <a:ext uri="{FF2B5EF4-FFF2-40B4-BE49-F238E27FC236}">
+                <a16:creationId xmlns:a16="http://schemas.microsoft.com/office/drawing/2014/main" id="{B0D8B2AD-E1F4-4E99-A7D1-6EDE44DA3C20}"/>
+              </a:ext>
+            </a:extLst>
+          </p:cNvPr>
+          <p:cNvPicPr>
+            <a:picLocks noChangeAspect="1"/>
+          </p:cNvPicPr>
+          <p:nvPr/>
+        </p:nvPicPr>
+        <p:blipFill>
+          <a:blip r:embed="rId17"/>
+          <a:stretch>
+            <a:fillRect/>
+          </a:stretch>
+        </p:blipFill>
+        <p:spPr>
+          <a:xfrm>
+            <a:off x="1323657" y="5510305"/>
+            <a:ext cx="363655" cy="269606"/>
+          </a:xfrm>
+          <a:prstGeom prst="rect">
+            <a:avLst/>
+          </a:prstGeom>
+        </p:spPr>
+      </p:pic>
+      <p:pic>
+        <p:nvPicPr>
+          <p:cNvPr id="51" name="图片 50">
+            <a:extLst>
+              <a:ext uri="{FF2B5EF4-FFF2-40B4-BE49-F238E27FC236}">
+                <a16:creationId xmlns:a16="http://schemas.microsoft.com/office/drawing/2014/main" id="{DA2347A7-ADA7-4E14-A626-3CA8B6ED7FF1}"/>
+              </a:ext>
+            </a:extLst>
+          </p:cNvPr>
+          <p:cNvPicPr>
+            <a:picLocks noChangeAspect="1"/>
+          </p:cNvPicPr>
+          <p:nvPr/>
+        </p:nvPicPr>
+        <p:blipFill>
+          <a:blip r:embed="rId18"/>
+          <a:stretch>
+            <a:fillRect/>
+          </a:stretch>
+        </p:blipFill>
+        <p:spPr>
+          <a:xfrm>
+            <a:off x="2763413" y="6227130"/>
+            <a:ext cx="1376470" cy="360000"/>
+          </a:xfrm>
+          <a:prstGeom prst="rect">
+            <a:avLst/>
+          </a:prstGeom>
+        </p:spPr>
+      </p:pic>
+      <p:pic>
+        <p:nvPicPr>
+          <p:cNvPr id="53" name="图片 52">
+            <a:extLst>
+              <a:ext uri="{FF2B5EF4-FFF2-40B4-BE49-F238E27FC236}">
+                <a16:creationId xmlns:a16="http://schemas.microsoft.com/office/drawing/2014/main" id="{3282686B-D148-4CEA-91E0-4F4DD7C3040E}"/>
+              </a:ext>
+            </a:extLst>
+          </p:cNvPr>
+          <p:cNvPicPr>
+            <a:picLocks noChangeAspect="1"/>
+          </p:cNvPicPr>
+          <p:nvPr/>
+        </p:nvPicPr>
+        <p:blipFill>
+          <a:blip r:embed="rId19"/>
+          <a:stretch>
+            <a:fillRect/>
+          </a:stretch>
+        </p:blipFill>
+        <p:spPr>
+          <a:xfrm>
+            <a:off x="6562514" y="5607546"/>
+            <a:ext cx="3301864" cy="414027"/>
+          </a:xfrm>
+          <a:prstGeom prst="rect">
+            <a:avLst/>
+          </a:prstGeom>
+        </p:spPr>
+      </p:pic>
+      <p:cxnSp>
+        <p:nvCxnSpPr>
+          <p:cNvPr id="54" name="直接箭头连接符 53">
+            <a:extLst>
+              <a:ext uri="{FF2B5EF4-FFF2-40B4-BE49-F238E27FC236}">
+                <a16:creationId xmlns:a16="http://schemas.microsoft.com/office/drawing/2014/main" id="{3B579A98-5AC5-463E-94D0-4FE3E56EF531}"/>
+              </a:ext>
+            </a:extLst>
+          </p:cNvPr>
+          <p:cNvCxnSpPr>
+            <a:cxnSpLocks/>
+            <a:endCxn id="53" idx="1"/>
+          </p:cNvCxnSpPr>
+          <p:nvPr/>
+        </p:nvCxnSpPr>
+        <p:spPr>
+          <a:xfrm>
+            <a:off x="5276949" y="5813910"/>
+            <a:ext cx="1285565" cy="650"/>
+          </a:xfrm>
+          <a:prstGeom prst="straightConnector1">
+            <a:avLst/>
+          </a:prstGeom>
+          <a:ln w="19050">
+            <a:tailEnd type="triangle"/>
+          </a:ln>
+        </p:spPr>
+        <p:style>
+          <a:lnRef idx="1">
+            <a:schemeClr val="accent1"/>
+          </a:lnRef>
+          <a:fillRef idx="0">
+            <a:schemeClr val="accent1"/>
+          </a:fillRef>
+          <a:effectRef idx="0">
+            <a:schemeClr val="accent1"/>
+          </a:effectRef>
+          <a:fontRef idx="minor">
+            <a:schemeClr val="tx1"/>
+          </a:fontRef>
+        </p:style>
+      </p:cxnSp>
+      <p:pic>
+        <p:nvPicPr>
+          <p:cNvPr id="56" name="图片 55">
+            <a:extLst>
+              <a:ext uri="{FF2B5EF4-FFF2-40B4-BE49-F238E27FC236}">
+                <a16:creationId xmlns:a16="http://schemas.microsoft.com/office/drawing/2014/main" id="{FF4CBC33-7CDE-479F-AE74-6BC7304BDFDC}"/>
+              </a:ext>
+            </a:extLst>
+          </p:cNvPr>
+          <p:cNvPicPr>
+            <a:picLocks noChangeAspect="1"/>
+          </p:cNvPicPr>
+          <p:nvPr/>
+        </p:nvPicPr>
+        <p:blipFill>
+          <a:blip r:embed="rId20"/>
+          <a:stretch>
+            <a:fillRect/>
+          </a:stretch>
+        </p:blipFill>
+        <p:spPr>
+          <a:xfrm>
+            <a:off x="5280454" y="5321399"/>
+            <a:ext cx="1243456" cy="442324"/>
+          </a:xfrm>
+          <a:prstGeom prst="rect">
+            <a:avLst/>
+          </a:prstGeom>
+        </p:spPr>
+      </p:pic>
+      <p:pic>
+        <p:nvPicPr>
+          <p:cNvPr id="59" name="图片 58">
+            <a:extLst>
+              <a:ext uri="{FF2B5EF4-FFF2-40B4-BE49-F238E27FC236}">
+                <a16:creationId xmlns:a16="http://schemas.microsoft.com/office/drawing/2014/main" id="{0C603CE3-AD27-4779-872C-86E68028F48D}"/>
+              </a:ext>
+            </a:extLst>
+          </p:cNvPr>
+          <p:cNvPicPr>
+            <a:picLocks noChangeAspect="1"/>
+          </p:cNvPicPr>
+          <p:nvPr/>
+        </p:nvPicPr>
+        <p:blipFill>
+          <a:blip r:embed="rId21"/>
+          <a:stretch>
+            <a:fillRect/>
+          </a:stretch>
+        </p:blipFill>
+        <p:spPr>
+          <a:xfrm>
+            <a:off x="9997126" y="5606389"/>
+            <a:ext cx="332478" cy="314667"/>
+          </a:xfrm>
+          <a:prstGeom prst="rect">
+            <a:avLst/>
+          </a:prstGeom>
+        </p:spPr>
+      </p:pic>
+      <p:pic>
+        <p:nvPicPr>
+          <p:cNvPr id="61" name="图片 60">
+            <a:extLst>
+              <a:ext uri="{FF2B5EF4-FFF2-40B4-BE49-F238E27FC236}">
+                <a16:creationId xmlns:a16="http://schemas.microsoft.com/office/drawing/2014/main" id="{439D7612-6E34-4F39-BEAF-2BAC4E90B155}"/>
+              </a:ext>
+            </a:extLst>
+          </p:cNvPr>
+          <p:cNvPicPr>
+            <a:picLocks noChangeAspect="1"/>
+          </p:cNvPicPr>
+          <p:nvPr/>
+        </p:nvPicPr>
+        <p:blipFill>
+          <a:blip r:embed="rId22"/>
+          <a:stretch>
+            <a:fillRect/>
+          </a:stretch>
+        </p:blipFill>
+        <p:spPr>
+          <a:xfrm>
+            <a:off x="10530159" y="5623240"/>
+            <a:ext cx="338184" cy="357237"/>
+          </a:xfrm>
+          <a:prstGeom prst="rect">
+            <a:avLst/>
+          </a:prstGeom>
+        </p:spPr>
+      </p:pic>
+      <p:pic>
+        <p:nvPicPr>
+          <p:cNvPr id="63" name="图片 62">
+            <a:extLst>
+              <a:ext uri="{FF2B5EF4-FFF2-40B4-BE49-F238E27FC236}">
+                <a16:creationId xmlns:a16="http://schemas.microsoft.com/office/drawing/2014/main" id="{790FD939-CCCB-45C4-84B8-ABF1C0662B19}"/>
+              </a:ext>
+            </a:extLst>
+          </p:cNvPr>
+          <p:cNvPicPr>
+            <a:picLocks noChangeAspect="1"/>
+          </p:cNvPicPr>
+          <p:nvPr/>
+        </p:nvPicPr>
+        <p:blipFill>
+          <a:blip r:embed="rId23"/>
+          <a:stretch>
+            <a:fillRect/>
+          </a:stretch>
+        </p:blipFill>
+        <p:spPr>
+          <a:xfrm>
+            <a:off x="10281526" y="5739849"/>
+            <a:ext cx="248633" cy="148122"/>
+          </a:xfrm>
+          <a:prstGeom prst="rect">
+            <a:avLst/>
+          </a:prstGeom>
+        </p:spPr>
+      </p:pic>
+      <p:pic>
+        <p:nvPicPr>
+          <p:cNvPr id="64" name="图片 63">
+            <a:extLst>
+              <a:ext uri="{FF2B5EF4-FFF2-40B4-BE49-F238E27FC236}">
+                <a16:creationId xmlns:a16="http://schemas.microsoft.com/office/drawing/2014/main" id="{BD0FAE21-F3E9-4EE6-9F89-707F3A1BD8D0}"/>
+              </a:ext>
+            </a:extLst>
+          </p:cNvPr>
+          <p:cNvPicPr>
+            <a:picLocks noChangeAspect="1"/>
+          </p:cNvPicPr>
+          <p:nvPr/>
+        </p:nvPicPr>
+        <p:blipFill>
+          <a:blip r:embed="rId23"/>
+          <a:stretch>
+            <a:fillRect/>
+          </a:stretch>
+        </p:blipFill>
+        <p:spPr>
+          <a:xfrm>
+            <a:off x="10864924" y="5705850"/>
+            <a:ext cx="248633" cy="148122"/>
+          </a:xfrm>
+          <a:prstGeom prst="rect">
+            <a:avLst/>
+          </a:prstGeom>
+        </p:spPr>
+      </p:pic>
+      <p:pic>
+        <p:nvPicPr>
+          <p:cNvPr id="66" name="图片 65">
+            <a:extLst>
+              <a:ext uri="{FF2B5EF4-FFF2-40B4-BE49-F238E27FC236}">
+                <a16:creationId xmlns:a16="http://schemas.microsoft.com/office/drawing/2014/main" id="{35D55E5C-EEF7-4EF7-B0E7-48F672702AA1}"/>
+              </a:ext>
+            </a:extLst>
+          </p:cNvPr>
+          <p:cNvPicPr>
+            <a:picLocks noChangeAspect="1"/>
+          </p:cNvPicPr>
+          <p:nvPr/>
+        </p:nvPicPr>
+        <p:blipFill>
+          <a:blip r:embed="rId24"/>
+          <a:stretch>
+            <a:fillRect/>
+          </a:stretch>
+        </p:blipFill>
+        <p:spPr>
+          <a:xfrm>
+            <a:off x="11113557" y="5585103"/>
+            <a:ext cx="790684" cy="357237"/>
+          </a:xfrm>
+          <a:prstGeom prst="rect">
+            <a:avLst/>
+          </a:prstGeom>
+        </p:spPr>
+      </p:pic>
+      <p:sp>
+        <p:nvSpPr>
+          <p:cNvPr id="67" name="文本框 66">
+            <a:extLst>
+              <a:ext uri="{FF2B5EF4-FFF2-40B4-BE49-F238E27FC236}">
+                <a16:creationId xmlns:a16="http://schemas.microsoft.com/office/drawing/2014/main" id="{EC92D9E8-846F-4551-8900-AA33C037B480}"/>
+              </a:ext>
+            </a:extLst>
+          </p:cNvPr>
+          <p:cNvSpPr txBox="1"/>
+          <p:nvPr/>
+        </p:nvSpPr>
+        <p:spPr>
+          <a:xfrm>
+            <a:off x="9265846" y="6045573"/>
+            <a:ext cx="3065930" cy="314667"/>
+          </a:xfrm>
+          <a:prstGeom prst="rect">
+            <a:avLst/>
+          </a:prstGeom>
+          <a:noFill/>
+        </p:spPr>
+        <p:txBody>
+          <a:bodyPr wrap="square" rtlCol="0">
+            <a:spAutoFit/>
+          </a:bodyPr>
+          <a:lstStyle/>
+          <a:p>
+            <a:r>
+              <a:rPr lang="en-US" altLang="zh-CN" sz="1400" dirty="0">
+                <a:latin typeface="Cambria" panose="02040503050406030204" pitchFamily="18" charset="0"/>
+                <a:ea typeface="Cambria" panose="02040503050406030204" pitchFamily="18" charset="0"/>
+              </a:rPr>
+              <a:t>When M(k)=0,will get zero solution</a:t>
+            </a:r>
+            <a:endParaRPr lang="zh-CN" altLang="en-US" sz="1400" dirty="0">
+              <a:latin typeface="Cambria" panose="02040503050406030204" pitchFamily="18" charset="0"/>
+            </a:endParaRPr>
+          </a:p>
+        </p:txBody>
+      </p:sp>
+      <p:pic>
+        <p:nvPicPr>
+          <p:cNvPr id="69" name="图片 68">
+            <a:extLst>
+              <a:ext uri="{FF2B5EF4-FFF2-40B4-BE49-F238E27FC236}">
+                <a16:creationId xmlns:a16="http://schemas.microsoft.com/office/drawing/2014/main" id="{81A9BBF4-57CE-478A-9F4A-22CDCBCE5F0F}"/>
+              </a:ext>
+            </a:extLst>
+          </p:cNvPr>
+          <p:cNvPicPr>
+            <a:picLocks noChangeAspect="1"/>
+          </p:cNvPicPr>
+          <p:nvPr/>
+        </p:nvPicPr>
+        <p:blipFill>
+          <a:blip r:embed="rId25"/>
+          <a:stretch>
+            <a:fillRect/>
+          </a:stretch>
+        </p:blipFill>
+        <p:spPr>
+          <a:xfrm>
+            <a:off x="3928104" y="3492976"/>
+            <a:ext cx="1571395" cy="287720"/>
+          </a:xfrm>
+          <a:prstGeom prst="rect">
+            <a:avLst/>
+          </a:prstGeom>
+        </p:spPr>
+      </p:pic>
+      <p:pic>
+        <p:nvPicPr>
+          <p:cNvPr id="71" name="图片 70">
+            <a:extLst>
+              <a:ext uri="{FF2B5EF4-FFF2-40B4-BE49-F238E27FC236}">
+                <a16:creationId xmlns:a16="http://schemas.microsoft.com/office/drawing/2014/main" id="{6CF55D48-4A8D-4189-A50B-34B32905898B}"/>
+              </a:ext>
+            </a:extLst>
+          </p:cNvPr>
+          <p:cNvPicPr>
+            <a:picLocks noChangeAspect="1"/>
+          </p:cNvPicPr>
+          <p:nvPr/>
+        </p:nvPicPr>
+        <p:blipFill>
+          <a:blip r:embed="rId26"/>
+          <a:stretch>
+            <a:fillRect/>
+          </a:stretch>
+        </p:blipFill>
+        <p:spPr>
+          <a:xfrm>
+            <a:off x="5826762" y="2953248"/>
+            <a:ext cx="2509352" cy="1497079"/>
+          </a:xfrm>
+          <a:prstGeom prst="rect">
+            <a:avLst/>
+          </a:prstGeom>
+        </p:spPr>
+      </p:pic>
+      <mc:AlternateContent xmlns:mc="http://schemas.openxmlformats.org/markup-compatibility/2006">
+        <mc:Choice xmlns:a14="http://schemas.microsoft.com/office/drawing/2010/main" Requires="a14">
+          <p:sp>
+            <p:nvSpPr>
+              <p:cNvPr id="72" name="文本框 71">
+                <a:extLst>
+                  <a:ext uri="{FF2B5EF4-FFF2-40B4-BE49-F238E27FC236}">
+                    <a16:creationId xmlns:a16="http://schemas.microsoft.com/office/drawing/2014/main" id="{C3234E39-7E79-45AF-B718-E969631721ED}"/>
+                  </a:ext>
+                </a:extLst>
+              </p:cNvPr>
+              <p:cNvSpPr txBox="1"/>
+              <p:nvPr/>
+            </p:nvSpPr>
+            <p:spPr>
+              <a:xfrm>
+                <a:off x="5894796" y="2836694"/>
+                <a:ext cx="155766" cy="369332"/>
+              </a:xfrm>
+              <a:prstGeom prst="rect">
+                <a:avLst/>
+              </a:prstGeom>
+              <a:noFill/>
+            </p:spPr>
+            <p:txBody>
+              <a:bodyPr wrap="square" rtlCol="0">
+                <a:spAutoFit/>
+              </a:bodyPr>
+              <a:lstStyle/>
+              <a:p>
+                <a14:m>
+                  <m:oMathPara xmlns:m="http://schemas.openxmlformats.org/officeDocument/2006/math">
+                    <m:oMathParaPr>
+                      <m:jc m:val="centerGroup"/>
+                    </m:oMathParaPr>
+                    <m:oMath xmlns:m="http://schemas.openxmlformats.org/officeDocument/2006/math">
+                      <m:sSub>
+                        <m:sSubPr>
+                          <m:ctrlPr>
+                            <a:rPr lang="en-US" altLang="zh-CN" b="0" i="1" smtClean="0">
+                              <a:solidFill>
+                                <a:srgbClr val="26B1E2"/>
+                              </a:solidFill>
+                              <a:latin typeface="Cambria Math" panose="02040503050406030204" pitchFamily="18" charset="0"/>
+                            </a:rPr>
+                          </m:ctrlPr>
+                        </m:sSubPr>
+                        <m:e>
+                          <m:r>
+                            <a:rPr lang="en-US" altLang="zh-CN" b="0" i="1" smtClean="0">
+                              <a:solidFill>
+                                <a:srgbClr val="26B1E2"/>
+                              </a:solidFill>
+                              <a:latin typeface="Cambria Math" panose="02040503050406030204" pitchFamily="18" charset="0"/>
+                            </a:rPr>
+                            <m:t>𝐸</m:t>
+                          </m:r>
+                        </m:e>
+                        <m:sub>
+                          <m:r>
+                            <a:rPr lang="en-US" altLang="zh-CN" b="0" i="1" smtClean="0">
+                              <a:solidFill>
+                                <a:srgbClr val="26B1E2"/>
+                              </a:solidFill>
+                              <a:latin typeface="Cambria Math" panose="02040503050406030204" pitchFamily="18" charset="0"/>
+                            </a:rPr>
+                            <m:t>+</m:t>
+                          </m:r>
+                        </m:sub>
+                      </m:sSub>
+                    </m:oMath>
+                  </m:oMathPara>
+                </a14:m>
+                <a:endParaRPr lang="zh-CN" altLang="en-US" dirty="0"/>
+              </a:p>
+            </p:txBody>
+          </p:sp>
+        </mc:Choice>
+        <mc:Fallback>
+          <p:sp>
+            <p:nvSpPr>
+              <p:cNvPr id="72" name="文本框 71">
+                <a:extLst>
+                  <a:ext uri="{FF2B5EF4-FFF2-40B4-BE49-F238E27FC236}">
+                    <a16:creationId xmlns:a16="http://schemas.microsoft.com/office/drawing/2014/main" id="{C3234E39-7E79-45AF-B718-E969631721ED}"/>
+                  </a:ext>
+                </a:extLst>
+              </p:cNvPr>
+              <p:cNvSpPr txBox="1">
+                <a:spLocks noRot="1" noChangeAspect="1" noMove="1" noResize="1" noEditPoints="1" noAdjustHandles="1" noChangeArrowheads="1" noChangeShapeType="1" noTextEdit="1"/>
+              </p:cNvSpPr>
+              <p:nvPr/>
+            </p:nvSpPr>
+            <p:spPr>
+              <a:xfrm>
+                <a:off x="5894796" y="2836694"/>
+                <a:ext cx="155766" cy="369332"/>
+              </a:xfrm>
+              <a:prstGeom prst="rect">
+                <a:avLst/>
+              </a:prstGeom>
+              <a:blipFill>
+                <a:blip r:embed="rId27"/>
+                <a:stretch>
+                  <a:fillRect l="-3846" r="-142308"/>
+                </a:stretch>
+              </a:blipFill>
+            </p:spPr>
+            <p:txBody>
+              <a:bodyPr/>
+              <a:lstStyle/>
+              <a:p>
+                <a:r>
+                  <a:rPr lang="zh-CN" altLang="en-US">
+                    <a:noFill/>
+                  </a:rPr>
+                  <a:t> </a:t>
+                </a:r>
+              </a:p>
+            </p:txBody>
+          </p:sp>
+        </mc:Fallback>
+      </mc:AlternateContent>
+      <mc:AlternateContent xmlns:mc="http://schemas.openxmlformats.org/markup-compatibility/2006">
+        <mc:Choice xmlns:a14="http://schemas.microsoft.com/office/drawing/2010/main" Requires="a14">
+          <p:sp>
+            <p:nvSpPr>
+              <p:cNvPr id="74" name="文本框 73">
+                <a:extLst>
+                  <a:ext uri="{FF2B5EF4-FFF2-40B4-BE49-F238E27FC236}">
+                    <a16:creationId xmlns:a16="http://schemas.microsoft.com/office/drawing/2014/main" id="{12C2DA5E-0374-42F6-BCB8-3B58B4A7554A}"/>
+                  </a:ext>
+                </a:extLst>
+              </p:cNvPr>
+              <p:cNvSpPr txBox="1"/>
+              <p:nvPr/>
+            </p:nvSpPr>
+            <p:spPr>
+              <a:xfrm>
+                <a:off x="5894796" y="4110635"/>
+                <a:ext cx="375831" cy="369332"/>
+              </a:xfrm>
+              <a:prstGeom prst="rect">
+                <a:avLst/>
+              </a:prstGeom>
+              <a:noFill/>
+            </p:spPr>
+            <p:txBody>
+              <a:bodyPr wrap="square">
+                <a:spAutoFit/>
+              </a:bodyPr>
+              <a:lstStyle/>
+              <a:p>
+                <a:pPr/>
+                <a14:m>
+                  <m:oMathPara xmlns:m="http://schemas.openxmlformats.org/officeDocument/2006/math">
+                    <m:oMathParaPr>
+                      <m:jc m:val="centerGroup"/>
+                    </m:oMathParaPr>
+                    <m:oMath xmlns:m="http://schemas.openxmlformats.org/officeDocument/2006/math">
+                      <m:sSub>
+                        <m:sSubPr>
+                          <m:ctrlPr>
+                            <a:rPr lang="en-US" altLang="zh-CN" b="0" i="1" smtClean="0">
+                              <a:solidFill>
+                                <a:srgbClr val="26B1E2"/>
+                              </a:solidFill>
+                              <a:latin typeface="Cambria Math" panose="02040503050406030204" pitchFamily="18" charset="0"/>
+                            </a:rPr>
+                          </m:ctrlPr>
+                        </m:sSubPr>
+                        <m:e>
+                          <m:r>
+                            <a:rPr lang="en-US" altLang="zh-CN" b="0" i="1" smtClean="0">
+                              <a:solidFill>
+                                <a:srgbClr val="26B1E2"/>
+                              </a:solidFill>
+                              <a:latin typeface="Cambria Math" panose="02040503050406030204" pitchFamily="18" charset="0"/>
+                            </a:rPr>
+                            <m:t>𝐸</m:t>
+                          </m:r>
+                        </m:e>
+                        <m:sub>
+                          <m:r>
+                            <a:rPr lang="en-US" altLang="zh-CN" b="0" i="1" smtClean="0">
+                              <a:solidFill>
+                                <a:srgbClr val="26B1E2"/>
+                              </a:solidFill>
+                              <a:latin typeface="Cambria Math" panose="02040503050406030204" pitchFamily="18" charset="0"/>
+                            </a:rPr>
+                            <m:t>−</m:t>
+                          </m:r>
+                        </m:sub>
+                      </m:sSub>
+                    </m:oMath>
+                  </m:oMathPara>
+                </a14:m>
+                <a:endParaRPr lang="zh-CN" altLang="en-US" dirty="0"/>
+              </a:p>
+            </p:txBody>
+          </p:sp>
+        </mc:Choice>
+        <mc:Fallback>
+          <p:sp>
+            <p:nvSpPr>
+              <p:cNvPr id="74" name="文本框 73">
+                <a:extLst>
+                  <a:ext uri="{FF2B5EF4-FFF2-40B4-BE49-F238E27FC236}">
+                    <a16:creationId xmlns:a16="http://schemas.microsoft.com/office/drawing/2014/main" id="{12C2DA5E-0374-42F6-BCB8-3B58B4A7554A}"/>
+                  </a:ext>
+                </a:extLst>
+              </p:cNvPr>
+              <p:cNvSpPr txBox="1">
+                <a:spLocks noRot="1" noChangeAspect="1" noMove="1" noResize="1" noEditPoints="1" noAdjustHandles="1" noChangeArrowheads="1" noChangeShapeType="1" noTextEdit="1"/>
+              </p:cNvSpPr>
+              <p:nvPr/>
+            </p:nvSpPr>
+            <p:spPr>
+              <a:xfrm>
+                <a:off x="5894796" y="4110635"/>
+                <a:ext cx="375831" cy="369332"/>
+              </a:xfrm>
+              <a:prstGeom prst="rect">
+                <a:avLst/>
+              </a:prstGeom>
+              <a:blipFill>
+                <a:blip r:embed="rId28"/>
+                <a:stretch>
+                  <a:fillRect/>
+                </a:stretch>
+              </a:blipFill>
+            </p:spPr>
+            <p:txBody>
+              <a:bodyPr/>
+              <a:lstStyle/>
+              <a:p>
+                <a:r>
+                  <a:rPr lang="zh-CN" altLang="en-US">
+                    <a:noFill/>
+                  </a:rPr>
+                  <a:t> </a:t>
+                </a:r>
+              </a:p>
+            </p:txBody>
+          </p:sp>
+        </mc:Fallback>
+      </mc:AlternateContent>
     </p:spTree>
     <p:extLst>
       <p:ext uri="{BB962C8B-B14F-4D97-AF65-F5344CB8AC3E}">
@@ -3761,6 +5095,471 @@
           </a:p>
         </p:txBody>
       </p:sp>
+      <p:pic>
+        <p:nvPicPr>
+          <p:cNvPr id="3" name="图片 2">
+            <a:extLst>
+              <a:ext uri="{FF2B5EF4-FFF2-40B4-BE49-F238E27FC236}">
+                <a16:creationId xmlns:a16="http://schemas.microsoft.com/office/drawing/2014/main" id="{283BA1B7-6134-4C70-BB8D-4C7795F8DA89}"/>
+              </a:ext>
+            </a:extLst>
+          </p:cNvPr>
+          <p:cNvPicPr>
+            <a:picLocks noChangeAspect="1"/>
+          </p:cNvPicPr>
+          <p:nvPr/>
+        </p:nvPicPr>
+        <p:blipFill>
+          <a:blip r:embed="rId2"/>
+          <a:stretch>
+            <a:fillRect/>
+          </a:stretch>
+        </p:blipFill>
+        <p:spPr>
+          <a:xfrm>
+            <a:off x="6383184" y="1357708"/>
+            <a:ext cx="5616829" cy="2071292"/>
+          </a:xfrm>
+          <a:prstGeom prst="rect">
+            <a:avLst/>
+          </a:prstGeom>
+        </p:spPr>
+      </p:pic>
+      <p:pic>
+        <p:nvPicPr>
+          <p:cNvPr id="10" name="图片 9">
+            <a:extLst>
+              <a:ext uri="{FF2B5EF4-FFF2-40B4-BE49-F238E27FC236}">
+                <a16:creationId xmlns:a16="http://schemas.microsoft.com/office/drawing/2014/main" id="{E018C6FC-2B94-47BA-8D7E-1929BD9710A8}"/>
+              </a:ext>
+            </a:extLst>
+          </p:cNvPr>
+          <p:cNvPicPr>
+            <a:picLocks noChangeAspect="1"/>
+          </p:cNvPicPr>
+          <p:nvPr/>
+        </p:nvPicPr>
+        <p:blipFill>
+          <a:blip r:embed="rId3"/>
+          <a:stretch>
+            <a:fillRect/>
+          </a:stretch>
+        </p:blipFill>
+        <p:spPr>
+          <a:xfrm>
+            <a:off x="113709" y="1357708"/>
+            <a:ext cx="3904425" cy="315704"/>
+          </a:xfrm>
+          <a:prstGeom prst="rect">
+            <a:avLst/>
+          </a:prstGeom>
+        </p:spPr>
+      </p:pic>
+      <p:pic>
+        <p:nvPicPr>
+          <p:cNvPr id="12" name="图片 11">
+            <a:extLst>
+              <a:ext uri="{FF2B5EF4-FFF2-40B4-BE49-F238E27FC236}">
+                <a16:creationId xmlns:a16="http://schemas.microsoft.com/office/drawing/2014/main" id="{F7550EBD-D1DF-496D-A639-84D6B2C40BD7}"/>
+              </a:ext>
+            </a:extLst>
+          </p:cNvPr>
+          <p:cNvPicPr>
+            <a:picLocks noChangeAspect="1"/>
+          </p:cNvPicPr>
+          <p:nvPr/>
+        </p:nvPicPr>
+        <p:blipFill>
+          <a:blip r:embed="rId4"/>
+          <a:stretch>
+            <a:fillRect/>
+          </a:stretch>
+        </p:blipFill>
+        <p:spPr>
+          <a:xfrm>
+            <a:off x="323483" y="1681655"/>
+            <a:ext cx="3812243" cy="1303192"/>
+          </a:xfrm>
+          <a:prstGeom prst="rect">
+            <a:avLst/>
+          </a:prstGeom>
+        </p:spPr>
+      </p:pic>
+      <mc:AlternateContent xmlns:mc="http://schemas.openxmlformats.org/markup-compatibility/2006">
+        <mc:Choice xmlns:a14="http://schemas.microsoft.com/office/drawing/2010/main" Requires="a14">
+          <p:sp>
+            <p:nvSpPr>
+              <p:cNvPr id="14" name="文本框 13">
+                <a:extLst>
+                  <a:ext uri="{FF2B5EF4-FFF2-40B4-BE49-F238E27FC236}">
+                    <a16:creationId xmlns:a16="http://schemas.microsoft.com/office/drawing/2014/main" id="{4B849075-17E5-498C-854B-F021F8FF0ADA}"/>
+                  </a:ext>
+                </a:extLst>
+              </p:cNvPr>
+              <p:cNvSpPr txBox="1"/>
+              <p:nvPr/>
+            </p:nvSpPr>
+            <p:spPr>
+              <a:xfrm>
+                <a:off x="4018134" y="1365951"/>
+                <a:ext cx="1837764" cy="307777"/>
+              </a:xfrm>
+              <a:prstGeom prst="rect">
+                <a:avLst/>
+              </a:prstGeom>
+              <a:noFill/>
+            </p:spPr>
+            <p:txBody>
+              <a:bodyPr wrap="square">
+                <a:spAutoFit/>
+              </a:bodyPr>
+              <a:lstStyle/>
+              <a:p>
+                <a:r>
+                  <a:rPr lang="en-US" altLang="zh-CN" sz="1400" dirty="0">
+                    <a:latin typeface="Cambria" panose="02040503050406030204" pitchFamily="18" charset="0"/>
+                    <a:ea typeface="Cambria" panose="02040503050406030204" pitchFamily="18" charset="0"/>
+                  </a:rPr>
+                  <a:t>Consider </a:t>
+                </a:r>
+                <a14:m>
+                  <m:oMath xmlns:m="http://schemas.openxmlformats.org/officeDocument/2006/math">
+                    <m:sSub>
+                      <m:sSubPr>
+                        <m:ctrlPr>
+                          <a:rPr lang="en-US" altLang="zh-CN" sz="1400" b="0" i="1" smtClean="0">
+                            <a:latin typeface="Cambria Math" panose="02040503050406030204" pitchFamily="18" charset="0"/>
+                          </a:rPr>
+                        </m:ctrlPr>
+                      </m:sSubPr>
+                      <m:e>
+                        <m:r>
+                          <a:rPr lang="en-US" altLang="zh-CN" sz="1400" b="0" i="1" smtClean="0">
+                            <a:latin typeface="Cambria Math" panose="02040503050406030204" pitchFamily="18" charset="0"/>
+                          </a:rPr>
+                          <m:t>𝑘</m:t>
+                        </m:r>
+                      </m:e>
+                      <m:sub>
+                        <m:r>
+                          <a:rPr lang="en-US" altLang="zh-CN" sz="1400" b="0" i="1" smtClean="0">
+                            <a:latin typeface="Cambria Math" panose="02040503050406030204" pitchFamily="18" charset="0"/>
+                          </a:rPr>
+                          <m:t>𝑧</m:t>
+                        </m:r>
+                      </m:sub>
+                    </m:sSub>
+                    <m:r>
+                      <a:rPr lang="en-US" altLang="zh-CN" sz="1400" b="0" i="1" smtClean="0">
+                        <a:latin typeface="Cambria Math" panose="02040503050406030204" pitchFamily="18" charset="0"/>
+                      </a:rPr>
+                      <m:t>=0</m:t>
+                    </m:r>
+                  </m:oMath>
+                </a14:m>
+                <a:endParaRPr lang="zh-CN" altLang="en-US" sz="1400" dirty="0">
+                  <a:latin typeface="Cambria" panose="02040503050406030204" pitchFamily="18" charset="0"/>
+                </a:endParaRPr>
+              </a:p>
+            </p:txBody>
+          </p:sp>
+        </mc:Choice>
+        <mc:Fallback>
+          <p:sp>
+            <p:nvSpPr>
+              <p:cNvPr id="14" name="文本框 13">
+                <a:extLst>
+                  <a:ext uri="{FF2B5EF4-FFF2-40B4-BE49-F238E27FC236}">
+                    <a16:creationId xmlns:a16="http://schemas.microsoft.com/office/drawing/2014/main" id="{4B849075-17E5-498C-854B-F021F8FF0ADA}"/>
+                  </a:ext>
+                </a:extLst>
+              </p:cNvPr>
+              <p:cNvSpPr txBox="1">
+                <a:spLocks noRot="1" noChangeAspect="1" noMove="1" noResize="1" noEditPoints="1" noAdjustHandles="1" noChangeArrowheads="1" noChangeShapeType="1" noTextEdit="1"/>
+              </p:cNvSpPr>
+              <p:nvPr/>
+            </p:nvSpPr>
+            <p:spPr>
+              <a:xfrm>
+                <a:off x="4018134" y="1365951"/>
+                <a:ext cx="1837764" cy="307777"/>
+              </a:xfrm>
+              <a:prstGeom prst="rect">
+                <a:avLst/>
+              </a:prstGeom>
+              <a:blipFill>
+                <a:blip r:embed="rId5"/>
+                <a:stretch>
+                  <a:fillRect l="-993" t="-5882" b="-17647"/>
+                </a:stretch>
+              </a:blipFill>
+            </p:spPr>
+            <p:txBody>
+              <a:bodyPr/>
+              <a:lstStyle/>
+              <a:p>
+                <a:r>
+                  <a:rPr lang="zh-CN" altLang="en-US">
+                    <a:noFill/>
+                  </a:rPr>
+                  <a:t> </a:t>
+                </a:r>
+              </a:p>
+            </p:txBody>
+          </p:sp>
+        </mc:Fallback>
+      </mc:AlternateContent>
+      <p:sp>
+        <p:nvSpPr>
+          <p:cNvPr id="15" name="文本框 14">
+            <a:extLst>
+              <a:ext uri="{FF2B5EF4-FFF2-40B4-BE49-F238E27FC236}">
+                <a16:creationId xmlns:a16="http://schemas.microsoft.com/office/drawing/2014/main" id="{A512A8D4-B7C2-4952-AA67-13923EDDAD9F}"/>
+              </a:ext>
+            </a:extLst>
+          </p:cNvPr>
+          <p:cNvSpPr txBox="1"/>
+          <p:nvPr/>
+        </p:nvSpPr>
+        <p:spPr>
+          <a:xfrm>
+            <a:off x="113709" y="3065644"/>
+            <a:ext cx="2480235" cy="307777"/>
+          </a:xfrm>
+          <a:prstGeom prst="rect">
+            <a:avLst/>
+          </a:prstGeom>
+          <a:noFill/>
+        </p:spPr>
+        <p:txBody>
+          <a:bodyPr wrap="square" rtlCol="0">
+            <a:spAutoFit/>
+          </a:bodyPr>
+          <a:lstStyle/>
+          <a:p>
+            <a:r>
+              <a:rPr lang="en-US" altLang="zh-CN" sz="1400" dirty="0">
+                <a:latin typeface="Cambria" panose="02040503050406030204" pitchFamily="18" charset="0"/>
+                <a:ea typeface="Cambria" panose="02040503050406030204" pitchFamily="18" charset="0"/>
+              </a:rPr>
+              <a:t>Consider SOC is zero</a:t>
+            </a:r>
+            <a:endParaRPr lang="zh-CN" altLang="en-US" sz="1400" dirty="0">
+              <a:latin typeface="Cambria" panose="02040503050406030204" pitchFamily="18" charset="0"/>
+            </a:endParaRPr>
+          </a:p>
+        </p:txBody>
+      </p:sp>
+      <p:pic>
+        <p:nvPicPr>
+          <p:cNvPr id="17" name="图片 16">
+            <a:extLst>
+              <a:ext uri="{FF2B5EF4-FFF2-40B4-BE49-F238E27FC236}">
+                <a16:creationId xmlns:a16="http://schemas.microsoft.com/office/drawing/2014/main" id="{C71E024E-39B2-41B1-8B10-F39E7CE23D14}"/>
+              </a:ext>
+            </a:extLst>
+          </p:cNvPr>
+          <p:cNvPicPr>
+            <a:picLocks noChangeAspect="1"/>
+          </p:cNvPicPr>
+          <p:nvPr/>
+        </p:nvPicPr>
+        <p:blipFill>
+          <a:blip r:embed="rId6"/>
+          <a:stretch>
+            <a:fillRect/>
+          </a:stretch>
+        </p:blipFill>
+        <p:spPr>
+          <a:xfrm>
+            <a:off x="323483" y="3445458"/>
+            <a:ext cx="2074000" cy="703774"/>
+          </a:xfrm>
+          <a:prstGeom prst="rect">
+            <a:avLst/>
+          </a:prstGeom>
+        </p:spPr>
+      </p:pic>
+      <p:pic>
+        <p:nvPicPr>
+          <p:cNvPr id="19" name="图片 18">
+            <a:extLst>
+              <a:ext uri="{FF2B5EF4-FFF2-40B4-BE49-F238E27FC236}">
+                <a16:creationId xmlns:a16="http://schemas.microsoft.com/office/drawing/2014/main" id="{090C9984-75BB-478B-8927-01F5C2F2C095}"/>
+              </a:ext>
+            </a:extLst>
+          </p:cNvPr>
+          <p:cNvPicPr>
+            <a:picLocks noChangeAspect="1"/>
+          </p:cNvPicPr>
+          <p:nvPr/>
+        </p:nvPicPr>
+        <p:blipFill>
+          <a:blip r:embed="rId7"/>
+          <a:stretch>
+            <a:fillRect/>
+          </a:stretch>
+        </p:blipFill>
+        <p:spPr>
+          <a:xfrm>
+            <a:off x="2528233" y="3677049"/>
+            <a:ext cx="848524" cy="261084"/>
+          </a:xfrm>
+          <a:prstGeom prst="rect">
+            <a:avLst/>
+          </a:prstGeom>
+        </p:spPr>
+      </p:pic>
+      <p:pic>
+        <p:nvPicPr>
+          <p:cNvPr id="21" name="图片 20">
+            <a:extLst>
+              <a:ext uri="{FF2B5EF4-FFF2-40B4-BE49-F238E27FC236}">
+                <a16:creationId xmlns:a16="http://schemas.microsoft.com/office/drawing/2014/main" id="{35998EEB-513C-4E73-BF8A-13A3DD5FB85D}"/>
+              </a:ext>
+            </a:extLst>
+          </p:cNvPr>
+          <p:cNvPicPr>
+            <a:picLocks noChangeAspect="1"/>
+          </p:cNvPicPr>
+          <p:nvPr/>
+        </p:nvPicPr>
+        <p:blipFill>
+          <a:blip r:embed="rId8"/>
+          <a:stretch>
+            <a:fillRect/>
+          </a:stretch>
+        </p:blipFill>
+        <p:spPr>
+          <a:xfrm>
+            <a:off x="3507507" y="3638928"/>
+            <a:ext cx="1656506" cy="337325"/>
+          </a:xfrm>
+          <a:prstGeom prst="rect">
+            <a:avLst/>
+          </a:prstGeom>
+        </p:spPr>
+      </p:pic>
+      <p:pic>
+        <p:nvPicPr>
+          <p:cNvPr id="23" name="图片 22">
+            <a:extLst>
+              <a:ext uri="{FF2B5EF4-FFF2-40B4-BE49-F238E27FC236}">
+                <a16:creationId xmlns:a16="http://schemas.microsoft.com/office/drawing/2014/main" id="{C3778BF1-1031-44DF-B58C-F65268EAE6D1}"/>
+              </a:ext>
+            </a:extLst>
+          </p:cNvPr>
+          <p:cNvPicPr>
+            <a:picLocks noChangeAspect="1"/>
+          </p:cNvPicPr>
+          <p:nvPr/>
+        </p:nvPicPr>
+        <p:blipFill>
+          <a:blip r:embed="rId9"/>
+          <a:stretch>
+            <a:fillRect/>
+          </a:stretch>
+        </p:blipFill>
+        <p:spPr>
+          <a:xfrm>
+            <a:off x="545988" y="4221269"/>
+            <a:ext cx="2234147" cy="655350"/>
+          </a:xfrm>
+          <a:prstGeom prst="rect">
+            <a:avLst/>
+          </a:prstGeom>
+        </p:spPr>
+      </p:pic>
+      <p:pic>
+        <p:nvPicPr>
+          <p:cNvPr id="25" name="图片 24">
+            <a:extLst>
+              <a:ext uri="{FF2B5EF4-FFF2-40B4-BE49-F238E27FC236}">
+                <a16:creationId xmlns:a16="http://schemas.microsoft.com/office/drawing/2014/main" id="{B4B2033B-8DED-4471-8AAA-910DCC76A981}"/>
+              </a:ext>
+            </a:extLst>
+          </p:cNvPr>
+          <p:cNvPicPr>
+            <a:picLocks noChangeAspect="1"/>
+          </p:cNvPicPr>
+          <p:nvPr/>
+        </p:nvPicPr>
+        <p:blipFill>
+          <a:blip r:embed="rId10"/>
+          <a:stretch>
+            <a:fillRect/>
+          </a:stretch>
+        </p:blipFill>
+        <p:spPr>
+          <a:xfrm>
+            <a:off x="3015472" y="4121202"/>
+            <a:ext cx="4022046" cy="760783"/>
+          </a:xfrm>
+          <a:prstGeom prst="rect">
+            <a:avLst/>
+          </a:prstGeom>
+        </p:spPr>
+      </p:pic>
+      <p:pic>
+        <p:nvPicPr>
+          <p:cNvPr id="27" name="图片 26">
+            <a:extLst>
+              <a:ext uri="{FF2B5EF4-FFF2-40B4-BE49-F238E27FC236}">
+                <a16:creationId xmlns:a16="http://schemas.microsoft.com/office/drawing/2014/main" id="{5034E51E-8223-4E2D-8B43-3AF5C18D1379}"/>
+              </a:ext>
+            </a:extLst>
+          </p:cNvPr>
+          <p:cNvPicPr>
+            <a:picLocks noChangeAspect="1"/>
+          </p:cNvPicPr>
+          <p:nvPr/>
+        </p:nvPicPr>
+        <p:blipFill>
+          <a:blip r:embed="rId11"/>
+          <a:stretch>
+            <a:fillRect/>
+          </a:stretch>
+        </p:blipFill>
+        <p:spPr>
+          <a:xfrm>
+            <a:off x="1061448" y="5026934"/>
+            <a:ext cx="2178588" cy="1131892"/>
+          </a:xfrm>
+          <a:prstGeom prst="rect">
+            <a:avLst/>
+          </a:prstGeom>
+        </p:spPr>
+      </p:pic>
+      <p:pic>
+        <p:nvPicPr>
+          <p:cNvPr id="29" name="图片 28">
+            <a:extLst>
+              <a:ext uri="{FF2B5EF4-FFF2-40B4-BE49-F238E27FC236}">
+                <a16:creationId xmlns:a16="http://schemas.microsoft.com/office/drawing/2014/main" id="{4471EE05-5F47-4864-A7D5-DED15138F9ED}"/>
+              </a:ext>
+            </a:extLst>
+          </p:cNvPr>
+          <p:cNvPicPr>
+            <a:picLocks noChangeAspect="1"/>
+          </p:cNvPicPr>
+          <p:nvPr/>
+        </p:nvPicPr>
+        <p:blipFill>
+          <a:blip r:embed="rId12"/>
+          <a:stretch>
+            <a:fillRect/>
+          </a:stretch>
+        </p:blipFill>
+        <p:spPr>
+          <a:xfrm>
+            <a:off x="3996323" y="5022841"/>
+            <a:ext cx="6082390" cy="995499"/>
+          </a:xfrm>
+          <a:prstGeom prst="rect">
+            <a:avLst/>
+          </a:prstGeom>
+        </p:spPr>
+      </p:pic>
     </p:spTree>
     <p:extLst>
       <p:ext uri="{BB962C8B-B14F-4D97-AF65-F5344CB8AC3E}">
@@ -3793,2674 +5592,58 @@
       </p:grpSpPr>
       <p:sp>
         <p:nvSpPr>
-          <p:cNvPr id="4" name="文本框 3">
-            <a:extLst>
-              <a:ext uri="{FF2B5EF4-FFF2-40B4-BE49-F238E27FC236}">
-                <a16:creationId xmlns:a16="http://schemas.microsoft.com/office/drawing/2014/main" id="{9B06D8E2-0381-4034-B679-866F2AE6FC5A}"/>
-              </a:ext>
-            </a:extLst>
-          </p:cNvPr>
-          <p:cNvSpPr txBox="1"/>
-          <p:nvPr/>
+          <p:cNvPr id="2" name="标题 1">
+            <a:extLst>
+              <a:ext uri="{FF2B5EF4-FFF2-40B4-BE49-F238E27FC236}">
+                <a16:creationId xmlns:a16="http://schemas.microsoft.com/office/drawing/2014/main" id="{08D681DC-F975-4B6A-8FF1-6C1433B80B7B}"/>
+              </a:ext>
+            </a:extLst>
+          </p:cNvPr>
+          <p:cNvSpPr>
+            <a:spLocks noGrp="1"/>
+          </p:cNvSpPr>
+          <p:nvPr>
+            <p:ph type="title"/>
+          </p:nvPr>
         </p:nvSpPr>
-        <p:spPr>
-          <a:xfrm>
-            <a:off x="106186" y="218275"/>
-            <a:ext cx="6630875" cy="523220"/>
-          </a:xfrm>
-          <a:prstGeom prst="rect">
-            <a:avLst/>
-          </a:prstGeom>
-          <a:noFill/>
-        </p:spPr>
+        <p:spPr/>
         <p:txBody>
-          <a:bodyPr wrap="square" rtlCol="0">
-            <a:spAutoFit/>
-          </a:bodyPr>
+          <a:bodyPr/>
           <a:lstStyle/>
           <a:p>
-            <a:r>
-              <a:rPr lang="en-US" altLang="zh-CN" sz="2800" dirty="0">
-                <a:latin typeface="Cambria" panose="02040503050406030204" pitchFamily="18" charset="0"/>
-                <a:ea typeface="Cambria" panose="02040503050406030204" pitchFamily="18" charset="0"/>
-              </a:rPr>
-              <a:t>“</a:t>
-            </a:r>
-            <a:r>
-              <a:rPr lang="en-US" altLang="zh-CN" sz="2800" dirty="0" err="1">
-                <a:latin typeface="Cambria" panose="02040503050406030204" pitchFamily="18" charset="0"/>
-                <a:ea typeface="Cambria" panose="02040503050406030204" pitchFamily="18" charset="0"/>
-              </a:rPr>
-              <a:t>Kiteav</a:t>
-            </a:r>
-            <a:r>
-              <a:rPr lang="en-US" altLang="zh-CN" sz="2800" dirty="0">
-                <a:latin typeface="Cambria" panose="02040503050406030204" pitchFamily="18" charset="0"/>
-                <a:ea typeface="Cambria" panose="02040503050406030204" pitchFamily="18" charset="0"/>
-              </a:rPr>
-              <a:t> vortex” and “nodal vortex”</a:t>
-            </a:r>
-            <a:endParaRPr lang="zh-CN" altLang="en-US" sz="2800" dirty="0">
-              <a:latin typeface="Cambria" panose="02040503050406030204" pitchFamily="18" charset="0"/>
-            </a:endParaRPr>
-          </a:p>
-        </p:txBody>
-      </p:sp>
-      <p:pic>
-        <p:nvPicPr>
-          <p:cNvPr id="6" name="图片 5">
-            <a:extLst>
-              <a:ext uri="{FF2B5EF4-FFF2-40B4-BE49-F238E27FC236}">
-                <a16:creationId xmlns:a16="http://schemas.microsoft.com/office/drawing/2014/main" id="{6C58228A-7E09-46BB-A42C-D4C238CE52CD}"/>
-              </a:ext>
-            </a:extLst>
-          </p:cNvPr>
-          <p:cNvPicPr>
-            <a:picLocks noChangeAspect="1"/>
-          </p:cNvPicPr>
-          <p:nvPr/>
-        </p:nvPicPr>
-        <p:blipFill>
-          <a:blip r:embed="rId2"/>
-          <a:stretch>
-            <a:fillRect/>
-          </a:stretch>
-        </p:blipFill>
-        <p:spPr>
-          <a:xfrm>
-            <a:off x="347944" y="791173"/>
-            <a:ext cx="2998309" cy="3237217"/>
-          </a:xfrm>
-          <a:prstGeom prst="rect">
-            <a:avLst/>
-          </a:prstGeom>
-        </p:spPr>
-      </p:pic>
-      <p:cxnSp>
-        <p:nvCxnSpPr>
-          <p:cNvPr id="8" name="直接箭头连接符 7">
-            <a:extLst>
-              <a:ext uri="{FF2B5EF4-FFF2-40B4-BE49-F238E27FC236}">
-                <a16:creationId xmlns:a16="http://schemas.microsoft.com/office/drawing/2014/main" id="{06CF37FE-FD1E-4A02-A806-0F0A7BF43C9A}"/>
-              </a:ext>
-            </a:extLst>
-          </p:cNvPr>
-          <p:cNvCxnSpPr/>
-          <p:nvPr/>
-        </p:nvCxnSpPr>
-        <p:spPr>
-          <a:xfrm>
-            <a:off x="3421623" y="2471992"/>
-            <a:ext cx="1793404" cy="0"/>
-          </a:xfrm>
-          <a:prstGeom prst="straightConnector1">
-            <a:avLst/>
-          </a:prstGeom>
-          <a:ln>
-            <a:tailEnd type="triangle"/>
-          </a:ln>
-        </p:spPr>
-        <p:style>
-          <a:lnRef idx="1">
-            <a:schemeClr val="accent1"/>
-          </a:lnRef>
-          <a:fillRef idx="0">
-            <a:schemeClr val="accent1"/>
-          </a:fillRef>
-          <a:effectRef idx="0">
-            <a:schemeClr val="accent1"/>
-          </a:effectRef>
-          <a:fontRef idx="minor">
-            <a:schemeClr val="tx1"/>
-          </a:fontRef>
-        </p:style>
-      </p:cxnSp>
-      <p:sp>
-        <p:nvSpPr>
-          <p:cNvPr id="9" name="文本框 8">
-            <a:extLst>
-              <a:ext uri="{FF2B5EF4-FFF2-40B4-BE49-F238E27FC236}">
-                <a16:creationId xmlns:a16="http://schemas.microsoft.com/office/drawing/2014/main" id="{F6301B76-70EC-4D69-9608-99A5B5475110}"/>
-              </a:ext>
-            </a:extLst>
-          </p:cNvPr>
-          <p:cNvSpPr txBox="1"/>
-          <p:nvPr/>
-        </p:nvSpPr>
-        <p:spPr>
-          <a:xfrm>
-            <a:off x="3346253" y="2085789"/>
-            <a:ext cx="1970385" cy="338554"/>
-          </a:xfrm>
-          <a:prstGeom prst="rect">
-            <a:avLst/>
-          </a:prstGeom>
-          <a:noFill/>
-        </p:spPr>
-        <p:txBody>
-          <a:bodyPr wrap="square" rtlCol="0">
-            <a:spAutoFit/>
-          </a:bodyPr>
-          <a:lstStyle/>
-          <a:p>
-            <a:r>
-              <a:rPr lang="en-US" altLang="zh-CN" sz="1600" dirty="0">
-                <a:latin typeface="Cambria" panose="02040503050406030204" pitchFamily="18" charset="0"/>
-                <a:ea typeface="Cambria" panose="02040503050406030204" pitchFamily="18" charset="0"/>
-              </a:rPr>
-              <a:t>Bulk is not insulator</a:t>
-            </a:r>
-            <a:endParaRPr lang="zh-CN" altLang="en-US" sz="1600" dirty="0">
-              <a:latin typeface="Cambria" panose="02040503050406030204" pitchFamily="18" charset="0"/>
-            </a:endParaRPr>
-          </a:p>
-        </p:txBody>
-      </p:sp>
-      <p:sp>
-        <p:nvSpPr>
-          <p:cNvPr id="10" name="文本框 9">
-            <a:extLst>
-              <a:ext uri="{FF2B5EF4-FFF2-40B4-BE49-F238E27FC236}">
-                <a16:creationId xmlns:a16="http://schemas.microsoft.com/office/drawing/2014/main" id="{DEB23981-1D12-4F18-87EA-086B2573A69C}"/>
-              </a:ext>
-            </a:extLst>
-          </p:cNvPr>
-          <p:cNvSpPr txBox="1"/>
-          <p:nvPr/>
-        </p:nvSpPr>
-        <p:spPr>
-          <a:xfrm>
-            <a:off x="3421623" y="2550794"/>
-            <a:ext cx="1793404" cy="338554"/>
-          </a:xfrm>
-          <a:prstGeom prst="rect">
-            <a:avLst/>
-          </a:prstGeom>
-          <a:noFill/>
-        </p:spPr>
-        <p:txBody>
-          <a:bodyPr wrap="square" rtlCol="0">
-            <a:spAutoFit/>
-          </a:bodyPr>
-          <a:lstStyle/>
-          <a:p>
-            <a:r>
-              <a:rPr lang="en-US" altLang="zh-CN" sz="1600" dirty="0">
-                <a:latin typeface="Cambria" panose="02040503050406030204" pitchFamily="18" charset="0"/>
-                <a:ea typeface="Cambria" panose="02040503050406030204" pitchFamily="18" charset="0"/>
-              </a:rPr>
-              <a:t>Can hold MZM too</a:t>
-            </a:r>
-            <a:endParaRPr lang="zh-CN" altLang="en-US" sz="1600" dirty="0">
-              <a:latin typeface="Cambria" panose="02040503050406030204" pitchFamily="18" charset="0"/>
-            </a:endParaRPr>
-          </a:p>
-        </p:txBody>
-      </p:sp>
-      <p:sp>
-        <p:nvSpPr>
-          <p:cNvPr id="11" name="文本框 10">
-            <a:extLst>
-              <a:ext uri="{FF2B5EF4-FFF2-40B4-BE49-F238E27FC236}">
-                <a16:creationId xmlns:a16="http://schemas.microsoft.com/office/drawing/2014/main" id="{6B31E5AD-5CA9-4B0B-ABBF-F3C91F0D5D58}"/>
-              </a:ext>
-            </a:extLst>
-          </p:cNvPr>
-          <p:cNvSpPr txBox="1"/>
-          <p:nvPr/>
-        </p:nvSpPr>
-        <p:spPr>
-          <a:xfrm>
-            <a:off x="5215027" y="2287326"/>
-            <a:ext cx="2998309" cy="307777"/>
-          </a:xfrm>
-          <a:prstGeom prst="rect">
-            <a:avLst/>
-          </a:prstGeom>
-          <a:noFill/>
-        </p:spPr>
-        <p:txBody>
-          <a:bodyPr wrap="square" rtlCol="0">
-            <a:spAutoFit/>
-          </a:bodyPr>
-          <a:lstStyle/>
-          <a:p>
-            <a:r>
-              <a:rPr lang="en-US" altLang="zh-CN" sz="1400" dirty="0">
-                <a:latin typeface="Cambria" panose="02040503050406030204" pitchFamily="18" charset="0"/>
-                <a:ea typeface="Cambria" panose="02040503050406030204" pitchFamily="18" charset="0"/>
-              </a:rPr>
-              <a:t>So change TI to DSM, can hold too?</a:t>
-            </a:r>
-            <a:endParaRPr lang="zh-CN" altLang="en-US" sz="1400" dirty="0">
-              <a:latin typeface="Cambria" panose="02040503050406030204" pitchFamily="18" charset="0"/>
-            </a:endParaRPr>
-          </a:p>
-        </p:txBody>
-      </p:sp>
-      <p:sp>
-        <p:nvSpPr>
-          <p:cNvPr id="12" name="文本框 11">
-            <a:extLst>
-              <a:ext uri="{FF2B5EF4-FFF2-40B4-BE49-F238E27FC236}">
-                <a16:creationId xmlns:a16="http://schemas.microsoft.com/office/drawing/2014/main" id="{54E85BE1-D7C6-4056-81D6-4C9566B7DF58}"/>
-              </a:ext>
-            </a:extLst>
-          </p:cNvPr>
-          <p:cNvSpPr txBox="1"/>
-          <p:nvPr/>
-        </p:nvSpPr>
-        <p:spPr>
-          <a:xfrm>
-            <a:off x="1646576" y="4107191"/>
-            <a:ext cx="2276495" cy="276999"/>
-          </a:xfrm>
-          <a:prstGeom prst="rect">
-            <a:avLst/>
-          </a:prstGeom>
-          <a:noFill/>
-        </p:spPr>
-        <p:txBody>
-          <a:bodyPr wrap="square" rtlCol="0">
-            <a:spAutoFit/>
-          </a:bodyPr>
-          <a:lstStyle/>
-          <a:p>
-            <a:r>
-              <a:rPr lang="en-US" altLang="zh-CN" sz="1200" dirty="0">
-                <a:latin typeface="Cambria" panose="02040503050406030204" pitchFamily="18" charset="0"/>
-                <a:ea typeface="Cambria" panose="02040503050406030204" pitchFamily="18" charset="0"/>
-              </a:rPr>
-              <a:t>Ashvin Vishwanath. PRL(2011)</a:t>
-            </a:r>
-            <a:endParaRPr lang="zh-CN" altLang="en-US" sz="1200" dirty="0">
-              <a:latin typeface="Cambria" panose="02040503050406030204" pitchFamily="18" charset="0"/>
-            </a:endParaRPr>
-          </a:p>
-        </p:txBody>
-      </p:sp>
-      <p:pic>
-        <p:nvPicPr>
-          <p:cNvPr id="3" name="图片 2">
-            <a:extLst>
-              <a:ext uri="{FF2B5EF4-FFF2-40B4-BE49-F238E27FC236}">
-                <a16:creationId xmlns:a16="http://schemas.microsoft.com/office/drawing/2014/main" id="{DAF65278-DC8A-4B95-A7C9-99BE14277955}"/>
-              </a:ext>
-            </a:extLst>
-          </p:cNvPr>
-          <p:cNvPicPr>
-            <a:picLocks noChangeAspect="1"/>
-          </p:cNvPicPr>
-          <p:nvPr/>
-        </p:nvPicPr>
-        <p:blipFill>
-          <a:blip r:embed="rId3"/>
-          <a:stretch>
-            <a:fillRect/>
-          </a:stretch>
-        </p:blipFill>
-        <p:spPr>
-          <a:xfrm>
-            <a:off x="8034580" y="1701638"/>
-            <a:ext cx="3944320" cy="1786930"/>
-          </a:xfrm>
-          <a:prstGeom prst="rect">
-            <a:avLst/>
-          </a:prstGeom>
-        </p:spPr>
-      </p:pic>
-    </p:spTree>
-    <p:extLst>
-      <p:ext uri="{BB962C8B-B14F-4D97-AF65-F5344CB8AC3E}">
-        <p14:creationId xmlns:p14="http://schemas.microsoft.com/office/powerpoint/2010/main" val="3667902713"/>
-      </p:ext>
-    </p:extLst>
-  </p:cSld>
-  <p:clrMapOvr>
-    <a:masterClrMapping/>
-  </p:clrMapOvr>
-</p:sld>
-</file>
-
-<file path=ppt/slides/slide13.xml><?xml version="1.0" encoding="utf-8"?>
-<p:sld xmlns:a="http://schemas.openxmlformats.org/drawingml/2006/main" xmlns:r="http://schemas.openxmlformats.org/officeDocument/2006/relationships" xmlns:p="http://schemas.openxmlformats.org/presentationml/2006/main">
-  <p:cSld>
-    <p:spTree>
-      <p:nvGrpSpPr>
-        <p:cNvPr id="1" name=""/>
-        <p:cNvGrpSpPr/>
-        <p:nvPr/>
-      </p:nvGrpSpPr>
-      <p:grpSpPr>
-        <a:xfrm>
-          <a:off x="0" y="0"/>
-          <a:ext cx="0" cy="0"/>
-          <a:chOff x="0" y="0"/>
-          <a:chExt cx="0" cy="0"/>
-        </a:xfrm>
-      </p:grpSpPr>
-      <p:sp>
-        <p:nvSpPr>
-          <p:cNvPr id="4" name="文本框 3">
-            <a:extLst>
-              <a:ext uri="{FF2B5EF4-FFF2-40B4-BE49-F238E27FC236}">
-                <a16:creationId xmlns:a16="http://schemas.microsoft.com/office/drawing/2014/main" id="{0932BE77-1AF3-5820-4946-FFB26AC54B5B}"/>
-              </a:ext>
-            </a:extLst>
-          </p:cNvPr>
-          <p:cNvSpPr txBox="1"/>
-          <p:nvPr/>
-        </p:nvSpPr>
-        <p:spPr>
-          <a:xfrm>
-            <a:off x="275208" y="150920"/>
-            <a:ext cx="3648722" cy="523220"/>
-          </a:xfrm>
-          <a:prstGeom prst="rect">
-            <a:avLst/>
-          </a:prstGeom>
-          <a:noFill/>
-        </p:spPr>
-        <p:txBody>
-          <a:bodyPr wrap="square" rtlCol="0">
-            <a:spAutoFit/>
-          </a:bodyPr>
-          <a:lstStyle/>
-          <a:p>
-            <a:r>
-              <a:rPr lang="en-US" altLang="zh-CN" sz="2800" dirty="0">
-                <a:latin typeface="Cambria" panose="02040503050406030204" pitchFamily="18" charset="0"/>
-                <a:ea typeface="Cambria" panose="02040503050406030204" pitchFamily="18" charset="0"/>
-              </a:rPr>
-              <a:t>Solved in k space</a:t>
-            </a:r>
-            <a:endParaRPr lang="zh-CN" altLang="en-US" sz="2800" dirty="0">
-              <a:latin typeface="Cambria" panose="02040503050406030204" pitchFamily="18" charset="0"/>
-            </a:endParaRPr>
-          </a:p>
-        </p:txBody>
-      </p:sp>
-      <p:pic>
-        <p:nvPicPr>
-          <p:cNvPr id="6" name="图片 5">
-            <a:extLst>
-              <a:ext uri="{FF2B5EF4-FFF2-40B4-BE49-F238E27FC236}">
-                <a16:creationId xmlns:a16="http://schemas.microsoft.com/office/drawing/2014/main" id="{5067453C-7F17-55D4-C5EB-589E0EFE385B}"/>
-              </a:ext>
-            </a:extLst>
-          </p:cNvPr>
-          <p:cNvPicPr>
-            <a:picLocks noChangeAspect="1"/>
-          </p:cNvPicPr>
-          <p:nvPr/>
-        </p:nvPicPr>
-        <p:blipFill>
-          <a:blip r:embed="rId2"/>
-          <a:stretch>
-            <a:fillRect/>
-          </a:stretch>
-        </p:blipFill>
-        <p:spPr>
-          <a:xfrm>
-            <a:off x="7720613" y="865276"/>
-            <a:ext cx="2644066" cy="447521"/>
-          </a:xfrm>
-          <a:prstGeom prst="rect">
-            <a:avLst/>
-          </a:prstGeom>
-        </p:spPr>
-      </p:pic>
-      <p:sp>
-        <p:nvSpPr>
-          <p:cNvPr id="7" name="文本框 6">
-            <a:extLst>
-              <a:ext uri="{FF2B5EF4-FFF2-40B4-BE49-F238E27FC236}">
-                <a16:creationId xmlns:a16="http://schemas.microsoft.com/office/drawing/2014/main" id="{370460C2-0589-F1E9-69BD-757C90A1995C}"/>
-              </a:ext>
-            </a:extLst>
-          </p:cNvPr>
-          <p:cNvSpPr txBox="1"/>
-          <p:nvPr/>
-        </p:nvSpPr>
-        <p:spPr>
-          <a:xfrm>
-            <a:off x="4643020" y="904371"/>
-            <a:ext cx="3648721" cy="369332"/>
-          </a:xfrm>
-          <a:prstGeom prst="rect">
-            <a:avLst/>
-          </a:prstGeom>
-          <a:noFill/>
-        </p:spPr>
-        <p:txBody>
-          <a:bodyPr wrap="square" rtlCol="0">
-            <a:spAutoFit/>
-          </a:bodyPr>
-          <a:lstStyle/>
-          <a:p>
-            <a:r>
-              <a:rPr lang="en-US" altLang="zh-CN" dirty="0">
-                <a:latin typeface="Cambria" panose="02040503050406030204" pitchFamily="18" charset="0"/>
-                <a:ea typeface="Cambria" panose="02040503050406030204" pitchFamily="18" charset="0"/>
-              </a:rPr>
-              <a:t>The orbit angular momentum</a:t>
-            </a:r>
-            <a:endParaRPr lang="zh-CN" altLang="en-US" dirty="0">
-              <a:latin typeface="Cambria" panose="02040503050406030204" pitchFamily="18" charset="0"/>
-            </a:endParaRPr>
-          </a:p>
-        </p:txBody>
-      </p:sp>
-      <p:pic>
-        <p:nvPicPr>
-          <p:cNvPr id="9" name="图片 8">
-            <a:extLst>
-              <a:ext uri="{FF2B5EF4-FFF2-40B4-BE49-F238E27FC236}">
-                <a16:creationId xmlns:a16="http://schemas.microsoft.com/office/drawing/2014/main" id="{71C45D03-1E4D-DCCC-E3EE-965DFE4FDD2D}"/>
-              </a:ext>
-            </a:extLst>
-          </p:cNvPr>
-          <p:cNvPicPr>
-            <a:picLocks noChangeAspect="1"/>
-          </p:cNvPicPr>
-          <p:nvPr/>
-        </p:nvPicPr>
-        <p:blipFill>
-          <a:blip r:embed="rId3"/>
-          <a:stretch>
-            <a:fillRect/>
-          </a:stretch>
-        </p:blipFill>
-        <p:spPr>
-          <a:xfrm>
-            <a:off x="5190603" y="1328541"/>
-            <a:ext cx="4927484" cy="618208"/>
-          </a:xfrm>
-          <a:prstGeom prst="rect">
-            <a:avLst/>
-          </a:prstGeom>
-        </p:spPr>
-      </p:pic>
-      <p:pic>
-        <p:nvPicPr>
-          <p:cNvPr id="11" name="图片 10">
-            <a:extLst>
-              <a:ext uri="{FF2B5EF4-FFF2-40B4-BE49-F238E27FC236}">
-                <a16:creationId xmlns:a16="http://schemas.microsoft.com/office/drawing/2014/main" id="{F7AD4FA4-956D-3009-E0C7-F3C6B813896F}"/>
-              </a:ext>
-            </a:extLst>
-          </p:cNvPr>
-          <p:cNvPicPr>
-            <a:picLocks noChangeAspect="1"/>
-          </p:cNvPicPr>
-          <p:nvPr/>
-        </p:nvPicPr>
-        <p:blipFill>
-          <a:blip r:embed="rId4"/>
-          <a:stretch>
-            <a:fillRect/>
-          </a:stretch>
-        </p:blipFill>
-        <p:spPr>
-          <a:xfrm>
-            <a:off x="5061750" y="1851406"/>
-            <a:ext cx="5548545" cy="1257750"/>
-          </a:xfrm>
-          <a:prstGeom prst="rect">
-            <a:avLst/>
-          </a:prstGeom>
-        </p:spPr>
-      </p:pic>
-      <p:pic>
-        <p:nvPicPr>
-          <p:cNvPr id="13" name="图片 12">
-            <a:extLst>
-              <a:ext uri="{FF2B5EF4-FFF2-40B4-BE49-F238E27FC236}">
-                <a16:creationId xmlns:a16="http://schemas.microsoft.com/office/drawing/2014/main" id="{3746B8E3-4C03-485E-0B97-37E15DAF0984}"/>
-              </a:ext>
-            </a:extLst>
-          </p:cNvPr>
-          <p:cNvPicPr>
-            <a:picLocks noChangeAspect="1"/>
-          </p:cNvPicPr>
-          <p:nvPr/>
-        </p:nvPicPr>
-        <p:blipFill>
-          <a:blip r:embed="rId5"/>
-          <a:stretch>
-            <a:fillRect/>
-          </a:stretch>
-        </p:blipFill>
-        <p:spPr>
-          <a:xfrm>
-            <a:off x="4992669" y="3157157"/>
-            <a:ext cx="5645454" cy="351742"/>
-          </a:xfrm>
-          <a:prstGeom prst="rect">
-            <a:avLst/>
-          </a:prstGeom>
-        </p:spPr>
-      </p:pic>
-      <p:pic>
-        <p:nvPicPr>
-          <p:cNvPr id="15" name="图片 14">
-            <a:extLst>
-              <a:ext uri="{FF2B5EF4-FFF2-40B4-BE49-F238E27FC236}">
-                <a16:creationId xmlns:a16="http://schemas.microsoft.com/office/drawing/2014/main" id="{673F1FDB-0CA9-3CEF-2F96-DE953692F205}"/>
-              </a:ext>
-            </a:extLst>
-          </p:cNvPr>
-          <p:cNvPicPr>
-            <a:picLocks noChangeAspect="1"/>
-          </p:cNvPicPr>
-          <p:nvPr/>
-        </p:nvPicPr>
-        <p:blipFill>
-          <a:blip r:embed="rId6"/>
-          <a:stretch>
-            <a:fillRect/>
-          </a:stretch>
-        </p:blipFill>
-        <p:spPr>
-          <a:xfrm>
-            <a:off x="5712934" y="3606558"/>
-            <a:ext cx="1508891" cy="365792"/>
-          </a:xfrm>
-          <a:prstGeom prst="rect">
-            <a:avLst/>
-          </a:prstGeom>
-        </p:spPr>
-      </p:pic>
-      <p:pic>
-        <p:nvPicPr>
-          <p:cNvPr id="17" name="图片 16">
-            <a:extLst>
-              <a:ext uri="{FF2B5EF4-FFF2-40B4-BE49-F238E27FC236}">
-                <a16:creationId xmlns:a16="http://schemas.microsoft.com/office/drawing/2014/main" id="{329735E3-5720-76B1-2D62-8954D391F2CB}"/>
-              </a:ext>
-            </a:extLst>
-          </p:cNvPr>
-          <p:cNvPicPr>
-            <a:picLocks noChangeAspect="1"/>
-          </p:cNvPicPr>
-          <p:nvPr/>
-        </p:nvPicPr>
-        <p:blipFill>
-          <a:blip r:embed="rId7"/>
-          <a:stretch>
-            <a:fillRect/>
-          </a:stretch>
-        </p:blipFill>
-        <p:spPr>
-          <a:xfrm>
-            <a:off x="7421434" y="3582682"/>
-            <a:ext cx="2057578" cy="373412"/>
-          </a:xfrm>
-          <a:prstGeom prst="rect">
-            <a:avLst/>
-          </a:prstGeom>
-        </p:spPr>
-      </p:pic>
-      <mc:AlternateContent xmlns:mc="http://schemas.openxmlformats.org/markup-compatibility/2006" xmlns:a14="http://schemas.microsoft.com/office/drawing/2010/main">
-        <mc:Choice Requires="a14">
-          <p:sp>
-            <p:nvSpPr>
-              <p:cNvPr id="18" name="文本框 17">
-                <a:extLst>
-                  <a:ext uri="{FF2B5EF4-FFF2-40B4-BE49-F238E27FC236}">
-                    <a16:creationId xmlns:a16="http://schemas.microsoft.com/office/drawing/2014/main" id="{5FD3BF56-FDFB-B179-BC95-5CE41A0BF1AC}"/>
-                  </a:ext>
-                </a:extLst>
-              </p:cNvPr>
-              <p:cNvSpPr txBox="1"/>
-              <p:nvPr/>
-            </p:nvSpPr>
-            <p:spPr>
-              <a:xfrm>
-                <a:off x="4536950" y="4069424"/>
-                <a:ext cx="3299072" cy="369332"/>
-              </a:xfrm>
-              <a:prstGeom prst="rect">
-                <a:avLst/>
-              </a:prstGeom>
-              <a:noFill/>
-            </p:spPr>
-            <p:txBody>
-              <a:bodyPr wrap="square" rtlCol="0">
-                <a:spAutoFit/>
-              </a:bodyPr>
-              <a:lstStyle/>
-              <a:p>
-                <a:r>
-                  <a:rPr lang="en-US" altLang="zh-CN" dirty="0"/>
-                  <a:t>Eigenstates of </a:t>
-                </a:r>
-                <a14:m>
-                  <m:oMath xmlns:m="http://schemas.openxmlformats.org/officeDocument/2006/math">
-                    <m:sSub>
-                      <m:sSubPr>
-                        <m:ctrlPr>
-                          <a:rPr lang="en-US" altLang="zh-CN" b="0" i="1" smtClean="0">
-                            <a:latin typeface="Cambria Math" panose="02040503050406030204" pitchFamily="18" charset="0"/>
-                          </a:rPr>
-                        </m:ctrlPr>
-                      </m:sSubPr>
-                      <m:e>
-                        <m:r>
-                          <a:rPr lang="en-US" altLang="zh-CN" b="0" i="1" smtClean="0">
-                            <a:latin typeface="Cambria Math" panose="02040503050406030204" pitchFamily="18" charset="0"/>
-                          </a:rPr>
-                          <m:t>𝐽</m:t>
-                        </m:r>
-                      </m:e>
-                      <m:sub>
-                        <m:r>
-                          <a:rPr lang="en-US" altLang="zh-CN" b="0" i="1" smtClean="0">
-                            <a:latin typeface="Cambria Math" panose="02040503050406030204" pitchFamily="18" charset="0"/>
-                          </a:rPr>
-                          <m:t>𝑧</m:t>
-                        </m:r>
-                      </m:sub>
-                    </m:sSub>
-                  </m:oMath>
-                </a14:m>
-                <a:endParaRPr lang="zh-CN" altLang="en-US" dirty="0"/>
-              </a:p>
-            </p:txBody>
-          </p:sp>
-        </mc:Choice>
-        <mc:Fallback xmlns="">
-          <p:sp>
-            <p:nvSpPr>
-              <p:cNvPr id="18" name="文本框 17">
-                <a:extLst>
-                  <a:ext uri="{FF2B5EF4-FFF2-40B4-BE49-F238E27FC236}">
-                    <a16:creationId xmlns:a16="http://schemas.microsoft.com/office/drawing/2014/main" id="{5FD3BF56-FDFB-B179-BC95-5CE41A0BF1AC}"/>
-                  </a:ext>
-                </a:extLst>
-              </p:cNvPr>
-              <p:cNvSpPr txBox="1">
-                <a:spLocks noRot="1" noChangeAspect="1" noMove="1" noResize="1" noEditPoints="1" noAdjustHandles="1" noChangeArrowheads="1" noChangeShapeType="1" noTextEdit="1"/>
-              </p:cNvSpPr>
-              <p:nvPr/>
-            </p:nvSpPr>
-            <p:spPr>
-              <a:xfrm>
-                <a:off x="4536950" y="4069424"/>
-                <a:ext cx="3299072" cy="369332"/>
-              </a:xfrm>
-              <a:prstGeom prst="rect">
-                <a:avLst/>
-              </a:prstGeom>
-              <a:blipFill>
-                <a:blip r:embed="rId8"/>
-                <a:stretch>
-                  <a:fillRect l="-1479" t="-10000" b="-26667"/>
-                </a:stretch>
-              </a:blipFill>
-            </p:spPr>
-            <p:txBody>
-              <a:bodyPr/>
-              <a:lstStyle/>
-              <a:p>
-                <a:r>
-                  <a:rPr lang="zh-CN" altLang="en-US">
-                    <a:noFill/>
-                  </a:rPr>
-                  <a:t> </a:t>
-                </a:r>
-              </a:p>
-            </p:txBody>
-          </p:sp>
-        </mc:Fallback>
-      </mc:AlternateContent>
-      <p:pic>
-        <p:nvPicPr>
-          <p:cNvPr id="22" name="图片 21">
-            <a:extLst>
-              <a:ext uri="{FF2B5EF4-FFF2-40B4-BE49-F238E27FC236}">
-                <a16:creationId xmlns:a16="http://schemas.microsoft.com/office/drawing/2014/main" id="{AD5593C7-89F4-D086-870C-4AF883570EB4}"/>
-              </a:ext>
-            </a:extLst>
-          </p:cNvPr>
-          <p:cNvPicPr>
-            <a:picLocks noChangeAspect="1"/>
-          </p:cNvPicPr>
-          <p:nvPr/>
-        </p:nvPicPr>
-        <p:blipFill>
-          <a:blip r:embed="rId9"/>
-          <a:stretch>
-            <a:fillRect/>
-          </a:stretch>
-        </p:blipFill>
-        <p:spPr>
-          <a:xfrm>
-            <a:off x="5197871" y="4630221"/>
-            <a:ext cx="5166808" cy="1798476"/>
-          </a:xfrm>
-          <a:prstGeom prst="rect">
-            <a:avLst/>
-          </a:prstGeom>
-        </p:spPr>
-      </p:pic>
-      <p:sp>
-        <p:nvSpPr>
-          <p:cNvPr id="23" name="圆柱体 22">
-            <a:extLst>
-              <a:ext uri="{FF2B5EF4-FFF2-40B4-BE49-F238E27FC236}">
-                <a16:creationId xmlns:a16="http://schemas.microsoft.com/office/drawing/2014/main" id="{5092C5AA-F0C7-BA93-70F1-06125A9215D2}"/>
-              </a:ext>
-            </a:extLst>
-          </p:cNvPr>
-          <p:cNvSpPr/>
-          <p:nvPr/>
-        </p:nvSpPr>
-        <p:spPr>
-          <a:xfrm>
-            <a:off x="832516" y="1049494"/>
-            <a:ext cx="1675422" cy="2517522"/>
-          </a:xfrm>
-          <a:prstGeom prst="can">
-            <a:avLst/>
-          </a:prstGeom>
-          <a:noFill/>
-          <a:ln w="28575"/>
-        </p:spPr>
-        <p:style>
-          <a:lnRef idx="2">
-            <a:schemeClr val="accent1">
-              <a:shade val="50000"/>
-            </a:schemeClr>
-          </a:lnRef>
-          <a:fillRef idx="1">
-            <a:schemeClr val="accent1"/>
-          </a:fillRef>
-          <a:effectRef idx="0">
-            <a:schemeClr val="accent1"/>
-          </a:effectRef>
-          <a:fontRef idx="minor">
-            <a:schemeClr val="lt1"/>
-          </a:fontRef>
-        </p:style>
-        <p:txBody>
-          <a:bodyPr rtlCol="0" anchor="ctr"/>
-          <a:lstStyle/>
-          <a:p>
-            <a:pPr algn="ctr"/>
             <a:endParaRPr lang="zh-CN" altLang="en-US"/>
           </a:p>
         </p:txBody>
       </p:sp>
       <p:sp>
         <p:nvSpPr>
-          <p:cNvPr id="26" name="椭圆 25">
-            <a:extLst>
-              <a:ext uri="{FF2B5EF4-FFF2-40B4-BE49-F238E27FC236}">
-                <a16:creationId xmlns:a16="http://schemas.microsoft.com/office/drawing/2014/main" id="{FC0A2288-8DE3-DF08-8420-07D46E790B42}"/>
-              </a:ext>
-            </a:extLst>
-          </p:cNvPr>
-          <p:cNvSpPr/>
-          <p:nvPr/>
+          <p:cNvPr id="3" name="内容占位符 2">
+            <a:extLst>
+              <a:ext uri="{FF2B5EF4-FFF2-40B4-BE49-F238E27FC236}">
+                <a16:creationId xmlns:a16="http://schemas.microsoft.com/office/drawing/2014/main" id="{C500CCDC-9879-40B9-B04B-BBA4825323FF}"/>
+              </a:ext>
+            </a:extLst>
+          </p:cNvPr>
+          <p:cNvSpPr>
+            <a:spLocks noGrp="1"/>
+          </p:cNvSpPr>
+          <p:nvPr>
+            <p:ph idx="1"/>
+          </p:nvPr>
         </p:nvSpPr>
-        <p:spPr>
-          <a:xfrm>
-            <a:off x="832516" y="3020796"/>
-            <a:ext cx="1675422" cy="566199"/>
-          </a:xfrm>
-          <a:prstGeom prst="ellipse">
-            <a:avLst/>
-          </a:prstGeom>
-          <a:noFill/>
-          <a:ln w="28575"/>
-        </p:spPr>
-        <p:style>
-          <a:lnRef idx="2">
-            <a:schemeClr val="accent1">
-              <a:shade val="50000"/>
-            </a:schemeClr>
-          </a:lnRef>
-          <a:fillRef idx="1">
-            <a:schemeClr val="accent1"/>
-          </a:fillRef>
-          <a:effectRef idx="0">
-            <a:schemeClr val="accent1"/>
-          </a:effectRef>
-          <a:fontRef idx="minor">
-            <a:schemeClr val="lt1"/>
-          </a:fontRef>
-        </p:style>
+        <p:spPr/>
         <p:txBody>
-          <a:bodyPr rtlCol="0" anchor="ctr"/>
+          <a:bodyPr/>
           <a:lstStyle/>
           <a:p>
-            <a:pPr algn="ctr"/>
             <a:endParaRPr lang="zh-CN" altLang="en-US"/>
           </a:p>
         </p:txBody>
       </p:sp>
-      <p:cxnSp>
-        <p:nvCxnSpPr>
-          <p:cNvPr id="28" name="直接箭头连接符 27">
-            <a:extLst>
-              <a:ext uri="{FF2B5EF4-FFF2-40B4-BE49-F238E27FC236}">
-                <a16:creationId xmlns:a16="http://schemas.microsoft.com/office/drawing/2014/main" id="{3E61D33C-EE2D-5E67-9DE3-3890166EF3B6}"/>
-              </a:ext>
-            </a:extLst>
-          </p:cNvPr>
-          <p:cNvCxnSpPr>
-            <a:cxnSpLocks/>
-          </p:cNvCxnSpPr>
-          <p:nvPr/>
-        </p:nvCxnSpPr>
-        <p:spPr>
-          <a:xfrm flipH="1">
-            <a:off x="976544" y="3286292"/>
-            <a:ext cx="656947" cy="1152464"/>
-          </a:xfrm>
-          <a:prstGeom prst="straightConnector1">
-            <a:avLst/>
-          </a:prstGeom>
-          <a:ln w="28575">
-            <a:tailEnd type="triangle"/>
-          </a:ln>
-        </p:spPr>
-        <p:style>
-          <a:lnRef idx="1">
-            <a:schemeClr val="accent1"/>
-          </a:lnRef>
-          <a:fillRef idx="0">
-            <a:schemeClr val="accent1"/>
-          </a:fillRef>
-          <a:effectRef idx="0">
-            <a:schemeClr val="accent1"/>
-          </a:effectRef>
-          <a:fontRef idx="minor">
-            <a:schemeClr val="tx1"/>
-          </a:fontRef>
-        </p:style>
-      </p:cxnSp>
-      <p:cxnSp>
-        <p:nvCxnSpPr>
-          <p:cNvPr id="29" name="直接箭头连接符 28">
-            <a:extLst>
-              <a:ext uri="{FF2B5EF4-FFF2-40B4-BE49-F238E27FC236}">
-                <a16:creationId xmlns:a16="http://schemas.microsoft.com/office/drawing/2014/main" id="{D3E1F479-BCD8-EE61-7CD7-60E11DC0B762}"/>
-              </a:ext>
-            </a:extLst>
-          </p:cNvPr>
-          <p:cNvCxnSpPr>
-            <a:cxnSpLocks/>
-          </p:cNvCxnSpPr>
-          <p:nvPr/>
-        </p:nvCxnSpPr>
-        <p:spPr>
-          <a:xfrm>
-            <a:off x="1633491" y="3303895"/>
-            <a:ext cx="1482571" cy="29133"/>
-          </a:xfrm>
-          <a:prstGeom prst="straightConnector1">
-            <a:avLst/>
-          </a:prstGeom>
-          <a:ln w="28575">
-            <a:tailEnd type="triangle"/>
-          </a:ln>
-        </p:spPr>
-        <p:style>
-          <a:lnRef idx="1">
-            <a:schemeClr val="accent1"/>
-          </a:lnRef>
-          <a:fillRef idx="0">
-            <a:schemeClr val="accent1"/>
-          </a:fillRef>
-          <a:effectRef idx="0">
-            <a:schemeClr val="accent1"/>
-          </a:effectRef>
-          <a:fontRef idx="minor">
-            <a:schemeClr val="tx1"/>
-          </a:fontRef>
-        </p:style>
-      </p:cxnSp>
-      <p:cxnSp>
-        <p:nvCxnSpPr>
-          <p:cNvPr id="36" name="直接箭头连接符 35">
-            <a:extLst>
-              <a:ext uri="{FF2B5EF4-FFF2-40B4-BE49-F238E27FC236}">
-                <a16:creationId xmlns:a16="http://schemas.microsoft.com/office/drawing/2014/main" id="{94314046-CB29-E331-4F78-616307510C1E}"/>
-              </a:ext>
-            </a:extLst>
-          </p:cNvPr>
-          <p:cNvCxnSpPr>
-            <a:cxnSpLocks/>
-          </p:cNvCxnSpPr>
-          <p:nvPr/>
-        </p:nvCxnSpPr>
-        <p:spPr>
-          <a:xfrm flipV="1">
-            <a:off x="1615735" y="897445"/>
-            <a:ext cx="27249" cy="2421016"/>
-          </a:xfrm>
-          <a:prstGeom prst="straightConnector1">
-            <a:avLst/>
-          </a:prstGeom>
-          <a:ln w="28575">
-            <a:tailEnd type="triangle"/>
-          </a:ln>
-        </p:spPr>
-        <p:style>
-          <a:lnRef idx="1">
-            <a:schemeClr val="accent1"/>
-          </a:lnRef>
-          <a:fillRef idx="0">
-            <a:schemeClr val="accent1"/>
-          </a:fillRef>
-          <a:effectRef idx="0">
-            <a:schemeClr val="accent1"/>
-          </a:effectRef>
-          <a:fontRef idx="minor">
-            <a:schemeClr val="tx1"/>
-          </a:fontRef>
-        </p:style>
-      </p:cxnSp>
-      <mc:AlternateContent xmlns:mc="http://schemas.openxmlformats.org/markup-compatibility/2006" xmlns:a14="http://schemas.microsoft.com/office/drawing/2010/main">
-        <mc:Choice Requires="a14">
-          <p:sp>
-            <p:nvSpPr>
-              <p:cNvPr id="38" name="文本框 37">
-                <a:extLst>
-                  <a:ext uri="{FF2B5EF4-FFF2-40B4-BE49-F238E27FC236}">
-                    <a16:creationId xmlns:a16="http://schemas.microsoft.com/office/drawing/2014/main" id="{3A757389-04E8-8924-AE66-FB428849336A}"/>
-                  </a:ext>
-                </a:extLst>
-              </p:cNvPr>
-              <p:cNvSpPr txBox="1"/>
-              <p:nvPr/>
-            </p:nvSpPr>
-            <p:spPr>
-              <a:xfrm>
-                <a:off x="488272" y="4109413"/>
-                <a:ext cx="488272" cy="369332"/>
-              </a:xfrm>
-              <a:prstGeom prst="rect">
-                <a:avLst/>
-              </a:prstGeom>
-              <a:noFill/>
-            </p:spPr>
-            <p:txBody>
-              <a:bodyPr wrap="square" rtlCol="0">
-                <a:spAutoFit/>
-              </a:bodyPr>
-              <a:lstStyle/>
-              <a:p>
-                <a:pPr/>
-                <a14:m>
-                  <m:oMathPara xmlns:m="http://schemas.openxmlformats.org/officeDocument/2006/math">
-                    <m:oMathParaPr>
-                      <m:jc m:val="centerGroup"/>
-                    </m:oMathParaPr>
-                    <m:oMath xmlns:m="http://schemas.openxmlformats.org/officeDocument/2006/math">
-                      <m:sSub>
-                        <m:sSubPr>
-                          <m:ctrlPr>
-                            <a:rPr lang="en-US" altLang="zh-CN" b="0" i="1" smtClean="0">
-                              <a:latin typeface="Cambria Math" panose="02040503050406030204" pitchFamily="18" charset="0"/>
-                            </a:rPr>
-                          </m:ctrlPr>
-                        </m:sSubPr>
-                        <m:e>
-                          <m:r>
-                            <a:rPr lang="en-US" altLang="zh-CN" b="0" i="1" smtClean="0">
-                              <a:latin typeface="Cambria Math" panose="02040503050406030204" pitchFamily="18" charset="0"/>
-                            </a:rPr>
-                            <m:t>𝑘</m:t>
-                          </m:r>
-                        </m:e>
-                        <m:sub>
-                          <m:r>
-                            <a:rPr lang="en-US" altLang="zh-CN" b="0" i="1" smtClean="0">
-                              <a:latin typeface="Cambria Math" panose="02040503050406030204" pitchFamily="18" charset="0"/>
-                            </a:rPr>
-                            <m:t>𝑥</m:t>
-                          </m:r>
-                        </m:sub>
-                      </m:sSub>
-                    </m:oMath>
-                  </m:oMathPara>
-                </a14:m>
-                <a:endParaRPr lang="zh-CN" altLang="en-US" dirty="0"/>
-              </a:p>
-            </p:txBody>
-          </p:sp>
-        </mc:Choice>
-        <mc:Fallback xmlns="">
-          <p:sp>
-            <p:nvSpPr>
-              <p:cNvPr id="38" name="文本框 37">
-                <a:extLst>
-                  <a:ext uri="{FF2B5EF4-FFF2-40B4-BE49-F238E27FC236}">
-                    <a16:creationId xmlns:a16="http://schemas.microsoft.com/office/drawing/2014/main" id="{3A757389-04E8-8924-AE66-FB428849336A}"/>
-                  </a:ext>
-                </a:extLst>
-              </p:cNvPr>
-              <p:cNvSpPr txBox="1">
-                <a:spLocks noRot="1" noChangeAspect="1" noMove="1" noResize="1" noEditPoints="1" noAdjustHandles="1" noChangeArrowheads="1" noChangeShapeType="1" noTextEdit="1"/>
-              </p:cNvSpPr>
-              <p:nvPr/>
-            </p:nvSpPr>
-            <p:spPr>
-              <a:xfrm>
-                <a:off x="488272" y="4109413"/>
-                <a:ext cx="488272" cy="369332"/>
-              </a:xfrm>
-              <a:prstGeom prst="rect">
-                <a:avLst/>
-              </a:prstGeom>
-              <a:blipFill>
-                <a:blip r:embed="rId10"/>
-                <a:stretch>
-                  <a:fillRect/>
-                </a:stretch>
-              </a:blipFill>
-            </p:spPr>
-            <p:txBody>
-              <a:bodyPr/>
-              <a:lstStyle/>
-              <a:p>
-                <a:r>
-                  <a:rPr lang="zh-CN" altLang="en-US">
-                    <a:noFill/>
-                  </a:rPr>
-                  <a:t> </a:t>
-                </a:r>
-              </a:p>
-            </p:txBody>
-          </p:sp>
-        </mc:Fallback>
-      </mc:AlternateContent>
-      <mc:AlternateContent xmlns:mc="http://schemas.openxmlformats.org/markup-compatibility/2006" xmlns:a14="http://schemas.microsoft.com/office/drawing/2010/main">
-        <mc:Choice Requires="a14">
-          <p:sp>
-            <p:nvSpPr>
-              <p:cNvPr id="40" name="文本框 39">
-                <a:extLst>
-                  <a:ext uri="{FF2B5EF4-FFF2-40B4-BE49-F238E27FC236}">
-                    <a16:creationId xmlns:a16="http://schemas.microsoft.com/office/drawing/2014/main" id="{785149DF-DA7F-7745-3563-AB0C4D5AE02E}"/>
-                  </a:ext>
-                </a:extLst>
-              </p:cNvPr>
-              <p:cNvSpPr txBox="1"/>
-              <p:nvPr/>
-            </p:nvSpPr>
-            <p:spPr>
-              <a:xfrm>
-                <a:off x="2819769" y="2896024"/>
-                <a:ext cx="592585" cy="391261"/>
-              </a:xfrm>
-              <a:prstGeom prst="rect">
-                <a:avLst/>
-              </a:prstGeom>
-              <a:noFill/>
-            </p:spPr>
-            <p:txBody>
-              <a:bodyPr wrap="square">
-                <a:spAutoFit/>
-              </a:bodyPr>
-              <a:lstStyle/>
-              <a:p>
-                <a:pPr/>
-                <a14:m>
-                  <m:oMathPara xmlns:m="http://schemas.openxmlformats.org/officeDocument/2006/math">
-                    <m:oMathParaPr>
-                      <m:jc m:val="centerGroup"/>
-                    </m:oMathParaPr>
-                    <m:oMath xmlns:m="http://schemas.openxmlformats.org/officeDocument/2006/math">
-                      <m:sSub>
-                        <m:sSubPr>
-                          <m:ctrlPr>
-                            <a:rPr lang="en-US" altLang="zh-CN" b="0" i="1" smtClean="0">
-                              <a:latin typeface="Cambria Math" panose="02040503050406030204" pitchFamily="18" charset="0"/>
-                            </a:rPr>
-                          </m:ctrlPr>
-                        </m:sSubPr>
-                        <m:e>
-                          <m:r>
-                            <a:rPr lang="en-US" altLang="zh-CN" b="0" i="1" smtClean="0">
-                              <a:latin typeface="Cambria Math" panose="02040503050406030204" pitchFamily="18" charset="0"/>
-                            </a:rPr>
-                            <m:t>𝑘</m:t>
-                          </m:r>
-                        </m:e>
-                        <m:sub>
-                          <m:r>
-                            <a:rPr lang="en-US" altLang="zh-CN" b="0" i="1" smtClean="0">
-                              <a:latin typeface="Cambria Math" panose="02040503050406030204" pitchFamily="18" charset="0"/>
-                            </a:rPr>
-                            <m:t>𝑦</m:t>
-                          </m:r>
-                        </m:sub>
-                      </m:sSub>
-                    </m:oMath>
-                  </m:oMathPara>
-                </a14:m>
-                <a:endParaRPr lang="zh-CN" altLang="en-US" dirty="0"/>
-              </a:p>
-            </p:txBody>
-          </p:sp>
-        </mc:Choice>
-        <mc:Fallback xmlns="">
-          <p:sp>
-            <p:nvSpPr>
-              <p:cNvPr id="40" name="文本框 39">
-                <a:extLst>
-                  <a:ext uri="{FF2B5EF4-FFF2-40B4-BE49-F238E27FC236}">
-                    <a16:creationId xmlns:a16="http://schemas.microsoft.com/office/drawing/2014/main" id="{785149DF-DA7F-7745-3563-AB0C4D5AE02E}"/>
-                  </a:ext>
-                </a:extLst>
-              </p:cNvPr>
-              <p:cNvSpPr txBox="1">
-                <a:spLocks noRot="1" noChangeAspect="1" noMove="1" noResize="1" noEditPoints="1" noAdjustHandles="1" noChangeArrowheads="1" noChangeShapeType="1" noTextEdit="1"/>
-              </p:cNvSpPr>
-              <p:nvPr/>
-            </p:nvSpPr>
-            <p:spPr>
-              <a:xfrm>
-                <a:off x="2819769" y="2896024"/>
-                <a:ext cx="592585" cy="391261"/>
-              </a:xfrm>
-              <a:prstGeom prst="rect">
-                <a:avLst/>
-              </a:prstGeom>
-              <a:blipFill>
-                <a:blip r:embed="rId11"/>
-                <a:stretch>
-                  <a:fillRect b="-4688"/>
-                </a:stretch>
-              </a:blipFill>
-            </p:spPr>
-            <p:txBody>
-              <a:bodyPr/>
-              <a:lstStyle/>
-              <a:p>
-                <a:r>
-                  <a:rPr lang="zh-CN" altLang="en-US">
-                    <a:noFill/>
-                  </a:rPr>
-                  <a:t> </a:t>
-                </a:r>
-              </a:p>
-            </p:txBody>
-          </p:sp>
-        </mc:Fallback>
-      </mc:AlternateContent>
-      <mc:AlternateContent xmlns:mc="http://schemas.openxmlformats.org/markup-compatibility/2006" xmlns:a14="http://schemas.microsoft.com/office/drawing/2010/main">
-        <mc:Choice Requires="a14">
-          <p:sp>
-            <p:nvSpPr>
-              <p:cNvPr id="42" name="文本框 41">
-                <a:extLst>
-                  <a:ext uri="{FF2B5EF4-FFF2-40B4-BE49-F238E27FC236}">
-                    <a16:creationId xmlns:a16="http://schemas.microsoft.com/office/drawing/2014/main" id="{A5C87A18-9028-D2AA-4B0D-9A87CE6F4D38}"/>
-                  </a:ext>
-                </a:extLst>
-              </p:cNvPr>
-              <p:cNvSpPr txBox="1"/>
-              <p:nvPr/>
-            </p:nvSpPr>
-            <p:spPr>
-              <a:xfrm>
-                <a:off x="1498847" y="618244"/>
-                <a:ext cx="656947" cy="369332"/>
-              </a:xfrm>
-              <a:prstGeom prst="rect">
-                <a:avLst/>
-              </a:prstGeom>
-              <a:noFill/>
-            </p:spPr>
-            <p:txBody>
-              <a:bodyPr wrap="square">
-                <a:spAutoFit/>
-              </a:bodyPr>
-              <a:lstStyle/>
-              <a:p>
-                <a:pPr/>
-                <a14:m>
-                  <m:oMathPara xmlns:m="http://schemas.openxmlformats.org/officeDocument/2006/math">
-                    <m:oMathParaPr>
-                      <m:jc m:val="centerGroup"/>
-                    </m:oMathParaPr>
-                    <m:oMath xmlns:m="http://schemas.openxmlformats.org/officeDocument/2006/math">
-                      <m:sSub>
-                        <m:sSubPr>
-                          <m:ctrlPr>
-                            <a:rPr lang="en-US" altLang="zh-CN" b="0" i="1" smtClean="0">
-                              <a:latin typeface="Cambria Math" panose="02040503050406030204" pitchFamily="18" charset="0"/>
-                            </a:rPr>
-                          </m:ctrlPr>
-                        </m:sSubPr>
-                        <m:e>
-                          <m:r>
-                            <a:rPr lang="en-US" altLang="zh-CN" b="0" i="1" smtClean="0">
-                              <a:latin typeface="Cambria Math" panose="02040503050406030204" pitchFamily="18" charset="0"/>
-                            </a:rPr>
-                            <m:t>𝑘</m:t>
-                          </m:r>
-                        </m:e>
-                        <m:sub>
-                          <m:r>
-                            <a:rPr lang="en-US" altLang="zh-CN" b="0" i="1" smtClean="0">
-                              <a:latin typeface="Cambria Math" panose="02040503050406030204" pitchFamily="18" charset="0"/>
-                            </a:rPr>
-                            <m:t>𝑧</m:t>
-                          </m:r>
-                        </m:sub>
-                      </m:sSub>
-                    </m:oMath>
-                  </m:oMathPara>
-                </a14:m>
-                <a:endParaRPr lang="zh-CN" altLang="en-US" dirty="0"/>
-              </a:p>
-            </p:txBody>
-          </p:sp>
-        </mc:Choice>
-        <mc:Fallback xmlns="">
-          <p:sp>
-            <p:nvSpPr>
-              <p:cNvPr id="42" name="文本框 41">
-                <a:extLst>
-                  <a:ext uri="{FF2B5EF4-FFF2-40B4-BE49-F238E27FC236}">
-                    <a16:creationId xmlns:a16="http://schemas.microsoft.com/office/drawing/2014/main" id="{A5C87A18-9028-D2AA-4B0D-9A87CE6F4D38}"/>
-                  </a:ext>
-                </a:extLst>
-              </p:cNvPr>
-              <p:cNvSpPr txBox="1">
-                <a:spLocks noRot="1" noChangeAspect="1" noMove="1" noResize="1" noEditPoints="1" noAdjustHandles="1" noChangeArrowheads="1" noChangeShapeType="1" noTextEdit="1"/>
-              </p:cNvSpPr>
-              <p:nvPr/>
-            </p:nvSpPr>
-            <p:spPr>
-              <a:xfrm>
-                <a:off x="1498847" y="618244"/>
-                <a:ext cx="656947" cy="369332"/>
-              </a:xfrm>
-              <a:prstGeom prst="rect">
-                <a:avLst/>
-              </a:prstGeom>
-              <a:blipFill>
-                <a:blip r:embed="rId12"/>
-                <a:stretch>
-                  <a:fillRect/>
-                </a:stretch>
-              </a:blipFill>
-            </p:spPr>
-            <p:txBody>
-              <a:bodyPr/>
-              <a:lstStyle/>
-              <a:p>
-                <a:r>
-                  <a:rPr lang="zh-CN" altLang="en-US">
-                    <a:noFill/>
-                  </a:rPr>
-                  <a:t> </a:t>
-                </a:r>
-              </a:p>
-            </p:txBody>
-          </p:sp>
-        </mc:Fallback>
-      </mc:AlternateContent>
-      <p:cxnSp>
-        <p:nvCxnSpPr>
-          <p:cNvPr id="44" name="直接连接符 43">
-            <a:extLst>
-              <a:ext uri="{FF2B5EF4-FFF2-40B4-BE49-F238E27FC236}">
-                <a16:creationId xmlns:a16="http://schemas.microsoft.com/office/drawing/2014/main" id="{5774E15F-C33B-9A64-8073-F174BB8DE24C}"/>
-              </a:ext>
-            </a:extLst>
-          </p:cNvPr>
-          <p:cNvCxnSpPr>
-            <a:cxnSpLocks/>
-          </p:cNvCxnSpPr>
-          <p:nvPr/>
-        </p:nvCxnSpPr>
-        <p:spPr>
-          <a:xfrm flipV="1">
-            <a:off x="1623053" y="1989422"/>
-            <a:ext cx="605865" cy="1286032"/>
-          </a:xfrm>
-          <a:prstGeom prst="line">
-            <a:avLst/>
-          </a:prstGeom>
-          <a:ln w="28575"/>
-        </p:spPr>
-        <p:style>
-          <a:lnRef idx="1">
-            <a:schemeClr val="accent1"/>
-          </a:lnRef>
-          <a:fillRef idx="0">
-            <a:schemeClr val="accent1"/>
-          </a:fillRef>
-          <a:effectRef idx="0">
-            <a:schemeClr val="accent1"/>
-          </a:effectRef>
-          <a:fontRef idx="minor">
-            <a:schemeClr val="tx1"/>
-          </a:fontRef>
-        </p:style>
-      </p:cxnSp>
-      <p:cxnSp>
-        <p:nvCxnSpPr>
-          <p:cNvPr id="45" name="直接连接符 44">
-            <a:extLst>
-              <a:ext uri="{FF2B5EF4-FFF2-40B4-BE49-F238E27FC236}">
-                <a16:creationId xmlns:a16="http://schemas.microsoft.com/office/drawing/2014/main" id="{46D4ABEC-09F4-AEF6-59F5-266FD33CF619}"/>
-              </a:ext>
-            </a:extLst>
-          </p:cNvPr>
-          <p:cNvCxnSpPr>
-            <a:cxnSpLocks/>
-            <a:stCxn id="26" idx="5"/>
-          </p:cNvCxnSpPr>
-          <p:nvPr/>
-        </p:nvCxnSpPr>
-        <p:spPr>
-          <a:xfrm flipH="1" flipV="1">
-            <a:off x="2228918" y="1989422"/>
-            <a:ext cx="33660" cy="1514655"/>
-          </a:xfrm>
-          <a:prstGeom prst="line">
-            <a:avLst/>
-          </a:prstGeom>
-          <a:ln w="28575"/>
-        </p:spPr>
-        <p:style>
-          <a:lnRef idx="1">
-            <a:schemeClr val="accent1"/>
-          </a:lnRef>
-          <a:fillRef idx="0">
-            <a:schemeClr val="accent1"/>
-          </a:fillRef>
-          <a:effectRef idx="0">
-            <a:schemeClr val="accent1"/>
-          </a:effectRef>
-          <a:fontRef idx="minor">
-            <a:schemeClr val="tx1"/>
-          </a:fontRef>
-        </p:style>
-      </p:cxnSp>
-      <p:cxnSp>
-        <p:nvCxnSpPr>
-          <p:cNvPr id="50" name="直接连接符 49">
-            <a:extLst>
-              <a:ext uri="{FF2B5EF4-FFF2-40B4-BE49-F238E27FC236}">
-                <a16:creationId xmlns:a16="http://schemas.microsoft.com/office/drawing/2014/main" id="{D18F7302-5192-1778-C827-05EACDDD12B4}"/>
-              </a:ext>
-            </a:extLst>
-          </p:cNvPr>
-          <p:cNvCxnSpPr>
-            <a:cxnSpLocks/>
-            <a:stCxn id="26" idx="5"/>
-          </p:cNvCxnSpPr>
-          <p:nvPr/>
-        </p:nvCxnSpPr>
-        <p:spPr>
-          <a:xfrm flipH="1" flipV="1">
-            <a:off x="1615735" y="3292064"/>
-            <a:ext cx="646843" cy="212013"/>
-          </a:xfrm>
-          <a:prstGeom prst="line">
-            <a:avLst/>
-          </a:prstGeom>
-          <a:ln w="28575"/>
-        </p:spPr>
-        <p:style>
-          <a:lnRef idx="1">
-            <a:schemeClr val="accent1"/>
-          </a:lnRef>
-          <a:fillRef idx="0">
-            <a:schemeClr val="accent1"/>
-          </a:fillRef>
-          <a:effectRef idx="0">
-            <a:schemeClr val="accent1"/>
-          </a:effectRef>
-          <a:fontRef idx="minor">
-            <a:schemeClr val="tx1"/>
-          </a:fontRef>
-        </p:style>
-      </p:cxnSp>
-      <mc:AlternateContent xmlns:mc="http://schemas.openxmlformats.org/markup-compatibility/2006" xmlns:a14="http://schemas.microsoft.com/office/drawing/2010/main">
-        <mc:Choice Requires="a14">
-          <p:sp>
-            <p:nvSpPr>
-              <p:cNvPr id="56" name="文本框 55">
-                <a:extLst>
-                  <a:ext uri="{FF2B5EF4-FFF2-40B4-BE49-F238E27FC236}">
-                    <a16:creationId xmlns:a16="http://schemas.microsoft.com/office/drawing/2014/main" id="{654F0A48-2A8D-E385-6FDE-48C48CE9CE9D}"/>
-                  </a:ext>
-                </a:extLst>
-              </p:cNvPr>
-              <p:cNvSpPr txBox="1"/>
-              <p:nvPr/>
-            </p:nvSpPr>
-            <p:spPr>
-              <a:xfrm>
-                <a:off x="2059214" y="1923287"/>
-                <a:ext cx="676925" cy="369332"/>
-              </a:xfrm>
-              <a:prstGeom prst="rect">
-                <a:avLst/>
-              </a:prstGeom>
-              <a:noFill/>
-            </p:spPr>
-            <p:txBody>
-              <a:bodyPr wrap="square">
-                <a:spAutoFit/>
-              </a:bodyPr>
-              <a:lstStyle/>
-              <a:p>
-                <a:pPr/>
-                <a14:m>
-                  <m:oMathPara xmlns:m="http://schemas.openxmlformats.org/officeDocument/2006/math">
-                    <m:oMathParaPr>
-                      <m:jc m:val="centerGroup"/>
-                    </m:oMathParaPr>
-                    <m:oMath xmlns:m="http://schemas.openxmlformats.org/officeDocument/2006/math">
-                      <m:sSub>
-                        <m:sSubPr>
-                          <m:ctrlPr>
-                            <a:rPr lang="en-US" altLang="zh-CN" b="0" i="1" smtClean="0">
-                              <a:latin typeface="Cambria Math" panose="02040503050406030204" pitchFamily="18" charset="0"/>
-                            </a:rPr>
-                          </m:ctrlPr>
-                        </m:sSubPr>
-                        <m:e>
-                          <m:r>
-                            <a:rPr lang="en-US" altLang="zh-CN" b="0" i="1" smtClean="0">
-                              <a:latin typeface="Cambria Math" panose="02040503050406030204" pitchFamily="18" charset="0"/>
-                            </a:rPr>
-                            <m:t>𝑘</m:t>
-                          </m:r>
-                        </m:e>
-                        <m:sub>
-                          <m:r>
-                            <a:rPr lang="en-US" altLang="zh-CN" b="0" i="1" smtClean="0">
-                              <a:latin typeface="Cambria Math" panose="02040503050406030204" pitchFamily="18" charset="0"/>
-                            </a:rPr>
-                            <m:t>𝑧</m:t>
-                          </m:r>
-                        </m:sub>
-                      </m:sSub>
-                    </m:oMath>
-                  </m:oMathPara>
-                </a14:m>
-                <a:endParaRPr lang="zh-CN" altLang="en-US" dirty="0"/>
-              </a:p>
-            </p:txBody>
-          </p:sp>
-        </mc:Choice>
-        <mc:Fallback xmlns="">
-          <p:sp>
-            <p:nvSpPr>
-              <p:cNvPr id="56" name="文本框 55">
-                <a:extLst>
-                  <a:ext uri="{FF2B5EF4-FFF2-40B4-BE49-F238E27FC236}">
-                    <a16:creationId xmlns:a16="http://schemas.microsoft.com/office/drawing/2014/main" id="{654F0A48-2A8D-E385-6FDE-48C48CE9CE9D}"/>
-                  </a:ext>
-                </a:extLst>
-              </p:cNvPr>
-              <p:cNvSpPr txBox="1">
-                <a:spLocks noRot="1" noChangeAspect="1" noMove="1" noResize="1" noEditPoints="1" noAdjustHandles="1" noChangeArrowheads="1" noChangeShapeType="1" noTextEdit="1"/>
-              </p:cNvSpPr>
-              <p:nvPr/>
-            </p:nvSpPr>
-            <p:spPr>
-              <a:xfrm>
-                <a:off x="2059214" y="1923287"/>
-                <a:ext cx="676925" cy="369332"/>
-              </a:xfrm>
-              <a:prstGeom prst="rect">
-                <a:avLst/>
-              </a:prstGeom>
-              <a:blipFill>
-                <a:blip r:embed="rId13"/>
-                <a:stretch>
-                  <a:fillRect/>
-                </a:stretch>
-              </a:blipFill>
-            </p:spPr>
-            <p:txBody>
-              <a:bodyPr/>
-              <a:lstStyle/>
-              <a:p>
-                <a:r>
-                  <a:rPr lang="zh-CN" altLang="en-US">
-                    <a:noFill/>
-                  </a:rPr>
-                  <a:t> </a:t>
-                </a:r>
-              </a:p>
-            </p:txBody>
-          </p:sp>
-        </mc:Fallback>
-      </mc:AlternateContent>
-      <mc:AlternateContent xmlns:mc="http://schemas.openxmlformats.org/markup-compatibility/2006" xmlns:a14="http://schemas.microsoft.com/office/drawing/2010/main">
-        <mc:Choice Requires="a14">
-          <p:sp>
-            <p:nvSpPr>
-              <p:cNvPr id="57" name="文本框 56">
-                <a:extLst>
-                  <a:ext uri="{FF2B5EF4-FFF2-40B4-BE49-F238E27FC236}">
-                    <a16:creationId xmlns:a16="http://schemas.microsoft.com/office/drawing/2014/main" id="{773F2A72-BE33-6227-E146-0690CB68F1D1}"/>
-                  </a:ext>
-                </a:extLst>
-              </p:cNvPr>
-              <p:cNvSpPr txBox="1"/>
-              <p:nvPr/>
-            </p:nvSpPr>
-            <p:spPr>
-              <a:xfrm>
-                <a:off x="1706918" y="3144735"/>
-                <a:ext cx="880706" cy="369332"/>
-              </a:xfrm>
-              <a:prstGeom prst="rect">
-                <a:avLst/>
-              </a:prstGeom>
-              <a:noFill/>
-            </p:spPr>
-            <p:txBody>
-              <a:bodyPr wrap="square" rtlCol="0">
-                <a:spAutoFit/>
-              </a:bodyPr>
-              <a:lstStyle/>
-              <a:p>
-                <a:pPr/>
-                <a14:m>
-                  <m:oMathPara xmlns:m="http://schemas.openxmlformats.org/officeDocument/2006/math">
-                    <m:oMathParaPr>
-                      <m:jc m:val="centerGroup"/>
-                    </m:oMathParaPr>
-                    <m:oMath xmlns:m="http://schemas.openxmlformats.org/officeDocument/2006/math">
-                      <m:r>
-                        <a:rPr lang="en-US" altLang="zh-CN" b="0" i="1" smtClean="0">
-                          <a:latin typeface="Cambria Math" panose="02040503050406030204" pitchFamily="18" charset="0"/>
-                        </a:rPr>
-                        <m:t>𝜌</m:t>
-                      </m:r>
-                    </m:oMath>
-                  </m:oMathPara>
-                </a14:m>
-                <a:endParaRPr lang="zh-CN" altLang="en-US" dirty="0"/>
-              </a:p>
-            </p:txBody>
-          </p:sp>
-        </mc:Choice>
-        <mc:Fallback xmlns="">
-          <p:sp>
-            <p:nvSpPr>
-              <p:cNvPr id="57" name="文本框 56">
-                <a:extLst>
-                  <a:ext uri="{FF2B5EF4-FFF2-40B4-BE49-F238E27FC236}">
-                    <a16:creationId xmlns:a16="http://schemas.microsoft.com/office/drawing/2014/main" id="{773F2A72-BE33-6227-E146-0690CB68F1D1}"/>
-                  </a:ext>
-                </a:extLst>
-              </p:cNvPr>
-              <p:cNvSpPr txBox="1">
-                <a:spLocks noRot="1" noChangeAspect="1" noMove="1" noResize="1" noEditPoints="1" noAdjustHandles="1" noChangeArrowheads="1" noChangeShapeType="1" noTextEdit="1"/>
-              </p:cNvSpPr>
-              <p:nvPr/>
-            </p:nvSpPr>
-            <p:spPr>
-              <a:xfrm>
-                <a:off x="1706918" y="3144735"/>
-                <a:ext cx="880706" cy="369332"/>
-              </a:xfrm>
-              <a:prstGeom prst="rect">
-                <a:avLst/>
-              </a:prstGeom>
-              <a:blipFill>
-                <a:blip r:embed="rId14"/>
-                <a:stretch>
-                  <a:fillRect b="-6667"/>
-                </a:stretch>
-              </a:blipFill>
-            </p:spPr>
-            <p:txBody>
-              <a:bodyPr/>
-              <a:lstStyle/>
-              <a:p>
-                <a:r>
-                  <a:rPr lang="zh-CN" altLang="en-US">
-                    <a:noFill/>
-                  </a:rPr>
-                  <a:t> </a:t>
-                </a:r>
-              </a:p>
-            </p:txBody>
-          </p:sp>
-        </mc:Fallback>
-      </mc:AlternateContent>
-      <p:sp>
-        <p:nvSpPr>
-          <p:cNvPr id="58" name="弧形 57">
-            <a:extLst>
-              <a:ext uri="{FF2B5EF4-FFF2-40B4-BE49-F238E27FC236}">
-                <a16:creationId xmlns:a16="http://schemas.microsoft.com/office/drawing/2014/main" id="{33F80F50-1A04-0CF0-97EE-16B39A4DF3FB}"/>
-              </a:ext>
-            </a:extLst>
-          </p:cNvPr>
-          <p:cNvSpPr/>
-          <p:nvPr/>
-        </p:nvSpPr>
-        <p:spPr>
-          <a:xfrm rot="7821537">
-            <a:off x="1524831" y="3109858"/>
-            <a:ext cx="353370" cy="323419"/>
-          </a:xfrm>
-          <a:prstGeom prst="arc">
-            <a:avLst/>
-          </a:prstGeom>
-        </p:spPr>
-        <p:style>
-          <a:lnRef idx="1">
-            <a:schemeClr val="accent1"/>
-          </a:lnRef>
-          <a:fillRef idx="0">
-            <a:schemeClr val="accent1"/>
-          </a:fillRef>
-          <a:effectRef idx="0">
-            <a:schemeClr val="accent1"/>
-          </a:effectRef>
-          <a:fontRef idx="minor">
-            <a:schemeClr val="tx1"/>
-          </a:fontRef>
-        </p:style>
-        <p:txBody>
-          <a:bodyPr rtlCol="0" anchor="ctr"/>
-          <a:lstStyle/>
-          <a:p>
-            <a:pPr algn="ctr"/>
-            <a:endParaRPr lang="zh-CN" altLang="en-US"/>
-          </a:p>
-        </p:txBody>
-      </p:sp>
-      <mc:AlternateContent xmlns:mc="http://schemas.openxmlformats.org/markup-compatibility/2006" xmlns:a14="http://schemas.microsoft.com/office/drawing/2010/main">
-        <mc:Choice Requires="a14">
-          <p:sp>
-            <p:nvSpPr>
-              <p:cNvPr id="59" name="文本框 58">
-                <a:extLst>
-                  <a:ext uri="{FF2B5EF4-FFF2-40B4-BE49-F238E27FC236}">
-                    <a16:creationId xmlns:a16="http://schemas.microsoft.com/office/drawing/2014/main" id="{E54A257D-AEB6-3105-DE43-4B10968EE9BA}"/>
-                  </a:ext>
-                </a:extLst>
-              </p:cNvPr>
-              <p:cNvSpPr txBox="1"/>
-              <p:nvPr/>
-            </p:nvSpPr>
-            <p:spPr>
-              <a:xfrm>
-                <a:off x="1218019" y="3268480"/>
-                <a:ext cx="904416" cy="369332"/>
-              </a:xfrm>
-              <a:prstGeom prst="rect">
-                <a:avLst/>
-              </a:prstGeom>
-              <a:noFill/>
-            </p:spPr>
-            <p:txBody>
-              <a:bodyPr wrap="square" rtlCol="0">
-                <a:spAutoFit/>
-              </a:bodyPr>
-              <a:lstStyle/>
-              <a:p>
-                <a:pPr/>
-                <a14:m>
-                  <m:oMathPara xmlns:m="http://schemas.openxmlformats.org/officeDocument/2006/math">
-                    <m:oMathParaPr>
-                      <m:jc m:val="centerGroup"/>
-                    </m:oMathParaPr>
-                    <m:oMath xmlns:m="http://schemas.openxmlformats.org/officeDocument/2006/math">
-                      <m:r>
-                        <a:rPr lang="en-US" altLang="zh-CN" b="0" i="1" smtClean="0">
-                          <a:latin typeface="Cambria Math" panose="02040503050406030204" pitchFamily="18" charset="0"/>
-                        </a:rPr>
-                        <m:t>𝜃</m:t>
-                      </m:r>
-                    </m:oMath>
-                  </m:oMathPara>
-                </a14:m>
-                <a:endParaRPr lang="zh-CN" altLang="en-US" dirty="0"/>
-              </a:p>
-            </p:txBody>
-          </p:sp>
-        </mc:Choice>
-        <mc:Fallback xmlns="">
-          <p:sp>
-            <p:nvSpPr>
-              <p:cNvPr id="59" name="文本框 58">
-                <a:extLst>
-                  <a:ext uri="{FF2B5EF4-FFF2-40B4-BE49-F238E27FC236}">
-                    <a16:creationId xmlns:a16="http://schemas.microsoft.com/office/drawing/2014/main" id="{E54A257D-AEB6-3105-DE43-4B10968EE9BA}"/>
-                  </a:ext>
-                </a:extLst>
-              </p:cNvPr>
-              <p:cNvSpPr txBox="1">
-                <a:spLocks noRot="1" noChangeAspect="1" noMove="1" noResize="1" noEditPoints="1" noAdjustHandles="1" noChangeArrowheads="1" noChangeShapeType="1" noTextEdit="1"/>
-              </p:cNvSpPr>
-              <p:nvPr/>
-            </p:nvSpPr>
-            <p:spPr>
-              <a:xfrm>
-                <a:off x="1218019" y="3268480"/>
-                <a:ext cx="904416" cy="369332"/>
-              </a:xfrm>
-              <a:prstGeom prst="rect">
-                <a:avLst/>
-              </a:prstGeom>
-              <a:blipFill>
-                <a:blip r:embed="rId15"/>
-                <a:stretch>
-                  <a:fillRect/>
-                </a:stretch>
-              </a:blipFill>
-            </p:spPr>
-            <p:txBody>
-              <a:bodyPr/>
-              <a:lstStyle/>
-              <a:p>
-                <a:r>
-                  <a:rPr lang="zh-CN" altLang="en-US">
-                    <a:noFill/>
-                  </a:rPr>
-                  <a:t> </a:t>
-                </a:r>
-              </a:p>
-            </p:txBody>
-          </p:sp>
-        </mc:Fallback>
-      </mc:AlternateContent>
-      <mc:AlternateContent xmlns:mc="http://schemas.openxmlformats.org/markup-compatibility/2006" xmlns:a14="http://schemas.microsoft.com/office/drawing/2010/main">
-        <mc:Choice Requires="a14">
-          <p:sp>
-            <p:nvSpPr>
-              <p:cNvPr id="60" name="文本框 59">
-                <a:extLst>
-                  <a:ext uri="{FF2B5EF4-FFF2-40B4-BE49-F238E27FC236}">
-                    <a16:creationId xmlns:a16="http://schemas.microsoft.com/office/drawing/2014/main" id="{A7F0F23A-E8B6-D095-2F9C-C40A47459BE5}"/>
-                  </a:ext>
-                </a:extLst>
-              </p:cNvPr>
-              <p:cNvSpPr txBox="1"/>
-              <p:nvPr/>
-            </p:nvSpPr>
-            <p:spPr>
-              <a:xfrm>
-                <a:off x="807700" y="4651810"/>
-                <a:ext cx="2691919" cy="369332"/>
-              </a:xfrm>
-              <a:prstGeom prst="rect">
-                <a:avLst/>
-              </a:prstGeom>
-              <a:noFill/>
-            </p:spPr>
-            <p:txBody>
-              <a:bodyPr wrap="square" rtlCol="0">
-                <a:spAutoFit/>
-              </a:bodyPr>
-              <a:lstStyle/>
-              <a:p>
-                <a14:m>
-                  <m:oMath xmlns:m="http://schemas.openxmlformats.org/officeDocument/2006/math">
-                    <m:r>
-                      <a:rPr lang="en-US" altLang="zh-CN" b="0" i="1" smtClean="0">
-                        <a:latin typeface="Cambria Math" panose="02040503050406030204" pitchFamily="18" charset="0"/>
-                      </a:rPr>
-                      <m:t>𝜃</m:t>
-                    </m:r>
-                    <m:r>
-                      <a:rPr lang="en-US" altLang="zh-CN" b="0" i="1" smtClean="0">
-                        <a:latin typeface="Cambria Math" panose="02040503050406030204" pitchFamily="18" charset="0"/>
-                      </a:rPr>
-                      <m:t>,</m:t>
-                    </m:r>
-                    <m:r>
-                      <a:rPr lang="en-US" altLang="zh-CN" b="0" i="1" smtClean="0">
-                        <a:latin typeface="Cambria Math" panose="02040503050406030204" pitchFamily="18" charset="0"/>
-                      </a:rPr>
-                      <m:t>𝜌</m:t>
-                    </m:r>
-                    <m:r>
-                      <a:rPr lang="en-US" altLang="zh-CN" b="0" i="1" smtClean="0">
-                        <a:latin typeface="Cambria Math" panose="02040503050406030204" pitchFamily="18" charset="0"/>
-                      </a:rPr>
-                      <m:t>,</m:t>
-                    </m:r>
-                    <m:sSub>
-                      <m:sSubPr>
-                        <m:ctrlPr>
-                          <a:rPr lang="en-US" altLang="zh-CN" b="0" i="1" smtClean="0">
-                            <a:latin typeface="Cambria Math" panose="02040503050406030204" pitchFamily="18" charset="0"/>
-                          </a:rPr>
-                        </m:ctrlPr>
-                      </m:sSubPr>
-                      <m:e>
-                        <m:r>
-                          <a:rPr lang="en-US" altLang="zh-CN" b="0" i="1" smtClean="0">
-                            <a:latin typeface="Cambria Math" panose="02040503050406030204" pitchFamily="18" charset="0"/>
-                          </a:rPr>
-                          <m:t>𝑘</m:t>
-                        </m:r>
-                      </m:e>
-                      <m:sub>
-                        <m:r>
-                          <a:rPr lang="en-US" altLang="zh-CN" b="0" i="1" smtClean="0">
-                            <a:latin typeface="Cambria Math" panose="02040503050406030204" pitchFamily="18" charset="0"/>
-                          </a:rPr>
-                          <m:t>𝑧</m:t>
-                        </m:r>
-                      </m:sub>
-                    </m:sSub>
-                  </m:oMath>
-                </a14:m>
-                <a:r>
-                  <a:rPr lang="zh-CN" altLang="en-US" dirty="0">
-                    <a:latin typeface="Cambria" panose="02040503050406030204" pitchFamily="18" charset="0"/>
-                  </a:rPr>
-                  <a:t> </a:t>
-                </a:r>
-                <a:r>
-                  <a:rPr lang="en-US" altLang="zh-CN" dirty="0">
-                    <a:latin typeface="Cambria" panose="02040503050406030204" pitchFamily="18" charset="0"/>
-                    <a:ea typeface="Cambria" panose="02040503050406030204" pitchFamily="18" charset="0"/>
-                  </a:rPr>
-                  <a:t>are variables </a:t>
-                </a:r>
-                <a:endParaRPr lang="zh-CN" altLang="en-US" dirty="0">
-                  <a:latin typeface="Cambria" panose="02040503050406030204" pitchFamily="18" charset="0"/>
-                </a:endParaRPr>
-              </a:p>
-            </p:txBody>
-          </p:sp>
-        </mc:Choice>
-        <mc:Fallback xmlns="">
-          <p:sp>
-            <p:nvSpPr>
-              <p:cNvPr id="60" name="文本框 59">
-                <a:extLst>
-                  <a:ext uri="{FF2B5EF4-FFF2-40B4-BE49-F238E27FC236}">
-                    <a16:creationId xmlns:a16="http://schemas.microsoft.com/office/drawing/2014/main" id="{A7F0F23A-E8B6-D095-2F9C-C40A47459BE5}"/>
-                  </a:ext>
-                </a:extLst>
-              </p:cNvPr>
-              <p:cNvSpPr txBox="1">
-                <a:spLocks noRot="1" noChangeAspect="1" noMove="1" noResize="1" noEditPoints="1" noAdjustHandles="1" noChangeArrowheads="1" noChangeShapeType="1" noTextEdit="1"/>
-              </p:cNvSpPr>
-              <p:nvPr/>
-            </p:nvSpPr>
-            <p:spPr>
-              <a:xfrm>
-                <a:off x="807700" y="4651810"/>
-                <a:ext cx="2691919" cy="369332"/>
-              </a:xfrm>
-              <a:prstGeom prst="rect">
-                <a:avLst/>
-              </a:prstGeom>
-              <a:blipFill>
-                <a:blip r:embed="rId16"/>
-                <a:stretch>
-                  <a:fillRect t="-9836" b="-22951"/>
-                </a:stretch>
-              </a:blipFill>
-            </p:spPr>
-            <p:txBody>
-              <a:bodyPr/>
-              <a:lstStyle/>
-              <a:p>
-                <a:r>
-                  <a:rPr lang="zh-CN" altLang="en-US">
-                    <a:noFill/>
-                  </a:rPr>
-                  <a:t> </a:t>
-                </a:r>
-              </a:p>
-            </p:txBody>
-          </p:sp>
-        </mc:Fallback>
-      </mc:AlternateContent>
     </p:spTree>
     <p:extLst>
       <p:ext uri="{BB962C8B-B14F-4D97-AF65-F5344CB8AC3E}">
-        <p14:creationId xmlns:p14="http://schemas.microsoft.com/office/powerpoint/2010/main" val="4139330021"/>
-      </p:ext>
-    </p:extLst>
-  </p:cSld>
-  <p:clrMapOvr>
-    <a:masterClrMapping/>
-  </p:clrMapOvr>
-</p:sld>
-</file>
-
-<file path=ppt/slides/slide14.xml><?xml version="1.0" encoding="utf-8"?>
-<p:sld xmlns:a="http://schemas.openxmlformats.org/drawingml/2006/main" xmlns:r="http://schemas.openxmlformats.org/officeDocument/2006/relationships" xmlns:p="http://schemas.openxmlformats.org/presentationml/2006/main">
-  <p:cSld>
-    <p:spTree>
-      <p:nvGrpSpPr>
-        <p:cNvPr id="1" name=""/>
-        <p:cNvGrpSpPr/>
-        <p:nvPr/>
-      </p:nvGrpSpPr>
-      <p:grpSpPr>
-        <a:xfrm>
-          <a:off x="0" y="0"/>
-          <a:ext cx="0" cy="0"/>
-          <a:chOff x="0" y="0"/>
-          <a:chExt cx="0" cy="0"/>
-        </a:xfrm>
-      </p:grpSpPr>
-      <p:sp>
-        <p:nvSpPr>
-          <p:cNvPr id="5" name="文本框 4">
-            <a:extLst>
-              <a:ext uri="{FF2B5EF4-FFF2-40B4-BE49-F238E27FC236}">
-                <a16:creationId xmlns:a16="http://schemas.microsoft.com/office/drawing/2014/main" id="{E052BEFE-5E26-9B49-77A7-EB148B3D44BA}"/>
-              </a:ext>
-            </a:extLst>
-          </p:cNvPr>
-          <p:cNvSpPr txBox="1"/>
-          <p:nvPr/>
-        </p:nvSpPr>
-        <p:spPr>
-          <a:xfrm>
-            <a:off x="259672" y="55278"/>
-            <a:ext cx="4170286" cy="584775"/>
-          </a:xfrm>
-          <a:prstGeom prst="rect">
-            <a:avLst/>
-          </a:prstGeom>
-          <a:noFill/>
-        </p:spPr>
-        <p:txBody>
-          <a:bodyPr wrap="square">
-            <a:spAutoFit/>
-          </a:bodyPr>
-          <a:lstStyle/>
-          <a:p>
-            <a:r>
-              <a:rPr lang="en-US" altLang="zh-CN" sz="3200" dirty="0">
-                <a:latin typeface="Cambria" panose="02040503050406030204" pitchFamily="18" charset="0"/>
-                <a:ea typeface="Cambria" panose="02040503050406030204" pitchFamily="18" charset="0"/>
-              </a:rPr>
-              <a:t>Solved in k space</a:t>
-            </a:r>
-            <a:endParaRPr lang="zh-CN" altLang="en-US" sz="3200" dirty="0">
-              <a:latin typeface="Cambria" panose="02040503050406030204" pitchFamily="18" charset="0"/>
-            </a:endParaRPr>
-          </a:p>
-        </p:txBody>
-      </p:sp>
-      <p:sp>
-        <p:nvSpPr>
-          <p:cNvPr id="6" name="文本框 5">
-            <a:extLst>
-              <a:ext uri="{FF2B5EF4-FFF2-40B4-BE49-F238E27FC236}">
-                <a16:creationId xmlns:a16="http://schemas.microsoft.com/office/drawing/2014/main" id="{7CB7B5DE-E4DF-3451-B482-1CA6F21C0D41}"/>
-              </a:ext>
-            </a:extLst>
-          </p:cNvPr>
-          <p:cNvSpPr txBox="1"/>
-          <p:nvPr/>
-        </p:nvSpPr>
-        <p:spPr>
-          <a:xfrm>
-            <a:off x="144262" y="1119483"/>
-            <a:ext cx="2556769" cy="400110"/>
-          </a:xfrm>
-          <a:prstGeom prst="rect">
-            <a:avLst/>
-          </a:prstGeom>
-          <a:noFill/>
-        </p:spPr>
-        <p:txBody>
-          <a:bodyPr wrap="square" rtlCol="0">
-            <a:spAutoFit/>
-          </a:bodyPr>
-          <a:lstStyle/>
-          <a:p>
-            <a:r>
-              <a:rPr lang="en-US" altLang="zh-CN" sz="2000" dirty="0">
-                <a:latin typeface="Cambria" panose="02040503050406030204" pitchFamily="18" charset="0"/>
-                <a:ea typeface="Cambria" panose="02040503050406030204" pitchFamily="18" charset="0"/>
-              </a:rPr>
-              <a:t>The effective H for</a:t>
-            </a:r>
-            <a:endParaRPr lang="zh-CN" altLang="en-US" sz="2000" dirty="0">
-              <a:latin typeface="Cambria" panose="02040503050406030204" pitchFamily="18" charset="0"/>
-            </a:endParaRPr>
-          </a:p>
-        </p:txBody>
-      </p:sp>
-      <p:pic>
-        <p:nvPicPr>
-          <p:cNvPr id="8" name="图片 7">
-            <a:extLst>
-              <a:ext uri="{FF2B5EF4-FFF2-40B4-BE49-F238E27FC236}">
-                <a16:creationId xmlns:a16="http://schemas.microsoft.com/office/drawing/2014/main" id="{B8B29DF1-CE75-386B-DDC2-4C163BB8A931}"/>
-              </a:ext>
-            </a:extLst>
-          </p:cNvPr>
-          <p:cNvPicPr>
-            <a:picLocks noChangeAspect="1"/>
-          </p:cNvPicPr>
-          <p:nvPr/>
-        </p:nvPicPr>
-        <p:blipFill>
-          <a:blip r:embed="rId2"/>
-          <a:stretch>
-            <a:fillRect/>
-          </a:stretch>
-        </p:blipFill>
-        <p:spPr>
-          <a:xfrm>
-            <a:off x="2420644" y="796163"/>
-            <a:ext cx="1028417" cy="1268586"/>
-          </a:xfrm>
-          <a:prstGeom prst="rect">
-            <a:avLst/>
-          </a:prstGeom>
-        </p:spPr>
-      </p:pic>
-      <p:pic>
-        <p:nvPicPr>
-          <p:cNvPr id="10" name="图片 9">
-            <a:extLst>
-              <a:ext uri="{FF2B5EF4-FFF2-40B4-BE49-F238E27FC236}">
-                <a16:creationId xmlns:a16="http://schemas.microsoft.com/office/drawing/2014/main" id="{EF31CD0B-D194-34F0-80AC-2E9FF763D748}"/>
-              </a:ext>
-            </a:extLst>
-          </p:cNvPr>
-          <p:cNvPicPr>
-            <a:picLocks noChangeAspect="1"/>
-          </p:cNvPicPr>
-          <p:nvPr/>
-        </p:nvPicPr>
-        <p:blipFill>
-          <a:blip r:embed="rId3"/>
-          <a:stretch>
-            <a:fillRect/>
-          </a:stretch>
-        </p:blipFill>
-        <p:spPr>
-          <a:xfrm>
-            <a:off x="3718091" y="1031929"/>
-            <a:ext cx="8032939" cy="1910113"/>
-          </a:xfrm>
-          <a:prstGeom prst="rect">
-            <a:avLst/>
-          </a:prstGeom>
-        </p:spPr>
-      </p:pic>
-      <mc:AlternateContent xmlns:mc="http://schemas.openxmlformats.org/markup-compatibility/2006" xmlns:a14="http://schemas.microsoft.com/office/drawing/2010/main">
-        <mc:Choice Requires="a14">
-          <p:sp>
-            <p:nvSpPr>
-              <p:cNvPr id="11" name="文本框 10">
-                <a:extLst>
-                  <a:ext uri="{FF2B5EF4-FFF2-40B4-BE49-F238E27FC236}">
-                    <a16:creationId xmlns:a16="http://schemas.microsoft.com/office/drawing/2014/main" id="{70BB0304-F2CB-9453-81CB-A5224E164528}"/>
-                  </a:ext>
-                </a:extLst>
-              </p:cNvPr>
-              <p:cNvSpPr txBox="1"/>
-              <p:nvPr/>
-            </p:nvSpPr>
-            <p:spPr>
-              <a:xfrm>
-                <a:off x="46607" y="3163467"/>
-                <a:ext cx="5308847" cy="369332"/>
-              </a:xfrm>
-              <a:prstGeom prst="rect">
-                <a:avLst/>
-              </a:prstGeom>
-              <a:noFill/>
-            </p:spPr>
-            <p:txBody>
-              <a:bodyPr wrap="square" rtlCol="0">
-                <a:spAutoFit/>
-              </a:bodyPr>
-              <a:lstStyle/>
-              <a:p>
-                <a:r>
-                  <a:rPr lang="en-US" altLang="zh-CN" dirty="0">
-                    <a:latin typeface="Cambria" panose="02040503050406030204" pitchFamily="18" charset="0"/>
-                    <a:ea typeface="Cambria" panose="02040503050406030204" pitchFamily="18" charset="0"/>
-                  </a:rPr>
-                  <a:t>Consider the band inversion point in </a:t>
-                </a:r>
-                <a14:m>
-                  <m:oMath xmlns:m="http://schemas.openxmlformats.org/officeDocument/2006/math">
-                    <m:sSub>
-                      <m:sSubPr>
-                        <m:ctrlPr>
-                          <a:rPr lang="en-US" altLang="zh-CN" b="0" i="1" dirty="0" smtClean="0">
-                            <a:latin typeface="Cambria Math" panose="02040503050406030204" pitchFamily="18" charset="0"/>
-                          </a:rPr>
-                        </m:ctrlPr>
-                      </m:sSubPr>
-                      <m:e>
-                        <m:r>
-                          <m:rPr>
-                            <m:sty m:val="p"/>
-                          </m:rPr>
-                          <a:rPr lang="en-US" altLang="zh-CN" i="1" dirty="0">
-                            <a:latin typeface="Cambria Math" panose="02040503050406030204" pitchFamily="18" charset="0"/>
-                          </a:rPr>
-                          <m:t>k</m:t>
-                        </m:r>
-                      </m:e>
-                      <m:sub>
-                        <m:r>
-                          <a:rPr lang="en-US" altLang="zh-CN" b="0" i="1" dirty="0" smtClean="0">
-                            <a:latin typeface="Cambria Math" panose="02040503050406030204" pitchFamily="18" charset="0"/>
-                          </a:rPr>
-                          <m:t>𝑧</m:t>
-                        </m:r>
-                      </m:sub>
-                    </m:sSub>
-                    <m:r>
-                      <a:rPr lang="en-US" altLang="zh-CN" b="0" i="1" dirty="0" smtClean="0">
-                        <a:latin typeface="Cambria Math" panose="02040503050406030204" pitchFamily="18" charset="0"/>
-                      </a:rPr>
-                      <m:t>=0</m:t>
-                    </m:r>
-                  </m:oMath>
-                </a14:m>
-                <a:endParaRPr lang="zh-CN" altLang="en-US" dirty="0">
-                  <a:latin typeface="Cambria" panose="02040503050406030204" pitchFamily="18" charset="0"/>
-                </a:endParaRPr>
-              </a:p>
-            </p:txBody>
-          </p:sp>
-        </mc:Choice>
-        <mc:Fallback xmlns="">
-          <p:sp>
-            <p:nvSpPr>
-              <p:cNvPr id="11" name="文本框 10">
-                <a:extLst>
-                  <a:ext uri="{FF2B5EF4-FFF2-40B4-BE49-F238E27FC236}">
-                    <a16:creationId xmlns:a16="http://schemas.microsoft.com/office/drawing/2014/main" id="{70BB0304-F2CB-9453-81CB-A5224E164528}"/>
-                  </a:ext>
-                </a:extLst>
-              </p:cNvPr>
-              <p:cNvSpPr txBox="1">
-                <a:spLocks noRot="1" noChangeAspect="1" noMove="1" noResize="1" noEditPoints="1" noAdjustHandles="1" noChangeArrowheads="1" noChangeShapeType="1" noTextEdit="1"/>
-              </p:cNvSpPr>
-              <p:nvPr/>
-            </p:nvSpPr>
-            <p:spPr>
-              <a:xfrm>
-                <a:off x="46607" y="3163467"/>
-                <a:ext cx="5308847" cy="369332"/>
-              </a:xfrm>
-              <a:prstGeom prst="rect">
-                <a:avLst/>
-              </a:prstGeom>
-              <a:blipFill>
-                <a:blip r:embed="rId4"/>
-                <a:stretch>
-                  <a:fillRect l="-1033" t="-11475" b="-22951"/>
-                </a:stretch>
-              </a:blipFill>
-            </p:spPr>
-            <p:txBody>
-              <a:bodyPr/>
-              <a:lstStyle/>
-              <a:p>
-                <a:r>
-                  <a:rPr lang="zh-CN" altLang="en-US">
-                    <a:noFill/>
-                  </a:rPr>
-                  <a:t> </a:t>
-                </a:r>
-              </a:p>
-            </p:txBody>
-          </p:sp>
-        </mc:Fallback>
-      </mc:AlternateContent>
-      <p:pic>
-        <p:nvPicPr>
-          <p:cNvPr id="13" name="图片 12">
-            <a:extLst>
-              <a:ext uri="{FF2B5EF4-FFF2-40B4-BE49-F238E27FC236}">
-                <a16:creationId xmlns:a16="http://schemas.microsoft.com/office/drawing/2014/main" id="{547DE25A-9ACA-DDB5-A6A1-1D231B438A88}"/>
-              </a:ext>
-            </a:extLst>
-          </p:cNvPr>
-          <p:cNvPicPr>
-            <a:picLocks noChangeAspect="1"/>
-          </p:cNvPicPr>
-          <p:nvPr/>
-        </p:nvPicPr>
-        <p:blipFill>
-          <a:blip r:embed="rId5"/>
-          <a:stretch>
-            <a:fillRect/>
-          </a:stretch>
-        </p:blipFill>
-        <p:spPr>
-          <a:xfrm>
-            <a:off x="259672" y="3656038"/>
-            <a:ext cx="3418212" cy="490418"/>
-          </a:xfrm>
-          <a:prstGeom prst="rect">
-            <a:avLst/>
-          </a:prstGeom>
-        </p:spPr>
-      </p:pic>
-      <p:pic>
-        <p:nvPicPr>
-          <p:cNvPr id="15" name="图片 14">
-            <a:extLst>
-              <a:ext uri="{FF2B5EF4-FFF2-40B4-BE49-F238E27FC236}">
-                <a16:creationId xmlns:a16="http://schemas.microsoft.com/office/drawing/2014/main" id="{19E96290-A9A2-24B2-EC68-410A841E1903}"/>
-              </a:ext>
-            </a:extLst>
-          </p:cNvPr>
-          <p:cNvPicPr>
-            <a:picLocks noChangeAspect="1"/>
-          </p:cNvPicPr>
-          <p:nvPr/>
-        </p:nvPicPr>
-        <p:blipFill>
-          <a:blip r:embed="rId6"/>
-          <a:stretch>
-            <a:fillRect/>
-          </a:stretch>
-        </p:blipFill>
-        <p:spPr>
-          <a:xfrm>
-            <a:off x="3842427" y="3754224"/>
-            <a:ext cx="1969488" cy="388284"/>
-          </a:xfrm>
-          <a:prstGeom prst="rect">
-            <a:avLst/>
-          </a:prstGeom>
-        </p:spPr>
-      </p:pic>
-      <p:pic>
-        <p:nvPicPr>
-          <p:cNvPr id="17" name="图片 16">
-            <a:extLst>
-              <a:ext uri="{FF2B5EF4-FFF2-40B4-BE49-F238E27FC236}">
-                <a16:creationId xmlns:a16="http://schemas.microsoft.com/office/drawing/2014/main" id="{22BD963E-241E-66FE-8985-A1F9952B1429}"/>
-              </a:ext>
-            </a:extLst>
-          </p:cNvPr>
-          <p:cNvPicPr>
-            <a:picLocks noChangeAspect="1"/>
-          </p:cNvPicPr>
-          <p:nvPr/>
-        </p:nvPicPr>
-        <p:blipFill>
-          <a:blip r:embed="rId7"/>
-          <a:stretch>
-            <a:fillRect/>
-          </a:stretch>
-        </p:blipFill>
-        <p:spPr>
-          <a:xfrm>
-            <a:off x="53665" y="4392097"/>
-            <a:ext cx="1607959" cy="1257409"/>
-          </a:xfrm>
-          <a:prstGeom prst="rect">
-            <a:avLst/>
-          </a:prstGeom>
-        </p:spPr>
-      </p:pic>
-      <p:pic>
-        <p:nvPicPr>
-          <p:cNvPr id="19" name="图片 18">
-            <a:extLst>
-              <a:ext uri="{FF2B5EF4-FFF2-40B4-BE49-F238E27FC236}">
-                <a16:creationId xmlns:a16="http://schemas.microsoft.com/office/drawing/2014/main" id="{300F0EA5-043F-8D82-80C5-C7A50D341C58}"/>
-              </a:ext>
-            </a:extLst>
-          </p:cNvPr>
-          <p:cNvPicPr>
-            <a:picLocks noChangeAspect="1"/>
-          </p:cNvPicPr>
-          <p:nvPr/>
-        </p:nvPicPr>
-        <p:blipFill>
-          <a:blip r:embed="rId8"/>
-          <a:stretch>
-            <a:fillRect/>
-          </a:stretch>
-        </p:blipFill>
-        <p:spPr>
-          <a:xfrm>
-            <a:off x="1595737" y="4465559"/>
-            <a:ext cx="4244708" cy="1303133"/>
-          </a:xfrm>
-          <a:prstGeom prst="rect">
-            <a:avLst/>
-          </a:prstGeom>
-        </p:spPr>
-      </p:pic>
-      <p:cxnSp>
-        <p:nvCxnSpPr>
-          <p:cNvPr id="21" name="直接箭头连接符 20">
-            <a:extLst>
-              <a:ext uri="{FF2B5EF4-FFF2-40B4-BE49-F238E27FC236}">
-                <a16:creationId xmlns:a16="http://schemas.microsoft.com/office/drawing/2014/main" id="{98C1509F-891C-973D-1CAB-34D40C3EA97B}"/>
-              </a:ext>
-            </a:extLst>
-          </p:cNvPr>
-          <p:cNvCxnSpPr>
-            <a:cxnSpLocks/>
-          </p:cNvCxnSpPr>
-          <p:nvPr/>
-        </p:nvCxnSpPr>
-        <p:spPr>
-          <a:xfrm>
-            <a:off x="5716336" y="5020801"/>
-            <a:ext cx="2539897" cy="0"/>
-          </a:xfrm>
-          <a:prstGeom prst="straightConnector1">
-            <a:avLst/>
-          </a:prstGeom>
-          <a:ln>
-            <a:solidFill>
-              <a:schemeClr val="tx1"/>
-            </a:solidFill>
-            <a:tailEnd type="triangle"/>
-          </a:ln>
-        </p:spPr>
-        <p:style>
-          <a:lnRef idx="1">
-            <a:schemeClr val="accent1"/>
-          </a:lnRef>
-          <a:fillRef idx="0">
-            <a:schemeClr val="accent1"/>
-          </a:fillRef>
-          <a:effectRef idx="0">
-            <a:schemeClr val="accent1"/>
-          </a:effectRef>
-          <a:fontRef idx="minor">
-            <a:schemeClr val="tx1"/>
-          </a:fontRef>
-        </p:style>
-      </p:cxnSp>
-      <mc:AlternateContent xmlns:mc="http://schemas.openxmlformats.org/markup-compatibility/2006" xmlns:a14="http://schemas.microsoft.com/office/drawing/2010/main">
-        <mc:Choice Requires="a14">
-          <p:sp>
-            <p:nvSpPr>
-              <p:cNvPr id="22" name="文本框 21">
-                <a:extLst>
-                  <a:ext uri="{FF2B5EF4-FFF2-40B4-BE49-F238E27FC236}">
-                    <a16:creationId xmlns:a16="http://schemas.microsoft.com/office/drawing/2014/main" id="{A047C3C7-E36E-C05D-E33F-5A86990B8936}"/>
-                  </a:ext>
-                </a:extLst>
-              </p:cNvPr>
-              <p:cNvSpPr txBox="1"/>
-              <p:nvPr/>
-            </p:nvSpPr>
-            <p:spPr>
-              <a:xfrm>
-                <a:off x="5725125" y="4617475"/>
-                <a:ext cx="2655395" cy="346570"/>
-              </a:xfrm>
-              <a:prstGeom prst="rect">
-                <a:avLst/>
-              </a:prstGeom>
-              <a:noFill/>
-            </p:spPr>
-            <p:txBody>
-              <a:bodyPr wrap="square" rtlCol="0">
-                <a:spAutoFit/>
-              </a:bodyPr>
-              <a:lstStyle/>
-              <a:p>
-                <a:r>
-                  <a:rPr lang="en-US" altLang="zh-CN" sz="1600" dirty="0"/>
-                  <a:t>The eigenstates for </a:t>
-                </a:r>
-                <a14:m>
-                  <m:oMath xmlns:m="http://schemas.openxmlformats.org/officeDocument/2006/math">
-                    <m:sSub>
-                      <m:sSubPr>
-                        <m:ctrlPr>
-                          <a:rPr lang="en-US" altLang="zh-CN" sz="1600" b="0" i="1" smtClean="0">
-                            <a:latin typeface="Cambria Math" panose="02040503050406030204" pitchFamily="18" charset="0"/>
-                          </a:rPr>
-                        </m:ctrlPr>
-                      </m:sSubPr>
-                      <m:e>
-                        <m:r>
-                          <a:rPr lang="en-US" altLang="zh-CN" sz="1600" b="0" i="1" smtClean="0">
-                            <a:latin typeface="Cambria Math" panose="02040503050406030204" pitchFamily="18" charset="0"/>
-                          </a:rPr>
-                          <m:t>𝐻</m:t>
-                        </m:r>
-                      </m:e>
-                      <m:sub>
-                        <m:r>
-                          <a:rPr lang="en-US" altLang="zh-CN" sz="1600" b="0" i="1" smtClean="0">
-                            <a:latin typeface="Cambria Math" panose="02040503050406030204" pitchFamily="18" charset="0"/>
-                          </a:rPr>
-                          <m:t>𝑇𝐼</m:t>
-                        </m:r>
-                      </m:sub>
-                    </m:sSub>
-                    <m:sSup>
-                      <m:sSupPr>
-                        <m:ctrlPr>
-                          <a:rPr lang="en-US" altLang="zh-CN" sz="1600" b="0" i="1" smtClean="0">
-                            <a:latin typeface="Cambria Math" panose="02040503050406030204" pitchFamily="18" charset="0"/>
-                          </a:rPr>
-                        </m:ctrlPr>
-                      </m:sSupPr>
-                      <m:e>
-                        <m:d>
-                          <m:dPr>
-                            <m:ctrlPr>
-                              <a:rPr lang="en-US" altLang="zh-CN" sz="1600" b="0" i="1" smtClean="0">
-                                <a:latin typeface="Cambria Math" panose="02040503050406030204" pitchFamily="18" charset="0"/>
-                              </a:rPr>
-                            </m:ctrlPr>
-                          </m:dPr>
-                          <m:e>
-                            <m:r>
-                              <a:rPr lang="en-US" altLang="zh-CN" sz="1600" b="0" i="1" smtClean="0">
-                                <a:latin typeface="Cambria Math" panose="02040503050406030204" pitchFamily="18" charset="0"/>
-                              </a:rPr>
-                              <m:t>𝜌</m:t>
-                            </m:r>
-                          </m:e>
-                        </m:d>
-                      </m:e>
-                      <m:sup>
-                        <m:r>
-                          <a:rPr lang="en-US" altLang="zh-CN" sz="1600" b="0" i="1" smtClean="0">
-                            <a:latin typeface="Cambria Math" panose="02040503050406030204" pitchFamily="18" charset="0"/>
-                          </a:rPr>
-                          <m:t>𝑗</m:t>
-                        </m:r>
-                      </m:sup>
-                    </m:sSup>
-                  </m:oMath>
-                </a14:m>
-                <a:endParaRPr lang="zh-CN" altLang="en-US" sz="1600" dirty="0"/>
-              </a:p>
-            </p:txBody>
-          </p:sp>
-        </mc:Choice>
-        <mc:Fallback xmlns="">
-          <p:sp>
-            <p:nvSpPr>
-              <p:cNvPr id="22" name="文本框 21">
-                <a:extLst>
-                  <a:ext uri="{FF2B5EF4-FFF2-40B4-BE49-F238E27FC236}">
-                    <a16:creationId xmlns:a16="http://schemas.microsoft.com/office/drawing/2014/main" id="{A047C3C7-E36E-C05D-E33F-5A86990B8936}"/>
-                  </a:ext>
-                </a:extLst>
-              </p:cNvPr>
-              <p:cNvSpPr txBox="1">
-                <a:spLocks noRot="1" noChangeAspect="1" noMove="1" noResize="1" noEditPoints="1" noAdjustHandles="1" noChangeArrowheads="1" noChangeShapeType="1" noTextEdit="1"/>
-              </p:cNvSpPr>
-              <p:nvPr/>
-            </p:nvSpPr>
-            <p:spPr>
-              <a:xfrm>
-                <a:off x="5725125" y="4617475"/>
-                <a:ext cx="2655395" cy="346570"/>
-              </a:xfrm>
-              <a:prstGeom prst="rect">
-                <a:avLst/>
-              </a:prstGeom>
-              <a:blipFill>
-                <a:blip r:embed="rId9"/>
-                <a:stretch>
-                  <a:fillRect l="-1147" t="-1754" b="-22807"/>
-                </a:stretch>
-              </a:blipFill>
-            </p:spPr>
-            <p:txBody>
-              <a:bodyPr/>
-              <a:lstStyle/>
-              <a:p>
-                <a:r>
-                  <a:rPr lang="zh-CN" altLang="en-US">
-                    <a:noFill/>
-                  </a:rPr>
-                  <a:t> </a:t>
-                </a:r>
-              </a:p>
-            </p:txBody>
-          </p:sp>
-        </mc:Fallback>
-      </mc:AlternateContent>
-      <p:pic>
-        <p:nvPicPr>
-          <p:cNvPr id="26" name="图片 25">
-            <a:extLst>
-              <a:ext uri="{FF2B5EF4-FFF2-40B4-BE49-F238E27FC236}">
-                <a16:creationId xmlns:a16="http://schemas.microsoft.com/office/drawing/2014/main" id="{06021CBE-9079-906A-CD66-2B8CC2CD3CC8}"/>
-              </a:ext>
-            </a:extLst>
-          </p:cNvPr>
-          <p:cNvPicPr>
-            <a:picLocks noChangeAspect="1"/>
-          </p:cNvPicPr>
-          <p:nvPr/>
-        </p:nvPicPr>
-        <p:blipFill>
-          <a:blip r:embed="rId10"/>
-          <a:stretch>
-            <a:fillRect/>
-          </a:stretch>
-        </p:blipFill>
-        <p:spPr>
-          <a:xfrm>
-            <a:off x="5952150" y="5077558"/>
-            <a:ext cx="1960165" cy="441727"/>
-          </a:xfrm>
-          <a:prstGeom prst="rect">
-            <a:avLst/>
-          </a:prstGeom>
-        </p:spPr>
-      </p:pic>
-      <p:pic>
-        <p:nvPicPr>
-          <p:cNvPr id="28" name="图片 27">
-            <a:extLst>
-              <a:ext uri="{FF2B5EF4-FFF2-40B4-BE49-F238E27FC236}">
-                <a16:creationId xmlns:a16="http://schemas.microsoft.com/office/drawing/2014/main" id="{2F8A7A30-292F-B9BA-CBDF-FA021C4B2B0F}"/>
-              </a:ext>
-            </a:extLst>
-          </p:cNvPr>
-          <p:cNvPicPr>
-            <a:picLocks noChangeAspect="1"/>
-          </p:cNvPicPr>
-          <p:nvPr/>
-        </p:nvPicPr>
-        <p:blipFill rotWithShape="1">
-          <a:blip r:embed="rId11"/>
-          <a:srcRect r="4359"/>
-          <a:stretch/>
-        </p:blipFill>
-        <p:spPr>
-          <a:xfrm>
-            <a:off x="8492225" y="4427617"/>
-            <a:ext cx="3570489" cy="1091668"/>
-          </a:xfrm>
-          <a:prstGeom prst="rect">
-            <a:avLst/>
-          </a:prstGeom>
-        </p:spPr>
-      </p:pic>
-      <p:pic>
-        <p:nvPicPr>
-          <p:cNvPr id="30" name="图片 29">
-            <a:extLst>
-              <a:ext uri="{FF2B5EF4-FFF2-40B4-BE49-F238E27FC236}">
-                <a16:creationId xmlns:a16="http://schemas.microsoft.com/office/drawing/2014/main" id="{BB048277-E8A6-840D-6E5E-54062F26FF04}"/>
-              </a:ext>
-            </a:extLst>
-          </p:cNvPr>
-          <p:cNvPicPr>
-            <a:picLocks noChangeAspect="1"/>
-          </p:cNvPicPr>
-          <p:nvPr/>
-        </p:nvPicPr>
-        <p:blipFill>
-          <a:blip r:embed="rId12"/>
-          <a:stretch>
-            <a:fillRect/>
-          </a:stretch>
-        </p:blipFill>
-        <p:spPr>
-          <a:xfrm>
-            <a:off x="8869258" y="5638835"/>
-            <a:ext cx="2263340" cy="402371"/>
-          </a:xfrm>
-          <a:prstGeom prst="rect">
-            <a:avLst/>
-          </a:prstGeom>
-        </p:spPr>
-      </p:pic>
-      <p:pic>
-        <p:nvPicPr>
-          <p:cNvPr id="32" name="图片 31">
-            <a:extLst>
-              <a:ext uri="{FF2B5EF4-FFF2-40B4-BE49-F238E27FC236}">
-                <a16:creationId xmlns:a16="http://schemas.microsoft.com/office/drawing/2014/main" id="{BC386E38-DAD8-E4F9-3F01-D40A80246FC7}"/>
-              </a:ext>
-            </a:extLst>
-          </p:cNvPr>
-          <p:cNvPicPr>
-            <a:picLocks noChangeAspect="1"/>
-          </p:cNvPicPr>
-          <p:nvPr/>
-        </p:nvPicPr>
-        <p:blipFill>
-          <a:blip r:embed="rId13"/>
-          <a:stretch>
-            <a:fillRect/>
-          </a:stretch>
-        </p:blipFill>
-        <p:spPr>
-          <a:xfrm>
-            <a:off x="8869258" y="6039469"/>
-            <a:ext cx="1836579" cy="335309"/>
-          </a:xfrm>
-          <a:prstGeom prst="rect">
-            <a:avLst/>
-          </a:prstGeom>
-        </p:spPr>
-      </p:pic>
-    </p:spTree>
-    <p:extLst>
-      <p:ext uri="{BB962C8B-B14F-4D97-AF65-F5344CB8AC3E}">
-        <p14:creationId xmlns:p14="http://schemas.microsoft.com/office/powerpoint/2010/main" val="2149766630"/>
+        <p14:creationId xmlns:p14="http://schemas.microsoft.com/office/powerpoint/2010/main" val="3473286671"/>
       </p:ext>
     </p:extLst>
   </p:cSld>
@@ -6616,7 +5799,7 @@
         <p:spPr>
           <a:xfrm>
             <a:off x="2369430" y="2115801"/>
-            <a:ext cx="7168363" cy="523220"/>
+            <a:ext cx="7168363" cy="954107"/>
           </a:xfrm>
           <a:prstGeom prst="rect">
             <a:avLst/>
@@ -6634,7 +5817,7 @@
                 <a:latin typeface="Cambria" panose="02040503050406030204" pitchFamily="18" charset="0"/>
                 <a:ea typeface="Cambria" panose="02040503050406030204" pitchFamily="18" charset="0"/>
               </a:rPr>
-              <a:t>Brief review of iron based superconductor </a:t>
+              <a:t>Brief review of iron based superconductor and main feature of [100] vortex </a:t>
             </a:r>
             <a:endParaRPr lang="zh-CN" altLang="en-US" sz="2800" dirty="0">
               <a:latin typeface="Cambria" panose="02040503050406030204" pitchFamily="18" charset="0"/>
@@ -6716,7 +5899,7 @@
                 <a:latin typeface="Cambria" panose="02040503050406030204" pitchFamily="18" charset="0"/>
                 <a:ea typeface="Cambria" panose="02040503050406030204" pitchFamily="18" charset="0"/>
               </a:rPr>
-              <a:t>Vortex phase transition in three band </a:t>
+              <a:t>Vortex phase transition in three band model </a:t>
             </a:r>
             <a:endParaRPr lang="zh-CN" altLang="en-US" sz="2400" dirty="0"/>
           </a:p>
@@ -19384,7 +18567,7 @@
         </p:blipFill>
         <p:spPr>
           <a:xfrm>
-            <a:off x="1160699" y="3518418"/>
+            <a:off x="1128802" y="3506330"/>
             <a:ext cx="1766569" cy="414502"/>
           </a:xfrm>
           <a:prstGeom prst="rect">
@@ -19484,10 +18667,10 @@
       </p:pic>
       <p:pic>
         <p:nvPicPr>
-          <p:cNvPr id="24" name="图片 23">
-            <a:extLst>
-              <a:ext uri="{FF2B5EF4-FFF2-40B4-BE49-F238E27FC236}">
-                <a16:creationId xmlns:a16="http://schemas.microsoft.com/office/drawing/2014/main" id="{FA5DE9CA-4891-4604-ADA5-88AC5B98D0D8}"/>
+          <p:cNvPr id="28" name="图片 27">
+            <a:extLst>
+              <a:ext uri="{FF2B5EF4-FFF2-40B4-BE49-F238E27FC236}">
+                <a16:creationId xmlns:a16="http://schemas.microsoft.com/office/drawing/2014/main" id="{D91D9D1F-96E3-49B7-A5BA-B5C7CA4FEFFF}"/>
               </a:ext>
             </a:extLst>
           </p:cNvPr>
@@ -19504,8 +18687,8 @@
         </p:blipFill>
         <p:spPr>
           <a:xfrm>
-            <a:off x="4457633" y="4000784"/>
-            <a:ext cx="2422256" cy="946704"/>
+            <a:off x="6187081" y="5302998"/>
+            <a:ext cx="1565114" cy="666623"/>
           </a:xfrm>
           <a:prstGeom prst="rect">
             <a:avLst/>
@@ -19514,10 +18697,10 @@
       </p:pic>
       <p:pic>
         <p:nvPicPr>
-          <p:cNvPr id="26" name="图片 25">
-            <a:extLst>
-              <a:ext uri="{FF2B5EF4-FFF2-40B4-BE49-F238E27FC236}">
-                <a16:creationId xmlns:a16="http://schemas.microsoft.com/office/drawing/2014/main" id="{E06972EE-29D2-4C2A-9CF8-F6E0899630B0}"/>
+          <p:cNvPr id="9" name="图片 8">
+            <a:extLst>
+              <a:ext uri="{FF2B5EF4-FFF2-40B4-BE49-F238E27FC236}">
+                <a16:creationId xmlns:a16="http://schemas.microsoft.com/office/drawing/2014/main" id="{436FFC9C-E243-450E-B9BB-FA0EFE1E3FB8}"/>
               </a:ext>
             </a:extLst>
           </p:cNvPr>
@@ -19534,8 +18717,8 @@
         </p:blipFill>
         <p:spPr>
           <a:xfrm>
-            <a:off x="939316" y="5062503"/>
-            <a:ext cx="4327392" cy="1563775"/>
+            <a:off x="4558965" y="4115753"/>
+            <a:ext cx="2219592" cy="789556"/>
           </a:xfrm>
           <a:prstGeom prst="rect">
             <a:avLst/>
@@ -19544,10 +18727,10 @@
       </p:pic>
       <p:pic>
         <p:nvPicPr>
-          <p:cNvPr id="28" name="图片 27">
-            <a:extLst>
-              <a:ext uri="{FF2B5EF4-FFF2-40B4-BE49-F238E27FC236}">
-                <a16:creationId xmlns:a16="http://schemas.microsoft.com/office/drawing/2014/main" id="{D91D9D1F-96E3-49B7-A5BA-B5C7CA4FEFFF}"/>
+          <p:cNvPr id="14" name="图片 13">
+            <a:extLst>
+              <a:ext uri="{FF2B5EF4-FFF2-40B4-BE49-F238E27FC236}">
+                <a16:creationId xmlns:a16="http://schemas.microsoft.com/office/drawing/2014/main" id="{B0C34A44-8E75-47F3-8ABB-620CD647197C}"/>
               </a:ext>
             </a:extLst>
           </p:cNvPr>
@@ -19564,8 +18747,8 @@
         </p:blipFill>
         <p:spPr>
           <a:xfrm>
-            <a:off x="6187081" y="5302998"/>
-            <a:ext cx="1565114" cy="666623"/>
+            <a:off x="1077681" y="5133571"/>
+            <a:ext cx="4396295" cy="1417416"/>
           </a:xfrm>
           <a:prstGeom prst="rect">
             <a:avLst/>
@@ -19929,8 +19112,8 @@
         </p:blipFill>
         <p:spPr>
           <a:xfrm>
-            <a:off x="8967703" y="2639323"/>
-            <a:ext cx="2280142" cy="2993845"/>
+            <a:off x="8666238" y="1431937"/>
+            <a:ext cx="1459727" cy="1916633"/>
           </a:xfrm>
           <a:prstGeom prst="rect">
             <a:avLst/>
@@ -20479,6 +19662,988 @@
           </a:prstGeom>
         </p:spPr>
       </p:pic>
+      <p:pic>
+        <p:nvPicPr>
+          <p:cNvPr id="25" name="图片 24">
+            <a:extLst>
+              <a:ext uri="{FF2B5EF4-FFF2-40B4-BE49-F238E27FC236}">
+                <a16:creationId xmlns:a16="http://schemas.microsoft.com/office/drawing/2014/main" id="{11E6BBF3-10CC-43AC-95E3-634A3BD61542}"/>
+              </a:ext>
+            </a:extLst>
+          </p:cNvPr>
+          <p:cNvPicPr>
+            <a:picLocks noChangeAspect="1"/>
+          </p:cNvPicPr>
+          <p:nvPr/>
+        </p:nvPicPr>
+        <p:blipFill>
+          <a:blip r:embed="rId17"/>
+          <a:stretch>
+            <a:fillRect/>
+          </a:stretch>
+        </p:blipFill>
+        <p:spPr>
+          <a:xfrm>
+            <a:off x="9905067" y="5013522"/>
+            <a:ext cx="1766569" cy="414502"/>
+          </a:xfrm>
+          <a:prstGeom prst="rect">
+            <a:avLst/>
+          </a:prstGeom>
+        </p:spPr>
+      </p:pic>
+      <p:pic>
+        <p:nvPicPr>
+          <p:cNvPr id="17" name="图片 16">
+            <a:extLst>
+              <a:ext uri="{FF2B5EF4-FFF2-40B4-BE49-F238E27FC236}">
+                <a16:creationId xmlns:a16="http://schemas.microsoft.com/office/drawing/2014/main" id="{7A43090F-6CCA-46A0-8AEB-048215FA2564}"/>
+              </a:ext>
+            </a:extLst>
+          </p:cNvPr>
+          <p:cNvPicPr>
+            <a:picLocks noChangeAspect="1"/>
+          </p:cNvPicPr>
+          <p:nvPr/>
+        </p:nvPicPr>
+        <p:blipFill>
+          <a:blip r:embed="rId18"/>
+          <a:stretch>
+            <a:fillRect/>
+          </a:stretch>
+        </p:blipFill>
+        <p:spPr>
+          <a:xfrm>
+            <a:off x="5060170" y="4375978"/>
+            <a:ext cx="4141029" cy="878539"/>
+          </a:xfrm>
+          <a:prstGeom prst="rect">
+            <a:avLst/>
+          </a:prstGeom>
+        </p:spPr>
+      </p:pic>
+      <p:pic>
+        <p:nvPicPr>
+          <p:cNvPr id="21" name="图片 20">
+            <a:extLst>
+              <a:ext uri="{FF2B5EF4-FFF2-40B4-BE49-F238E27FC236}">
+                <a16:creationId xmlns:a16="http://schemas.microsoft.com/office/drawing/2014/main" id="{70DB03D4-12D9-401F-B246-EE60713BE710}"/>
+              </a:ext>
+            </a:extLst>
+          </p:cNvPr>
+          <p:cNvPicPr>
+            <a:picLocks noChangeAspect="1"/>
+          </p:cNvPicPr>
+          <p:nvPr/>
+        </p:nvPicPr>
+        <p:blipFill>
+          <a:blip r:embed="rId19"/>
+          <a:stretch>
+            <a:fillRect/>
+          </a:stretch>
+        </p:blipFill>
+        <p:spPr>
+          <a:xfrm>
+            <a:off x="489366" y="5445611"/>
+            <a:ext cx="3606584" cy="919628"/>
+          </a:xfrm>
+          <a:prstGeom prst="rect">
+            <a:avLst/>
+          </a:prstGeom>
+        </p:spPr>
+      </p:pic>
+      <p:cxnSp>
+        <p:nvCxnSpPr>
+          <p:cNvPr id="32" name="直接箭头连接符 31">
+            <a:extLst>
+              <a:ext uri="{FF2B5EF4-FFF2-40B4-BE49-F238E27FC236}">
+                <a16:creationId xmlns:a16="http://schemas.microsoft.com/office/drawing/2014/main" id="{6A58A53F-9D30-4F0E-83A9-88D388932E25}"/>
+              </a:ext>
+            </a:extLst>
+          </p:cNvPr>
+          <p:cNvCxnSpPr>
+            <a:cxnSpLocks/>
+          </p:cNvCxnSpPr>
+          <p:nvPr/>
+        </p:nvCxnSpPr>
+        <p:spPr>
+          <a:xfrm>
+            <a:off x="4173855" y="5886894"/>
+            <a:ext cx="1508988" cy="0"/>
+          </a:xfrm>
+          <a:prstGeom prst="straightConnector1">
+            <a:avLst/>
+          </a:prstGeom>
+          <a:ln w="19050">
+            <a:tailEnd type="triangle"/>
+          </a:ln>
+        </p:spPr>
+        <p:style>
+          <a:lnRef idx="1">
+            <a:schemeClr val="accent1"/>
+          </a:lnRef>
+          <a:fillRef idx="0">
+            <a:schemeClr val="accent1"/>
+          </a:fillRef>
+          <a:effectRef idx="0">
+            <a:schemeClr val="accent1"/>
+          </a:effectRef>
+          <a:fontRef idx="minor">
+            <a:schemeClr val="tx1"/>
+          </a:fontRef>
+        </p:style>
+      </p:cxnSp>
+      <p:pic>
+        <p:nvPicPr>
+          <p:cNvPr id="36" name="图片 35">
+            <a:extLst>
+              <a:ext uri="{FF2B5EF4-FFF2-40B4-BE49-F238E27FC236}">
+                <a16:creationId xmlns:a16="http://schemas.microsoft.com/office/drawing/2014/main" id="{C6421227-2313-47F0-9A99-8F9DC77B319C}"/>
+              </a:ext>
+            </a:extLst>
+          </p:cNvPr>
+          <p:cNvPicPr>
+            <a:picLocks noChangeAspect="1"/>
+          </p:cNvPicPr>
+          <p:nvPr/>
+        </p:nvPicPr>
+        <p:blipFill>
+          <a:blip r:embed="rId20"/>
+          <a:stretch>
+            <a:fillRect/>
+          </a:stretch>
+        </p:blipFill>
+        <p:spPr>
+          <a:xfrm>
+            <a:off x="4263633" y="5383502"/>
+            <a:ext cx="1329432" cy="472907"/>
+          </a:xfrm>
+          <a:prstGeom prst="rect">
+            <a:avLst/>
+          </a:prstGeom>
+        </p:spPr>
+      </p:pic>
+      <p:pic>
+        <p:nvPicPr>
+          <p:cNvPr id="30" name="图片 29">
+            <a:extLst>
+              <a:ext uri="{FF2B5EF4-FFF2-40B4-BE49-F238E27FC236}">
+                <a16:creationId xmlns:a16="http://schemas.microsoft.com/office/drawing/2014/main" id="{0C0A4C62-4E7B-43E5-8D01-ABA6CB909736}"/>
+              </a:ext>
+            </a:extLst>
+          </p:cNvPr>
+          <p:cNvPicPr>
+            <a:picLocks noChangeAspect="1"/>
+          </p:cNvPicPr>
+          <p:nvPr/>
+        </p:nvPicPr>
+        <p:blipFill>
+          <a:blip r:embed="rId21"/>
+          <a:stretch>
+            <a:fillRect/>
+          </a:stretch>
+        </p:blipFill>
+        <p:spPr>
+          <a:xfrm>
+            <a:off x="6020761" y="5383502"/>
+            <a:ext cx="3069800" cy="1209890"/>
+          </a:xfrm>
+          <a:prstGeom prst="rect">
+            <a:avLst/>
+          </a:prstGeom>
+        </p:spPr>
+      </p:pic>
+      <p:pic>
+        <p:nvPicPr>
+          <p:cNvPr id="38" name="图片 37">
+            <a:extLst>
+              <a:ext uri="{FF2B5EF4-FFF2-40B4-BE49-F238E27FC236}">
+                <a16:creationId xmlns:a16="http://schemas.microsoft.com/office/drawing/2014/main" id="{8AEA43F9-A0E1-46FD-8546-781031EE1CDD}"/>
+              </a:ext>
+            </a:extLst>
+          </p:cNvPr>
+          <p:cNvPicPr>
+            <a:picLocks noChangeAspect="1"/>
+          </p:cNvPicPr>
+          <p:nvPr/>
+        </p:nvPicPr>
+        <p:blipFill>
+          <a:blip r:embed="rId22"/>
+          <a:stretch>
+            <a:fillRect/>
+          </a:stretch>
+        </p:blipFill>
+        <p:spPr>
+          <a:xfrm>
+            <a:off x="9156640" y="5650647"/>
+            <a:ext cx="846092" cy="472493"/>
+          </a:xfrm>
+          <a:prstGeom prst="rect">
+            <a:avLst/>
+          </a:prstGeom>
+        </p:spPr>
+      </p:pic>
+      <p:pic>
+        <p:nvPicPr>
+          <p:cNvPr id="43" name="图片 42">
+            <a:extLst>
+              <a:ext uri="{FF2B5EF4-FFF2-40B4-BE49-F238E27FC236}">
+                <a16:creationId xmlns:a16="http://schemas.microsoft.com/office/drawing/2014/main" id="{8BA6E7F7-3569-46B9-A489-F20A04B9B550}"/>
+              </a:ext>
+            </a:extLst>
+          </p:cNvPr>
+          <p:cNvPicPr>
+            <a:picLocks noChangeAspect="1"/>
+          </p:cNvPicPr>
+          <p:nvPr/>
+        </p:nvPicPr>
+        <p:blipFill>
+          <a:blip r:embed="rId23"/>
+          <a:stretch>
+            <a:fillRect/>
+          </a:stretch>
+        </p:blipFill>
+        <p:spPr>
+          <a:xfrm>
+            <a:off x="10149995" y="5723557"/>
+            <a:ext cx="1941113" cy="1130268"/>
+          </a:xfrm>
+          <a:prstGeom prst="rect">
+            <a:avLst/>
+          </a:prstGeom>
+        </p:spPr>
+      </p:pic>
+      <p:sp>
+        <p:nvSpPr>
+          <p:cNvPr id="44" name="椭圆 43">
+            <a:extLst>
+              <a:ext uri="{FF2B5EF4-FFF2-40B4-BE49-F238E27FC236}">
+                <a16:creationId xmlns:a16="http://schemas.microsoft.com/office/drawing/2014/main" id="{42B0585A-28FD-47E8-AD82-F91F2FF64732}"/>
+              </a:ext>
+            </a:extLst>
+          </p:cNvPr>
+          <p:cNvSpPr/>
+          <p:nvPr/>
+        </p:nvSpPr>
+        <p:spPr>
+          <a:xfrm>
+            <a:off x="9984902" y="3289565"/>
+            <a:ext cx="1564105" cy="1564105"/>
+          </a:xfrm>
+          <a:prstGeom prst="ellipse">
+            <a:avLst/>
+          </a:prstGeom>
+          <a:noFill/>
+          <a:ln w="28575">
+            <a:solidFill>
+              <a:srgbClr val="FF0000"/>
+            </a:solidFill>
+          </a:ln>
+        </p:spPr>
+        <p:style>
+          <a:lnRef idx="2">
+            <a:schemeClr val="accent1">
+              <a:shade val="50000"/>
+            </a:schemeClr>
+          </a:lnRef>
+          <a:fillRef idx="1">
+            <a:schemeClr val="accent1"/>
+          </a:fillRef>
+          <a:effectRef idx="0">
+            <a:schemeClr val="accent1"/>
+          </a:effectRef>
+          <a:fontRef idx="minor">
+            <a:schemeClr val="lt1"/>
+          </a:fontRef>
+        </p:style>
+        <p:txBody>
+          <a:bodyPr rtlCol="0" anchor="ctr"/>
+          <a:lstStyle/>
+          <a:p>
+            <a:pPr algn="ctr"/>
+            <a:endParaRPr lang="zh-CN" altLang="en-US"/>
+          </a:p>
+        </p:txBody>
+      </p:sp>
+      <p:cxnSp>
+        <p:nvCxnSpPr>
+          <p:cNvPr id="45" name="直接箭头连接符 44">
+            <a:extLst>
+              <a:ext uri="{FF2B5EF4-FFF2-40B4-BE49-F238E27FC236}">
+                <a16:creationId xmlns:a16="http://schemas.microsoft.com/office/drawing/2014/main" id="{6FA346C7-4AFE-478F-ABD3-09C7A64273C8}"/>
+              </a:ext>
+            </a:extLst>
+          </p:cNvPr>
+          <p:cNvCxnSpPr>
+            <a:cxnSpLocks/>
+          </p:cNvCxnSpPr>
+          <p:nvPr/>
+        </p:nvCxnSpPr>
+        <p:spPr>
+          <a:xfrm>
+            <a:off x="10649442" y="4871430"/>
+            <a:ext cx="409909" cy="17248"/>
+          </a:xfrm>
+          <a:prstGeom prst="straightConnector1">
+            <a:avLst/>
+          </a:prstGeom>
+          <a:ln w="38100">
+            <a:solidFill>
+              <a:srgbClr val="1E90FF"/>
+            </a:solidFill>
+            <a:tailEnd type="triangle"/>
+          </a:ln>
+        </p:spPr>
+        <p:style>
+          <a:lnRef idx="1">
+            <a:schemeClr val="accent1"/>
+          </a:lnRef>
+          <a:fillRef idx="0">
+            <a:schemeClr val="accent1"/>
+          </a:fillRef>
+          <a:effectRef idx="0">
+            <a:schemeClr val="accent1"/>
+          </a:effectRef>
+          <a:fontRef idx="minor">
+            <a:schemeClr val="tx1"/>
+          </a:fontRef>
+        </p:style>
+      </p:cxnSp>
+      <p:cxnSp>
+        <p:nvCxnSpPr>
+          <p:cNvPr id="46" name="直接箭头连接符 45">
+            <a:extLst>
+              <a:ext uri="{FF2B5EF4-FFF2-40B4-BE49-F238E27FC236}">
+                <a16:creationId xmlns:a16="http://schemas.microsoft.com/office/drawing/2014/main" id="{52A17EAF-0077-4162-9120-EC4141535B22}"/>
+              </a:ext>
+            </a:extLst>
+          </p:cNvPr>
+          <p:cNvCxnSpPr>
+            <a:cxnSpLocks/>
+          </p:cNvCxnSpPr>
+          <p:nvPr/>
+        </p:nvCxnSpPr>
+        <p:spPr>
+          <a:xfrm flipV="1">
+            <a:off x="11553337" y="3826080"/>
+            <a:ext cx="0" cy="356371"/>
+          </a:xfrm>
+          <a:prstGeom prst="straightConnector1">
+            <a:avLst/>
+          </a:prstGeom>
+          <a:ln w="38100">
+            <a:solidFill>
+              <a:srgbClr val="1E90FF"/>
+            </a:solidFill>
+            <a:tailEnd type="triangle"/>
+          </a:ln>
+        </p:spPr>
+        <p:style>
+          <a:lnRef idx="1">
+            <a:schemeClr val="accent1"/>
+          </a:lnRef>
+          <a:fillRef idx="0">
+            <a:schemeClr val="accent1"/>
+          </a:fillRef>
+          <a:effectRef idx="0">
+            <a:schemeClr val="accent1"/>
+          </a:effectRef>
+          <a:fontRef idx="minor">
+            <a:schemeClr val="tx1"/>
+          </a:fontRef>
+        </p:style>
+      </p:cxnSp>
+      <p:cxnSp>
+        <p:nvCxnSpPr>
+          <p:cNvPr id="47" name="直接箭头连接符 46">
+            <a:extLst>
+              <a:ext uri="{FF2B5EF4-FFF2-40B4-BE49-F238E27FC236}">
+                <a16:creationId xmlns:a16="http://schemas.microsoft.com/office/drawing/2014/main" id="{2E2EA831-0F56-4C71-88E7-2106C51E83E4}"/>
+              </a:ext>
+            </a:extLst>
+          </p:cNvPr>
+          <p:cNvCxnSpPr>
+            <a:cxnSpLocks/>
+          </p:cNvCxnSpPr>
+          <p:nvPr/>
+        </p:nvCxnSpPr>
+        <p:spPr>
+          <a:xfrm flipH="1" flipV="1">
+            <a:off x="10541591" y="3277835"/>
+            <a:ext cx="364112" cy="11730"/>
+          </a:xfrm>
+          <a:prstGeom prst="straightConnector1">
+            <a:avLst/>
+          </a:prstGeom>
+          <a:ln w="38100">
+            <a:solidFill>
+              <a:srgbClr val="1E90FF"/>
+            </a:solidFill>
+            <a:tailEnd type="triangle"/>
+          </a:ln>
+        </p:spPr>
+        <p:style>
+          <a:lnRef idx="1">
+            <a:schemeClr val="accent1"/>
+          </a:lnRef>
+          <a:fillRef idx="0">
+            <a:schemeClr val="accent1"/>
+          </a:fillRef>
+          <a:effectRef idx="0">
+            <a:schemeClr val="accent1"/>
+          </a:effectRef>
+          <a:fontRef idx="minor">
+            <a:schemeClr val="tx1"/>
+          </a:fontRef>
+        </p:style>
+      </p:cxnSp>
+      <p:cxnSp>
+        <p:nvCxnSpPr>
+          <p:cNvPr id="48" name="直接箭头连接符 47">
+            <a:extLst>
+              <a:ext uri="{FF2B5EF4-FFF2-40B4-BE49-F238E27FC236}">
+                <a16:creationId xmlns:a16="http://schemas.microsoft.com/office/drawing/2014/main" id="{0AF63210-B49C-4781-9B27-F89641A1024F}"/>
+              </a:ext>
+            </a:extLst>
+          </p:cNvPr>
+          <p:cNvCxnSpPr>
+            <a:cxnSpLocks/>
+          </p:cNvCxnSpPr>
+          <p:nvPr/>
+        </p:nvCxnSpPr>
+        <p:spPr>
+          <a:xfrm flipH="1" flipV="1">
+            <a:off x="11196817" y="3390921"/>
+            <a:ext cx="260511" cy="250268"/>
+          </a:xfrm>
+          <a:prstGeom prst="straightConnector1">
+            <a:avLst/>
+          </a:prstGeom>
+          <a:ln w="38100">
+            <a:solidFill>
+              <a:srgbClr val="1E90FF"/>
+            </a:solidFill>
+            <a:tailEnd type="triangle"/>
+          </a:ln>
+        </p:spPr>
+        <p:style>
+          <a:lnRef idx="1">
+            <a:schemeClr val="accent1"/>
+          </a:lnRef>
+          <a:fillRef idx="0">
+            <a:schemeClr val="accent1"/>
+          </a:fillRef>
+          <a:effectRef idx="0">
+            <a:schemeClr val="accent1"/>
+          </a:effectRef>
+          <a:fontRef idx="minor">
+            <a:schemeClr val="tx1"/>
+          </a:fontRef>
+        </p:style>
+      </p:cxnSp>
+      <p:cxnSp>
+        <p:nvCxnSpPr>
+          <p:cNvPr id="49" name="直接箭头连接符 48">
+            <a:extLst>
+              <a:ext uri="{FF2B5EF4-FFF2-40B4-BE49-F238E27FC236}">
+                <a16:creationId xmlns:a16="http://schemas.microsoft.com/office/drawing/2014/main" id="{C3C1D532-6F9E-41A1-8F8C-65C2A3B9B825}"/>
+              </a:ext>
+            </a:extLst>
+          </p:cNvPr>
+          <p:cNvCxnSpPr>
+            <a:cxnSpLocks/>
+          </p:cNvCxnSpPr>
+          <p:nvPr/>
+        </p:nvCxnSpPr>
+        <p:spPr>
+          <a:xfrm flipH="1">
+            <a:off x="10014381" y="3440455"/>
+            <a:ext cx="243116" cy="318622"/>
+          </a:xfrm>
+          <a:prstGeom prst="straightConnector1">
+            <a:avLst/>
+          </a:prstGeom>
+          <a:ln w="38100">
+            <a:solidFill>
+              <a:srgbClr val="1E90FF"/>
+            </a:solidFill>
+            <a:tailEnd type="triangle"/>
+          </a:ln>
+        </p:spPr>
+        <p:style>
+          <a:lnRef idx="1">
+            <a:schemeClr val="accent1"/>
+          </a:lnRef>
+          <a:fillRef idx="0">
+            <a:schemeClr val="accent1"/>
+          </a:fillRef>
+          <a:effectRef idx="0">
+            <a:schemeClr val="accent1"/>
+          </a:effectRef>
+          <a:fontRef idx="minor">
+            <a:schemeClr val="tx1"/>
+          </a:fontRef>
+        </p:style>
+      </p:cxnSp>
+      <p:cxnSp>
+        <p:nvCxnSpPr>
+          <p:cNvPr id="50" name="直接箭头连接符 49">
+            <a:extLst>
+              <a:ext uri="{FF2B5EF4-FFF2-40B4-BE49-F238E27FC236}">
+                <a16:creationId xmlns:a16="http://schemas.microsoft.com/office/drawing/2014/main" id="{D9B0BDE8-8E74-4223-8E24-0C96932C78C4}"/>
+              </a:ext>
+            </a:extLst>
+          </p:cNvPr>
+          <p:cNvCxnSpPr>
+            <a:cxnSpLocks/>
+          </p:cNvCxnSpPr>
+          <p:nvPr/>
+        </p:nvCxnSpPr>
+        <p:spPr>
+          <a:xfrm flipV="1">
+            <a:off x="11196817" y="4448364"/>
+            <a:ext cx="287617" cy="297064"/>
+          </a:xfrm>
+          <a:prstGeom prst="straightConnector1">
+            <a:avLst/>
+          </a:prstGeom>
+          <a:ln w="38100">
+            <a:solidFill>
+              <a:srgbClr val="1E90FF"/>
+            </a:solidFill>
+            <a:tailEnd type="triangle"/>
+          </a:ln>
+        </p:spPr>
+        <p:style>
+          <a:lnRef idx="1">
+            <a:schemeClr val="accent1"/>
+          </a:lnRef>
+          <a:fillRef idx="0">
+            <a:schemeClr val="accent1"/>
+          </a:fillRef>
+          <a:effectRef idx="0">
+            <a:schemeClr val="accent1"/>
+          </a:effectRef>
+          <a:fontRef idx="minor">
+            <a:schemeClr val="tx1"/>
+          </a:fontRef>
+        </p:style>
+      </p:cxnSp>
+      <p:cxnSp>
+        <p:nvCxnSpPr>
+          <p:cNvPr id="51" name="直接箭头连接符 50">
+            <a:extLst>
+              <a:ext uri="{FF2B5EF4-FFF2-40B4-BE49-F238E27FC236}">
+                <a16:creationId xmlns:a16="http://schemas.microsoft.com/office/drawing/2014/main" id="{B9A696D8-23E5-437E-AD03-1BCE9F8B7E6C}"/>
+              </a:ext>
+            </a:extLst>
+          </p:cNvPr>
+          <p:cNvCxnSpPr>
+            <a:cxnSpLocks/>
+          </p:cNvCxnSpPr>
+          <p:nvPr/>
+        </p:nvCxnSpPr>
+        <p:spPr>
+          <a:xfrm>
+            <a:off x="10100669" y="4555117"/>
+            <a:ext cx="312445" cy="258229"/>
+          </a:xfrm>
+          <a:prstGeom prst="straightConnector1">
+            <a:avLst/>
+          </a:prstGeom>
+          <a:ln w="38100">
+            <a:solidFill>
+              <a:srgbClr val="1E90FF"/>
+            </a:solidFill>
+            <a:tailEnd type="triangle"/>
+          </a:ln>
+        </p:spPr>
+        <p:style>
+          <a:lnRef idx="1">
+            <a:schemeClr val="accent1"/>
+          </a:lnRef>
+          <a:fillRef idx="0">
+            <a:schemeClr val="accent1"/>
+          </a:fillRef>
+          <a:effectRef idx="0">
+            <a:schemeClr val="accent1"/>
+          </a:effectRef>
+          <a:fontRef idx="minor">
+            <a:schemeClr val="tx1"/>
+          </a:fontRef>
+        </p:style>
+      </p:cxnSp>
+      <p:cxnSp>
+        <p:nvCxnSpPr>
+          <p:cNvPr id="52" name="直接连接符 51">
+            <a:extLst>
+              <a:ext uri="{FF2B5EF4-FFF2-40B4-BE49-F238E27FC236}">
+                <a16:creationId xmlns:a16="http://schemas.microsoft.com/office/drawing/2014/main" id="{633E1587-AAFA-46A1-9BCF-2821324752F0}"/>
+              </a:ext>
+            </a:extLst>
+          </p:cNvPr>
+          <p:cNvCxnSpPr>
+            <a:cxnSpLocks/>
+          </p:cNvCxnSpPr>
+          <p:nvPr/>
+        </p:nvCxnSpPr>
+        <p:spPr>
+          <a:xfrm flipH="1">
+            <a:off x="10766954" y="4071617"/>
+            <a:ext cx="782052" cy="0"/>
+          </a:xfrm>
+          <a:prstGeom prst="line">
+            <a:avLst/>
+          </a:prstGeom>
+          <a:ln w="28575">
+            <a:solidFill>
+              <a:schemeClr val="tx1"/>
+            </a:solidFill>
+          </a:ln>
+        </p:spPr>
+        <p:style>
+          <a:lnRef idx="1">
+            <a:schemeClr val="accent1"/>
+          </a:lnRef>
+          <a:fillRef idx="0">
+            <a:schemeClr val="accent1"/>
+          </a:fillRef>
+          <a:effectRef idx="0">
+            <a:schemeClr val="accent1"/>
+          </a:effectRef>
+          <a:fontRef idx="minor">
+            <a:schemeClr val="tx1"/>
+          </a:fontRef>
+        </p:style>
+      </p:cxnSp>
+      <p:cxnSp>
+        <p:nvCxnSpPr>
+          <p:cNvPr id="53" name="直接连接符 52">
+            <a:extLst>
+              <a:ext uri="{FF2B5EF4-FFF2-40B4-BE49-F238E27FC236}">
+                <a16:creationId xmlns:a16="http://schemas.microsoft.com/office/drawing/2014/main" id="{5475AB66-3867-46A0-B047-7B9A2A05AD3B}"/>
+              </a:ext>
+            </a:extLst>
+          </p:cNvPr>
+          <p:cNvCxnSpPr>
+            <a:cxnSpLocks/>
+          </p:cNvCxnSpPr>
+          <p:nvPr/>
+        </p:nvCxnSpPr>
+        <p:spPr>
+          <a:xfrm flipH="1">
+            <a:off x="10768645" y="3348881"/>
+            <a:ext cx="307838" cy="731733"/>
+          </a:xfrm>
+          <a:prstGeom prst="line">
+            <a:avLst/>
+          </a:prstGeom>
+          <a:ln w="28575">
+            <a:solidFill>
+              <a:schemeClr val="tx1"/>
+            </a:solidFill>
+          </a:ln>
+        </p:spPr>
+        <p:style>
+          <a:lnRef idx="1">
+            <a:schemeClr val="accent1"/>
+          </a:lnRef>
+          <a:fillRef idx="0">
+            <a:schemeClr val="accent1"/>
+          </a:fillRef>
+          <a:effectRef idx="0">
+            <a:schemeClr val="accent1"/>
+          </a:effectRef>
+          <a:fontRef idx="minor">
+            <a:schemeClr val="tx1"/>
+          </a:fontRef>
+        </p:style>
+      </p:cxnSp>
+      <mc:AlternateContent xmlns:mc="http://schemas.openxmlformats.org/markup-compatibility/2006">
+        <mc:Choice xmlns:a14="http://schemas.microsoft.com/office/drawing/2010/main" Requires="a14">
+          <p:sp>
+            <p:nvSpPr>
+              <p:cNvPr id="54" name="文本框 53">
+                <a:extLst>
+                  <a:ext uri="{FF2B5EF4-FFF2-40B4-BE49-F238E27FC236}">
+                    <a16:creationId xmlns:a16="http://schemas.microsoft.com/office/drawing/2014/main" id="{443B2BB2-D5DF-46F8-8A7C-DE6409D6697A}"/>
+                  </a:ext>
+                </a:extLst>
+              </p:cNvPr>
+              <p:cNvSpPr txBox="1"/>
+              <p:nvPr/>
+            </p:nvSpPr>
+            <p:spPr>
+              <a:xfrm>
+                <a:off x="11059351" y="4065602"/>
+                <a:ext cx="223520" cy="276999"/>
+              </a:xfrm>
+              <a:prstGeom prst="rect">
+                <a:avLst/>
+              </a:prstGeom>
+              <a:noFill/>
+            </p:spPr>
+            <p:txBody>
+              <a:bodyPr wrap="square" rtlCol="0">
+                <a:spAutoFit/>
+              </a:bodyPr>
+              <a:lstStyle/>
+              <a:p>
+                <a:pPr/>
+                <a14:m>
+                  <m:oMathPara xmlns:m="http://schemas.openxmlformats.org/officeDocument/2006/math">
+                    <m:oMathParaPr>
+                      <m:jc m:val="centerGroup"/>
+                    </m:oMathParaPr>
+                    <m:oMath xmlns:m="http://schemas.openxmlformats.org/officeDocument/2006/math">
+                      <m:r>
+                        <a:rPr lang="en-US" altLang="zh-CN" sz="1200" b="0" i="1" smtClean="0">
+                          <a:latin typeface="Cambria Math" panose="02040503050406030204" pitchFamily="18" charset="0"/>
+                        </a:rPr>
+                        <m:t>𝑘</m:t>
+                      </m:r>
+                    </m:oMath>
+                  </m:oMathPara>
+                </a14:m>
+                <a:endParaRPr lang="zh-CN" altLang="en-US" sz="1200" dirty="0"/>
+              </a:p>
+            </p:txBody>
+          </p:sp>
+        </mc:Choice>
+        <mc:Fallback>
+          <p:sp>
+            <p:nvSpPr>
+              <p:cNvPr id="54" name="文本框 53">
+                <a:extLst>
+                  <a:ext uri="{FF2B5EF4-FFF2-40B4-BE49-F238E27FC236}">
+                    <a16:creationId xmlns:a16="http://schemas.microsoft.com/office/drawing/2014/main" id="{443B2BB2-D5DF-46F8-8A7C-DE6409D6697A}"/>
+                  </a:ext>
+                </a:extLst>
+              </p:cNvPr>
+              <p:cNvSpPr txBox="1">
+                <a:spLocks noRot="1" noChangeAspect="1" noMove="1" noResize="1" noEditPoints="1" noAdjustHandles="1" noChangeArrowheads="1" noChangeShapeType="1" noTextEdit="1"/>
+              </p:cNvSpPr>
+              <p:nvPr/>
+            </p:nvSpPr>
+            <p:spPr>
+              <a:xfrm>
+                <a:off x="11059351" y="4065602"/>
+                <a:ext cx="223520" cy="276999"/>
+              </a:xfrm>
+              <a:prstGeom prst="rect">
+                <a:avLst/>
+              </a:prstGeom>
+              <a:blipFill>
+                <a:blip r:embed="rId24"/>
+                <a:stretch>
+                  <a:fillRect r="-5405"/>
+                </a:stretch>
+              </a:blipFill>
+            </p:spPr>
+            <p:txBody>
+              <a:bodyPr/>
+              <a:lstStyle/>
+              <a:p>
+                <a:r>
+                  <a:rPr lang="zh-CN" altLang="en-US">
+                    <a:noFill/>
+                  </a:rPr>
+                  <a:t> </a:t>
+                </a:r>
+              </a:p>
+            </p:txBody>
+          </p:sp>
+        </mc:Fallback>
+      </mc:AlternateContent>
+      <mc:AlternateContent xmlns:mc="http://schemas.openxmlformats.org/markup-compatibility/2006">
+        <mc:Choice xmlns:a14="http://schemas.microsoft.com/office/drawing/2010/main" Requires="a14">
+          <p:sp>
+            <p:nvSpPr>
+              <p:cNvPr id="55" name="文本框 54">
+                <a:extLst>
+                  <a:ext uri="{FF2B5EF4-FFF2-40B4-BE49-F238E27FC236}">
+                    <a16:creationId xmlns:a16="http://schemas.microsoft.com/office/drawing/2014/main" id="{71B878D7-D3EC-4811-B606-E0FC4A5F9DD7}"/>
+                  </a:ext>
+                </a:extLst>
+              </p:cNvPr>
+              <p:cNvSpPr txBox="1"/>
+              <p:nvPr/>
+            </p:nvSpPr>
+            <p:spPr>
+              <a:xfrm>
+                <a:off x="10930506" y="3753595"/>
+                <a:ext cx="266311" cy="276999"/>
+              </a:xfrm>
+              <a:prstGeom prst="rect">
+                <a:avLst/>
+              </a:prstGeom>
+              <a:noFill/>
+            </p:spPr>
+            <p:txBody>
+              <a:bodyPr wrap="square" rtlCol="0">
+                <a:spAutoFit/>
+              </a:bodyPr>
+              <a:lstStyle/>
+              <a:p>
+                <a:pPr/>
+                <a14:m>
+                  <m:oMathPara xmlns:m="http://schemas.openxmlformats.org/officeDocument/2006/math">
+                    <m:oMathParaPr>
+                      <m:jc m:val="centerGroup"/>
+                    </m:oMathParaPr>
+                    <m:oMath xmlns:m="http://schemas.openxmlformats.org/officeDocument/2006/math">
+                      <m:r>
+                        <a:rPr lang="en-US" altLang="zh-CN" sz="1200" b="0" i="1" smtClean="0">
+                          <a:latin typeface="Cambria Math" panose="02040503050406030204" pitchFamily="18" charset="0"/>
+                        </a:rPr>
+                        <m:t>𝜃</m:t>
+                      </m:r>
+                    </m:oMath>
+                  </m:oMathPara>
+                </a14:m>
+                <a:endParaRPr lang="zh-CN" altLang="en-US" sz="1200" dirty="0"/>
+              </a:p>
+            </p:txBody>
+          </p:sp>
+        </mc:Choice>
+        <mc:Fallback>
+          <p:sp>
+            <p:nvSpPr>
+              <p:cNvPr id="55" name="文本框 54">
+                <a:extLst>
+                  <a:ext uri="{FF2B5EF4-FFF2-40B4-BE49-F238E27FC236}">
+                    <a16:creationId xmlns:a16="http://schemas.microsoft.com/office/drawing/2014/main" id="{71B878D7-D3EC-4811-B606-E0FC4A5F9DD7}"/>
+                  </a:ext>
+                </a:extLst>
+              </p:cNvPr>
+              <p:cNvSpPr txBox="1">
+                <a:spLocks noRot="1" noChangeAspect="1" noMove="1" noResize="1" noEditPoints="1" noAdjustHandles="1" noChangeArrowheads="1" noChangeShapeType="1" noTextEdit="1"/>
+              </p:cNvSpPr>
+              <p:nvPr/>
+            </p:nvSpPr>
+            <p:spPr>
+              <a:xfrm>
+                <a:off x="10930506" y="3753595"/>
+                <a:ext cx="266311" cy="276999"/>
+              </a:xfrm>
+              <a:prstGeom prst="rect">
+                <a:avLst/>
+              </a:prstGeom>
+              <a:blipFill>
+                <a:blip r:embed="rId25"/>
+                <a:stretch>
+                  <a:fillRect/>
+                </a:stretch>
+              </a:blipFill>
+            </p:spPr>
+            <p:txBody>
+              <a:bodyPr/>
+              <a:lstStyle/>
+              <a:p>
+                <a:r>
+                  <a:rPr lang="zh-CN" altLang="en-US">
+                    <a:noFill/>
+                  </a:rPr>
+                  <a:t> </a:t>
+                </a:r>
+              </a:p>
+            </p:txBody>
+          </p:sp>
+        </mc:Fallback>
+      </mc:AlternateContent>
+      <p:sp>
+        <p:nvSpPr>
+          <p:cNvPr id="56" name="弧形 55">
+            <a:extLst>
+              <a:ext uri="{FF2B5EF4-FFF2-40B4-BE49-F238E27FC236}">
+                <a16:creationId xmlns:a16="http://schemas.microsoft.com/office/drawing/2014/main" id="{14F39938-50EE-4D40-BB6C-D6BC4B342752}"/>
+              </a:ext>
+            </a:extLst>
+          </p:cNvPr>
+          <p:cNvSpPr/>
+          <p:nvPr/>
+        </p:nvSpPr>
+        <p:spPr>
+          <a:xfrm>
+            <a:off x="10741276" y="3885127"/>
+            <a:ext cx="266301" cy="359999"/>
+          </a:xfrm>
+          <a:prstGeom prst="arc">
+            <a:avLst/>
+          </a:prstGeom>
+          <a:ln w="12700">
+            <a:solidFill>
+              <a:schemeClr val="tx1"/>
+            </a:solidFill>
+          </a:ln>
+        </p:spPr>
+        <p:style>
+          <a:lnRef idx="1">
+            <a:schemeClr val="accent1"/>
+          </a:lnRef>
+          <a:fillRef idx="0">
+            <a:schemeClr val="accent1"/>
+          </a:fillRef>
+          <a:effectRef idx="0">
+            <a:schemeClr val="accent1"/>
+          </a:effectRef>
+          <a:fontRef idx="minor">
+            <a:schemeClr val="tx1"/>
+          </a:fontRef>
+        </p:style>
+        <p:txBody>
+          <a:bodyPr rtlCol="0" anchor="ctr"/>
+          <a:lstStyle/>
+          <a:p>
+            <a:pPr algn="ctr"/>
+            <a:endParaRPr lang="zh-CN" altLang="en-US"/>
+          </a:p>
+        </p:txBody>
+      </p:sp>
+      <p:cxnSp>
+        <p:nvCxnSpPr>
+          <p:cNvPr id="73" name="直接箭头连接符 72">
+            <a:extLst>
+              <a:ext uri="{FF2B5EF4-FFF2-40B4-BE49-F238E27FC236}">
+                <a16:creationId xmlns:a16="http://schemas.microsoft.com/office/drawing/2014/main" id="{4EF6005F-2E60-4DDD-812E-FFD67FC432D8}"/>
+              </a:ext>
+            </a:extLst>
+          </p:cNvPr>
+          <p:cNvCxnSpPr>
+            <a:cxnSpLocks/>
+          </p:cNvCxnSpPr>
+          <p:nvPr/>
+        </p:nvCxnSpPr>
+        <p:spPr>
+          <a:xfrm>
+            <a:off x="9984902" y="3882528"/>
+            <a:ext cx="0" cy="414714"/>
+          </a:xfrm>
+          <a:prstGeom prst="straightConnector1">
+            <a:avLst/>
+          </a:prstGeom>
+          <a:ln w="38100">
+            <a:solidFill>
+              <a:srgbClr val="1E90FF"/>
+            </a:solidFill>
+            <a:tailEnd type="triangle"/>
+          </a:ln>
+        </p:spPr>
+        <p:style>
+          <a:lnRef idx="1">
+            <a:schemeClr val="accent1"/>
+          </a:lnRef>
+          <a:fillRef idx="0">
+            <a:schemeClr val="accent1"/>
+          </a:fillRef>
+          <a:effectRef idx="0">
+            <a:schemeClr val="accent1"/>
+          </a:effectRef>
+          <a:fontRef idx="minor">
+            <a:schemeClr val="tx1"/>
+          </a:fontRef>
+        </p:style>
+      </p:cxnSp>
     </p:spTree>
     <p:extLst>
       <p:ext uri="{BB962C8B-B14F-4D97-AF65-F5344CB8AC3E}">

--- a/vortex.pptx
+++ b/vortex.pptx
@@ -290,7 +290,7 @@
           <a:p>
             <a:fld id="{CA570CE2-A39B-446E-8991-0833B492C384}" type="datetimeFigureOut">
               <a:rPr lang="zh-CN" altLang="en-US" smtClean="0"/>
-              <a:t>2023/4/22</a:t>
+              <a:t>2023/4/23</a:t>
             </a:fld>
             <a:endParaRPr lang="zh-CN" altLang="en-US"/>
           </a:p>
@@ -488,7 +488,7 @@
           <a:p>
             <a:fld id="{CA570CE2-A39B-446E-8991-0833B492C384}" type="datetimeFigureOut">
               <a:rPr lang="zh-CN" altLang="en-US" smtClean="0"/>
-              <a:t>2023/4/22</a:t>
+              <a:t>2023/4/23</a:t>
             </a:fld>
             <a:endParaRPr lang="zh-CN" altLang="en-US"/>
           </a:p>
@@ -696,7 +696,7 @@
           <a:p>
             <a:fld id="{CA570CE2-A39B-446E-8991-0833B492C384}" type="datetimeFigureOut">
               <a:rPr lang="zh-CN" altLang="en-US" smtClean="0"/>
-              <a:t>2023/4/22</a:t>
+              <a:t>2023/4/23</a:t>
             </a:fld>
             <a:endParaRPr lang="zh-CN" altLang="en-US"/>
           </a:p>
@@ -894,7 +894,7 @@
           <a:p>
             <a:fld id="{CA570CE2-A39B-446E-8991-0833B492C384}" type="datetimeFigureOut">
               <a:rPr lang="zh-CN" altLang="en-US" smtClean="0"/>
-              <a:t>2023/4/22</a:t>
+              <a:t>2023/4/23</a:t>
             </a:fld>
             <a:endParaRPr lang="zh-CN" altLang="en-US"/>
           </a:p>
@@ -1169,7 +1169,7 @@
           <a:p>
             <a:fld id="{CA570CE2-A39B-446E-8991-0833B492C384}" type="datetimeFigureOut">
               <a:rPr lang="zh-CN" altLang="en-US" smtClean="0"/>
-              <a:t>2023/4/22</a:t>
+              <a:t>2023/4/23</a:t>
             </a:fld>
             <a:endParaRPr lang="zh-CN" altLang="en-US"/>
           </a:p>
@@ -1434,7 +1434,7 @@
           <a:p>
             <a:fld id="{CA570CE2-A39B-446E-8991-0833B492C384}" type="datetimeFigureOut">
               <a:rPr lang="zh-CN" altLang="en-US" smtClean="0"/>
-              <a:t>2023/4/22</a:t>
+              <a:t>2023/4/23</a:t>
             </a:fld>
             <a:endParaRPr lang="zh-CN" altLang="en-US"/>
           </a:p>
@@ -1846,7 +1846,7 @@
           <a:p>
             <a:fld id="{CA570CE2-A39B-446E-8991-0833B492C384}" type="datetimeFigureOut">
               <a:rPr lang="zh-CN" altLang="en-US" smtClean="0"/>
-              <a:t>2023/4/22</a:t>
+              <a:t>2023/4/23</a:t>
             </a:fld>
             <a:endParaRPr lang="zh-CN" altLang="en-US"/>
           </a:p>
@@ -1987,7 +1987,7 @@
           <a:p>
             <a:fld id="{CA570CE2-A39B-446E-8991-0833B492C384}" type="datetimeFigureOut">
               <a:rPr lang="zh-CN" altLang="en-US" smtClean="0"/>
-              <a:t>2023/4/22</a:t>
+              <a:t>2023/4/23</a:t>
             </a:fld>
             <a:endParaRPr lang="zh-CN" altLang="en-US"/>
           </a:p>
@@ -2100,7 +2100,7 @@
           <a:p>
             <a:fld id="{CA570CE2-A39B-446E-8991-0833B492C384}" type="datetimeFigureOut">
               <a:rPr lang="zh-CN" altLang="en-US" smtClean="0"/>
-              <a:t>2023/4/22</a:t>
+              <a:t>2023/4/23</a:t>
             </a:fld>
             <a:endParaRPr lang="zh-CN" altLang="en-US"/>
           </a:p>
@@ -2411,7 +2411,7 @@
           <a:p>
             <a:fld id="{CA570CE2-A39B-446E-8991-0833B492C384}" type="datetimeFigureOut">
               <a:rPr lang="zh-CN" altLang="en-US" smtClean="0"/>
-              <a:t>2023/4/22</a:t>
+              <a:t>2023/4/23</a:t>
             </a:fld>
             <a:endParaRPr lang="zh-CN" altLang="en-US"/>
           </a:p>
@@ -2699,7 +2699,7 @@
           <a:p>
             <a:fld id="{CA570CE2-A39B-446E-8991-0833B492C384}" type="datetimeFigureOut">
               <a:rPr lang="zh-CN" altLang="en-US" smtClean="0"/>
-              <a:t>2023/4/22</a:t>
+              <a:t>2023/4/23</a:t>
             </a:fld>
             <a:endParaRPr lang="zh-CN" altLang="en-US"/>
           </a:p>
@@ -2940,7 +2940,7 @@
           <a:p>
             <a:fld id="{CA570CE2-A39B-446E-8991-0833B492C384}" type="datetimeFigureOut">
               <a:rPr lang="zh-CN" altLang="en-US" smtClean="0"/>
-              <a:t>2023/4/22</a:t>
+              <a:t>2023/4/23</a:t>
             </a:fld>
             <a:endParaRPr lang="zh-CN" altLang="en-US"/>
           </a:p>
@@ -3744,8 +3744,8 @@
           </a:prstGeom>
         </p:spPr>
       </p:pic>
-      <mc:AlternateContent xmlns:mc="http://schemas.openxmlformats.org/markup-compatibility/2006">
-        <mc:Choice xmlns:a14="http://schemas.microsoft.com/office/drawing/2010/main" Requires="a14">
+      <mc:AlternateContent xmlns:mc="http://schemas.openxmlformats.org/markup-compatibility/2006" xmlns:a14="http://schemas.microsoft.com/office/drawing/2010/main">
+        <mc:Choice Requires="a14">
           <p:sp>
             <p:nvSpPr>
               <p:cNvPr id="14" name="文本框 13">
@@ -3823,7 +3823,7 @@
             </p:txBody>
           </p:sp>
         </mc:Choice>
-        <mc:Fallback>
+        <mc:Fallback xmlns="">
           <p:sp>
             <p:nvSpPr>
               <p:cNvPr id="14" name="文本框 13">
@@ -4704,8 +4704,8 @@
           </a:prstGeom>
         </p:spPr>
       </p:pic>
-      <mc:AlternateContent xmlns:mc="http://schemas.openxmlformats.org/markup-compatibility/2006">
-        <mc:Choice xmlns:a14="http://schemas.microsoft.com/office/drawing/2010/main" Requires="a14">
+      <mc:AlternateContent xmlns:mc="http://schemas.openxmlformats.org/markup-compatibility/2006" xmlns:a14="http://schemas.microsoft.com/office/drawing/2010/main">
+        <mc:Choice Requires="a14">
           <p:sp>
             <p:nvSpPr>
               <p:cNvPr id="72" name="文本框 71">
@@ -4734,6 +4734,7 @@
               </a:bodyPr>
               <a:lstStyle/>
               <a:p>
+                <a:pPr/>
                 <a14:m>
                   <m:oMathPara xmlns:m="http://schemas.openxmlformats.org/officeDocument/2006/math">
                     <m:oMathParaPr>
@@ -4782,7 +4783,7 @@
             </p:txBody>
           </p:sp>
         </mc:Choice>
-        <mc:Fallback>
+        <mc:Fallback xmlns="">
           <p:sp>
             <p:nvSpPr>
               <p:cNvPr id="72" name="文本框 71">
@@ -4827,8 +4828,8 @@
           </p:sp>
         </mc:Fallback>
       </mc:AlternateContent>
-      <mc:AlternateContent xmlns:mc="http://schemas.openxmlformats.org/markup-compatibility/2006">
-        <mc:Choice xmlns:a14="http://schemas.microsoft.com/office/drawing/2010/main" Requires="a14">
+      <mc:AlternateContent xmlns:mc="http://schemas.openxmlformats.org/markup-compatibility/2006" xmlns:a14="http://schemas.microsoft.com/office/drawing/2010/main">
+        <mc:Choice Requires="a14">
           <p:sp>
             <p:nvSpPr>
               <p:cNvPr id="74" name="文本框 73">
@@ -4906,7 +4907,7 @@
             </p:txBody>
           </p:sp>
         </mc:Choice>
-        <mc:Fallback>
+        <mc:Fallback xmlns="">
           <p:sp>
             <p:nvSpPr>
               <p:cNvPr id="74" name="文本框 73">
@@ -5185,8 +5186,8 @@
           </a:prstGeom>
         </p:spPr>
       </p:pic>
-      <mc:AlternateContent xmlns:mc="http://schemas.openxmlformats.org/markup-compatibility/2006">
-        <mc:Choice xmlns:a14="http://schemas.microsoft.com/office/drawing/2010/main" Requires="a14">
+      <mc:AlternateContent xmlns:mc="http://schemas.openxmlformats.org/markup-compatibility/2006" xmlns:a14="http://schemas.microsoft.com/office/drawing/2010/main">
+        <mc:Choice Requires="a14">
           <p:sp>
             <p:nvSpPr>
               <p:cNvPr id="14" name="文本框 13">
@@ -5264,7 +5265,7 @@
             </p:txBody>
           </p:sp>
         </mc:Choice>
-        <mc:Fallback>
+        <mc:Fallback xmlns="">
           <p:sp>
             <p:nvSpPr>
               <p:cNvPr id="14" name="文本框 13">
@@ -5590,56 +5591,6 @@
           <a:chExt cx="0" cy="0"/>
         </a:xfrm>
       </p:grpSpPr>
-      <p:sp>
-        <p:nvSpPr>
-          <p:cNvPr id="2" name="标题 1">
-            <a:extLst>
-              <a:ext uri="{FF2B5EF4-FFF2-40B4-BE49-F238E27FC236}">
-                <a16:creationId xmlns:a16="http://schemas.microsoft.com/office/drawing/2014/main" id="{08D681DC-F975-4B6A-8FF1-6C1433B80B7B}"/>
-              </a:ext>
-            </a:extLst>
-          </p:cNvPr>
-          <p:cNvSpPr>
-            <a:spLocks noGrp="1"/>
-          </p:cNvSpPr>
-          <p:nvPr>
-            <p:ph type="title"/>
-          </p:nvPr>
-        </p:nvSpPr>
-        <p:spPr/>
-        <p:txBody>
-          <a:bodyPr/>
-          <a:lstStyle/>
-          <a:p>
-            <a:endParaRPr lang="zh-CN" altLang="en-US"/>
-          </a:p>
-        </p:txBody>
-      </p:sp>
-      <p:sp>
-        <p:nvSpPr>
-          <p:cNvPr id="3" name="内容占位符 2">
-            <a:extLst>
-              <a:ext uri="{FF2B5EF4-FFF2-40B4-BE49-F238E27FC236}">
-                <a16:creationId xmlns:a16="http://schemas.microsoft.com/office/drawing/2014/main" id="{C500CCDC-9879-40B9-B04B-BBA4825323FF}"/>
-              </a:ext>
-            </a:extLst>
-          </p:cNvPr>
-          <p:cNvSpPr>
-            <a:spLocks noGrp="1"/>
-          </p:cNvSpPr>
-          <p:nvPr>
-            <p:ph idx="1"/>
-          </p:nvPr>
-        </p:nvSpPr>
-        <p:spPr/>
-        <p:txBody>
-          <a:bodyPr/>
-          <a:lstStyle/>
-          <a:p>
-            <a:endParaRPr lang="zh-CN" altLang="en-US"/>
-          </a:p>
-        </p:txBody>
-      </p:sp>
     </p:spTree>
     <p:extLst>
       <p:ext uri="{BB962C8B-B14F-4D97-AF65-F5344CB8AC3E}">
@@ -20359,8 +20310,8 @@
           </a:fontRef>
         </p:style>
       </p:cxnSp>
-      <mc:AlternateContent xmlns:mc="http://schemas.openxmlformats.org/markup-compatibility/2006">
-        <mc:Choice xmlns:a14="http://schemas.microsoft.com/office/drawing/2010/main" Requires="a14">
+      <mc:AlternateContent xmlns:mc="http://schemas.openxmlformats.org/markup-compatibility/2006" xmlns:a14="http://schemas.microsoft.com/office/drawing/2010/main">
+        <mc:Choice Requires="a14">
           <p:sp>
             <p:nvSpPr>
               <p:cNvPr id="54" name="文本框 53">
@@ -20410,7 +20361,7 @@
             </p:txBody>
           </p:sp>
         </mc:Choice>
-        <mc:Fallback>
+        <mc:Fallback xmlns="">
           <p:sp>
             <p:nvSpPr>
               <p:cNvPr id="54" name="文本框 53">
@@ -20455,8 +20406,8 @@
           </p:sp>
         </mc:Fallback>
       </mc:AlternateContent>
-      <mc:AlternateContent xmlns:mc="http://schemas.openxmlformats.org/markup-compatibility/2006">
-        <mc:Choice xmlns:a14="http://schemas.microsoft.com/office/drawing/2010/main" Requires="a14">
+      <mc:AlternateContent xmlns:mc="http://schemas.openxmlformats.org/markup-compatibility/2006" xmlns:a14="http://schemas.microsoft.com/office/drawing/2010/main">
+        <mc:Choice Requires="a14">
           <p:sp>
             <p:nvSpPr>
               <p:cNvPr id="55" name="文本框 54">
@@ -20506,7 +20457,7 @@
             </p:txBody>
           </p:sp>
         </mc:Choice>
-        <mc:Fallback>
+        <mc:Fallback xmlns="">
           <p:sp>
             <p:nvSpPr>
               <p:cNvPr id="55" name="文本框 54">

--- a/vortex.pptx
+++ b/vortex.pptx
@@ -7,9 +7,9 @@
   <p:sldIdLst>
     <p:sldId id="256" r:id="rId2"/>
     <p:sldId id="257" r:id="rId3"/>
-    <p:sldId id="259" r:id="rId4"/>
-    <p:sldId id="258" r:id="rId5"/>
-    <p:sldId id="268" r:id="rId6"/>
+    <p:sldId id="258" r:id="rId4"/>
+    <p:sldId id="268" r:id="rId5"/>
+    <p:sldId id="276" r:id="rId6"/>
     <p:sldId id="269" r:id="rId7"/>
     <p:sldId id="270" r:id="rId8"/>
     <p:sldId id="271" r:id="rId9"/>
@@ -122,9 +122,9 @@
           <p14:sldIdLst>
             <p14:sldId id="256"/>
             <p14:sldId id="257"/>
-            <p14:sldId id="259"/>
             <p14:sldId id="258"/>
             <p14:sldId id="268"/>
+            <p14:sldId id="276"/>
             <p14:sldId id="269"/>
             <p14:sldId id="270"/>
             <p14:sldId id="271"/>
@@ -6026,150 +6026,6 @@
       </p:grpSpPr>
       <p:sp>
         <p:nvSpPr>
-          <p:cNvPr id="4" name="矩形 3">
-            <a:extLst>
-              <a:ext uri="{FF2B5EF4-FFF2-40B4-BE49-F238E27FC236}">
-                <a16:creationId xmlns:a16="http://schemas.microsoft.com/office/drawing/2014/main" id="{000F5FE6-FF63-4768-B139-B09681D9AAF1}"/>
-              </a:ext>
-            </a:extLst>
-          </p:cNvPr>
-          <p:cNvSpPr/>
-          <p:nvPr/>
-        </p:nvSpPr>
-        <p:spPr>
-          <a:xfrm>
-            <a:off x="0" y="1038114"/>
-            <a:ext cx="12192000" cy="189985"/>
-          </a:xfrm>
-          <a:prstGeom prst="rect">
-            <a:avLst/>
-          </a:prstGeom>
-          <a:gradFill>
-            <a:gsLst>
-              <a:gs pos="0">
-                <a:schemeClr val="accent1"/>
-              </a:gs>
-              <a:gs pos="64000">
-                <a:srgbClr val="26B1E2">
-                  <a:shade val="67500"/>
-                  <a:satMod val="115000"/>
-                </a:srgbClr>
-              </a:gs>
-              <a:gs pos="100000">
-                <a:srgbClr val="26B1E2">
-                  <a:shade val="100000"/>
-                  <a:satMod val="115000"/>
-                </a:srgbClr>
-              </a:gs>
-            </a:gsLst>
-            <a:path path="circle">
-              <a:fillToRect t="100000" r="100000"/>
-            </a:path>
-          </a:gradFill>
-          <a:ln>
-            <a:solidFill>
-              <a:schemeClr val="bg1"/>
-            </a:solidFill>
-          </a:ln>
-        </p:spPr>
-        <p:style>
-          <a:lnRef idx="2">
-            <a:schemeClr val="accent1">
-              <a:shade val="50000"/>
-            </a:schemeClr>
-          </a:lnRef>
-          <a:fillRef idx="1">
-            <a:schemeClr val="accent1"/>
-          </a:fillRef>
-          <a:effectRef idx="0">
-            <a:schemeClr val="accent1"/>
-          </a:effectRef>
-          <a:fontRef idx="minor">
-            <a:schemeClr val="lt1"/>
-          </a:fontRef>
-        </p:style>
-        <p:txBody>
-          <a:bodyPr rtlCol="0" anchor="ctr"/>
-          <a:lstStyle/>
-          <a:p>
-            <a:pPr algn="ctr"/>
-            <a:endParaRPr lang="zh-CN" altLang="en-US" dirty="0"/>
-          </a:p>
-        </p:txBody>
-      </p:sp>
-      <p:sp>
-        <p:nvSpPr>
-          <p:cNvPr id="6" name="文本框 5">
-            <a:extLst>
-              <a:ext uri="{FF2B5EF4-FFF2-40B4-BE49-F238E27FC236}">
-                <a16:creationId xmlns:a16="http://schemas.microsoft.com/office/drawing/2014/main" id="{A3172AE0-E4D6-433B-86DA-A73176BC9389}"/>
-              </a:ext>
-            </a:extLst>
-          </p:cNvPr>
-          <p:cNvSpPr txBox="1"/>
-          <p:nvPr/>
-        </p:nvSpPr>
-        <p:spPr>
-          <a:xfrm>
-            <a:off x="161856" y="202452"/>
-            <a:ext cx="6103786" cy="707886"/>
-          </a:xfrm>
-          <a:prstGeom prst="rect">
-            <a:avLst/>
-          </a:prstGeom>
-          <a:noFill/>
-        </p:spPr>
-        <p:txBody>
-          <a:bodyPr wrap="square">
-            <a:spAutoFit/>
-          </a:bodyPr>
-          <a:lstStyle/>
-          <a:p>
-            <a:r>
-              <a:rPr lang="en-US" altLang="zh-CN" sz="4000" dirty="0">
-                <a:latin typeface="Cambria" panose="02040503050406030204" pitchFamily="18" charset="0"/>
-                <a:ea typeface="Cambria" panose="02040503050406030204" pitchFamily="18" charset="0"/>
-              </a:rPr>
-              <a:t>Iron based superconductor</a:t>
-            </a:r>
-            <a:endParaRPr lang="zh-CN" altLang="en-US" sz="4000" dirty="0">
-              <a:latin typeface="Cambria" panose="02040503050406030204" pitchFamily="18" charset="0"/>
-            </a:endParaRPr>
-          </a:p>
-        </p:txBody>
-      </p:sp>
-    </p:spTree>
-    <p:extLst>
-      <p:ext uri="{BB962C8B-B14F-4D97-AF65-F5344CB8AC3E}">
-        <p14:creationId xmlns:p14="http://schemas.microsoft.com/office/powerpoint/2010/main" val="1605678672"/>
-      </p:ext>
-    </p:extLst>
-  </p:cSld>
-  <p:clrMapOvr>
-    <a:masterClrMapping/>
-  </p:clrMapOvr>
-</p:sld>
-</file>
-
-<file path=ppt/slides/slide4.xml><?xml version="1.0" encoding="utf-8"?>
-<p:sld xmlns:a="http://schemas.openxmlformats.org/drawingml/2006/main" xmlns:r="http://schemas.openxmlformats.org/officeDocument/2006/relationships" xmlns:p="http://schemas.openxmlformats.org/presentationml/2006/main">
-  <p:cSld>
-    <p:spTree>
-      <p:nvGrpSpPr>
-        <p:cNvPr id="1" name=""/>
-        <p:cNvGrpSpPr/>
-        <p:nvPr/>
-      </p:nvGrpSpPr>
-      <p:grpSpPr>
-        <a:xfrm>
-          <a:off x="0" y="0"/>
-          <a:ext cx="0" cy="0"/>
-          <a:chOff x="0" y="0"/>
-          <a:chExt cx="0" cy="0"/>
-        </a:xfrm>
-      </p:grpSpPr>
-      <p:sp>
-        <p:nvSpPr>
           <p:cNvPr id="4" name="文本框 3">
             <a:extLst>
               <a:ext uri="{FF2B5EF4-FFF2-40B4-BE49-F238E27FC236}">
@@ -15991,7 +15847,7 @@
 </p:sld>
 </file>
 
-<file path=ppt/slides/slide5.xml><?xml version="1.0" encoding="utf-8"?>
+<file path=ppt/slides/slide4.xml><?xml version="1.0" encoding="utf-8"?>
 <p:sld xmlns:a="http://schemas.openxmlformats.org/drawingml/2006/main" xmlns:r="http://schemas.openxmlformats.org/officeDocument/2006/relationships" xmlns:p="http://schemas.openxmlformats.org/presentationml/2006/main">
   <p:cSld>
     <p:spTree>
@@ -16193,6 +16049,36 @@
     <p:extLst>
       <p:ext uri="{BB962C8B-B14F-4D97-AF65-F5344CB8AC3E}">
         <p14:creationId xmlns:p14="http://schemas.microsoft.com/office/powerpoint/2010/main" val="2751787805"/>
+      </p:ext>
+    </p:extLst>
+  </p:cSld>
+  <p:clrMapOvr>
+    <a:masterClrMapping/>
+  </p:clrMapOvr>
+</p:sld>
+</file>
+
+<file path=ppt/slides/slide5.xml><?xml version="1.0" encoding="utf-8"?>
+<p:sld xmlns:a="http://schemas.openxmlformats.org/drawingml/2006/main" xmlns:r="http://schemas.openxmlformats.org/officeDocument/2006/relationships" xmlns:p="http://schemas.openxmlformats.org/presentationml/2006/main">
+  <p:cSld>
+    <p:spTree>
+      <p:nvGrpSpPr>
+        <p:cNvPr id="1" name=""/>
+        <p:cNvGrpSpPr/>
+        <p:nvPr/>
+      </p:nvGrpSpPr>
+      <p:grpSpPr>
+        <a:xfrm>
+          <a:off x="0" y="0"/>
+          <a:ext cx="0" cy="0"/>
+          <a:chOff x="0" y="0"/>
+          <a:chExt cx="0" cy="0"/>
+        </a:xfrm>
+      </p:grpSpPr>
+    </p:spTree>
+    <p:extLst>
+      <p:ext uri="{BB962C8B-B14F-4D97-AF65-F5344CB8AC3E}">
+        <p14:creationId xmlns:p14="http://schemas.microsoft.com/office/powerpoint/2010/main" val="117667091"/>
       </p:ext>
     </p:extLst>
   </p:cSld>
